--- a/Maternal Health Risk Final Project.pptx
+++ b/Maternal Health Risk Final Project.pptx
@@ -22,23 +22,26 @@
     <p:sldId id="267" r:id="rId17"/>
     <p:sldId id="268" r:id="rId18"/>
     <p:sldId id="269" r:id="rId19"/>
+    <p:sldId id="270" r:id="rId20"/>
+    <p:sldId id="271" r:id="rId21"/>
+    <p:sldId id="272" r:id="rId22"/>
   </p:sldIdLst>
   <p:sldSz cy="5143500" cx="9144000"/>
   <p:notesSz cx="6858000" cy="9144000"/>
   <p:embeddedFontLst>
     <p:embeddedFont>
       <p:font typeface="Raleway"/>
-      <p:regular r:id="rId20"/>
-      <p:bold r:id="rId21"/>
-      <p:italic r:id="rId22"/>
-      <p:boldItalic r:id="rId23"/>
+      <p:regular r:id="rId23"/>
+      <p:bold r:id="rId24"/>
+      <p:italic r:id="rId25"/>
+      <p:boldItalic r:id="rId26"/>
     </p:embeddedFont>
     <p:embeddedFont>
       <p:font typeface="Lato"/>
-      <p:regular r:id="rId24"/>
-      <p:bold r:id="rId25"/>
-      <p:italic r:id="rId26"/>
-      <p:boldItalic r:id="rId27"/>
+      <p:regular r:id="rId27"/>
+      <p:bold r:id="rId28"/>
+      <p:italic r:id="rId29"/>
+      <p:boldItalic r:id="rId30"/>
     </p:embeddedFont>
   </p:embeddedFontLst>
   <p:defaultTextStyle>
@@ -801,11 +804,7 @@
             </a:pPr>
             <a:r>
               <a:rPr lang="en"/>
-              <a:t>Sean. </a:t>
-            </a:r>
-            <a:r>
-              <a:rPr i="1" lang="en"/>
-              <a:t>Your clear mic will give us a good start!</a:t>
+              <a:t>Chris</a:t>
             </a:r>
             <a:endParaRPr/>
           </a:p>
@@ -824,7 +823,7 @@
   <p:cSld>
     <p:spTree>
       <p:nvGrpSpPr>
-        <p:cNvPr id="144" name="Shape 144"/>
+        <p:cNvPr id="143" name="Shape 143"/>
         <p:cNvGrpSpPr/>
         <p:nvPr/>
       </p:nvGrpSpPr>
@@ -838,7 +837,7 @@
       </p:grpSpPr>
       <p:sp>
         <p:nvSpPr>
-          <p:cNvPr id="145" name="Google Shape;145;g2f136a9bf52_0_137:notes"/>
+          <p:cNvPr id="144" name="Google Shape;144;g2f153a16f95_0_56:notes"/>
           <p:cNvSpPr/>
           <p:nvPr>
             <p:ph idx="2" type="sldImg"/>
@@ -873,7 +872,7 @@
       </p:sp>
       <p:sp>
         <p:nvSpPr>
-          <p:cNvPr id="146" name="Google Shape;146;g2f136a9bf52_0_137:notes"/>
+          <p:cNvPr id="145" name="Google Shape;145;g2f153a16f95_0_56:notes"/>
           <p:cNvSpPr txBox="1"/>
           <p:nvPr>
             <p:ph idx="1" type="body"/>
@@ -905,15 +904,7 @@
             </a:pPr>
             <a:r>
               <a:rPr lang="en"/>
-              <a:t>Chris: Even </a:t>
-            </a:r>
-            <a:r>
-              <a:rPr lang="en"/>
-              <a:t>with</a:t>
-            </a:r>
-            <a:r>
-              <a:rPr lang="en"/>
-              <a:t> the depth limit set at 4, so we saw accuracy improve in the model without training. Naturally, we had an idea to try just that. And Mani will explain the step of GridSearchCV to further improve accuracy with training.</a:t>
+              <a:t>Sean</a:t>
             </a:r>
             <a:endParaRPr/>
           </a:p>
@@ -946,7 +937,7 @@
       </p:grpSpPr>
       <p:sp>
         <p:nvSpPr>
-          <p:cNvPr id="151" name="Google Shape;151;g2f136a9bf52_0_132:notes"/>
+          <p:cNvPr id="151" name="Google Shape;151;g2f1667ec186_0_29:notes"/>
           <p:cNvSpPr/>
           <p:nvPr>
             <p:ph idx="2" type="sldImg"/>
@@ -981,7 +972,7 @@
       </p:sp>
       <p:sp>
         <p:nvSpPr>
-          <p:cNvPr id="152" name="Google Shape;152;g2f136a9bf52_0_132:notes"/>
+          <p:cNvPr id="152" name="Google Shape;152;g2f1667ec186_0_29:notes"/>
           <p:cNvSpPr txBox="1"/>
           <p:nvPr>
             <p:ph idx="1" type="body"/>
@@ -1013,7 +1004,7 @@
             </a:pPr>
             <a:r>
               <a:rPr lang="en"/>
-              <a:t>Mani explanation of training</a:t>
+              <a:t>Sean</a:t>
             </a:r>
             <a:endParaRPr/>
           </a:p>
@@ -1032,7 +1023,7 @@
   <p:cSld>
     <p:spTree>
       <p:nvGrpSpPr>
-        <p:cNvPr id="156" name="Shape 156"/>
+        <p:cNvPr id="158" name="Shape 158"/>
         <p:cNvGrpSpPr/>
         <p:nvPr/>
       </p:nvGrpSpPr>
@@ -1046,7 +1037,7 @@
       </p:grpSpPr>
       <p:sp>
         <p:nvSpPr>
-          <p:cNvPr id="157" name="Google Shape;157;g2f153a16f95_0_20:notes"/>
+          <p:cNvPr id="159" name="Google Shape;159;g2f136a9bf52_0_127:notes"/>
           <p:cNvSpPr/>
           <p:nvPr>
             <p:ph idx="2" type="sldImg"/>
@@ -1081,7 +1072,327 @@
       </p:sp>
       <p:sp>
         <p:nvSpPr>
-          <p:cNvPr id="158" name="Google Shape;158;g2f153a16f95_0_20:notes"/>
+          <p:cNvPr id="160" name="Google Shape;160;g2f136a9bf52_0_127:notes"/>
+          <p:cNvSpPr txBox="1"/>
+          <p:nvPr>
+            <p:ph idx="1" type="body"/>
+          </p:nvPr>
+        </p:nvSpPr>
+        <p:spPr>
+          <a:xfrm>
+            <a:off x="685800" y="4343400"/>
+            <a:ext cx="5486400" cy="4114800"/>
+          </a:xfrm>
+          <a:prstGeom prst="rect">
+            <a:avLst/>
+          </a:prstGeom>
+        </p:spPr>
+        <p:txBody>
+          <a:bodyPr anchorCtr="0" anchor="t" bIns="91425" lIns="91425" spcFirstLastPara="1" rIns="91425" wrap="square" tIns="91425">
+            <a:noAutofit/>
+          </a:bodyPr>
+          <a:lstStyle/>
+          <a:p>
+            <a:pPr indent="0" lvl="0" marL="0" rtl="0" algn="l">
+              <a:spcBef>
+                <a:spcPts val="0"/>
+              </a:spcBef>
+              <a:spcAft>
+                <a:spcPts val="0"/>
+              </a:spcAft>
+              <a:buNone/>
+            </a:pPr>
+            <a:r>
+              <a:rPr lang="en"/>
+              <a:t>Sean explanation, if we want to include. </a:t>
+            </a:r>
+            <a:r>
+              <a:rPr lang="en" sz="1200">
+                <a:solidFill>
+                  <a:schemeClr val="dk1"/>
+                </a:solidFill>
+                <a:latin typeface="Times New Roman"/>
+                <a:ea typeface="Times New Roman"/>
+                <a:cs typeface="Times New Roman"/>
+                <a:sym typeface="Times New Roman"/>
+              </a:rPr>
+              <a:t>Decision tree diagram for GridSearchCV at maximum depth = 4. Include explanation of hyperparameter tuning</a:t>
+            </a:r>
+            <a:endParaRPr/>
+          </a:p>
+        </p:txBody>
+      </p:sp>
+    </p:spTree>
+  </p:cSld>
+  <p:clrMapOvr>
+    <a:masterClrMapping/>
+  </p:clrMapOvr>
+</p:notes>
+</file>
+
+<file path=ppt/notesSlides/notesSlide13.xml><?xml version="1.0" encoding="utf-8"?>
+<p:notes xmlns:a="http://schemas.openxmlformats.org/drawingml/2006/main" xmlns:r="http://schemas.openxmlformats.org/officeDocument/2006/relationships" xmlns:mc="http://schemas.openxmlformats.org/markup-compatibility/2006" xmlns:mv="urn:schemas-microsoft-com:mac:vml" xmlns:p="http://schemas.openxmlformats.org/presentationml/2006/main" xmlns:c="http://schemas.openxmlformats.org/drawingml/2006/chart" xmlns:dgm="http://schemas.openxmlformats.org/drawingml/2006/diagram" xmlns:o="urn:schemas-microsoft-com:office:office" xmlns:v="urn:schemas-microsoft-com:vml" xmlns:pvml="urn:schemas-microsoft-com:office:powerpoint" xmlns:com="http://schemas.openxmlformats.org/drawingml/2006/compatibility" xmlns:p14="http://schemas.microsoft.com/office/powerpoint/2010/main" xmlns:p15="http://schemas.microsoft.com/office/powerpoint/2012/main" xmlns:ahyp="http://schemas.microsoft.com/office/drawing/2018/hyperlinkcolor" showMasterPhAnim="0" showMasterSp="0">
+  <p:cSld>
+    <p:spTree>
+      <p:nvGrpSpPr>
+        <p:cNvPr id="164" name="Shape 164"/>
+        <p:cNvGrpSpPr/>
+        <p:nvPr/>
+      </p:nvGrpSpPr>
+      <p:grpSpPr>
+        <a:xfrm>
+          <a:off x="0" y="0"/>
+          <a:ext cx="0" cy="0"/>
+          <a:chOff x="0" y="0"/>
+          <a:chExt cx="0" cy="0"/>
+        </a:xfrm>
+      </p:grpSpPr>
+      <p:sp>
+        <p:nvSpPr>
+          <p:cNvPr id="165" name="Google Shape;165;g2f136a9bf52_0_137:notes"/>
+          <p:cNvSpPr/>
+          <p:nvPr>
+            <p:ph idx="2" type="sldImg"/>
+          </p:nvPr>
+        </p:nvSpPr>
+        <p:spPr>
+          <a:xfrm>
+            <a:off x="381300" y="685800"/>
+            <a:ext cx="6096000" cy="3429000"/>
+          </a:xfrm>
+          <a:custGeom>
+            <a:rect b="b" l="l" r="r" t="t"/>
+            <a:pathLst>
+              <a:path extrusionOk="0" h="120000" w="120000">
+                <a:moveTo>
+                  <a:pt x="0" y="0"/>
+                </a:moveTo>
+                <a:lnTo>
+                  <a:pt x="120000" y="0"/>
+                </a:lnTo>
+                <a:lnTo>
+                  <a:pt x="120000" y="120000"/>
+                </a:lnTo>
+                <a:lnTo>
+                  <a:pt x="0" y="120000"/>
+                </a:lnTo>
+                <a:close/>
+              </a:path>
+            </a:pathLst>
+          </a:custGeom>
+        </p:spPr>
+      </p:sp>
+      <p:sp>
+        <p:nvSpPr>
+          <p:cNvPr id="166" name="Google Shape;166;g2f136a9bf52_0_137:notes"/>
+          <p:cNvSpPr txBox="1"/>
+          <p:nvPr>
+            <p:ph idx="1" type="body"/>
+          </p:nvPr>
+        </p:nvSpPr>
+        <p:spPr>
+          <a:xfrm>
+            <a:off x="685800" y="4343400"/>
+            <a:ext cx="5486400" cy="4114800"/>
+          </a:xfrm>
+          <a:prstGeom prst="rect">
+            <a:avLst/>
+          </a:prstGeom>
+        </p:spPr>
+        <p:txBody>
+          <a:bodyPr anchorCtr="0" anchor="t" bIns="91425" lIns="91425" spcFirstLastPara="1" rIns="91425" wrap="square" tIns="91425">
+            <a:noAutofit/>
+          </a:bodyPr>
+          <a:lstStyle/>
+          <a:p>
+            <a:pPr indent="0" lvl="0" marL="0" rtl="0" algn="l">
+              <a:spcBef>
+                <a:spcPts val="0"/>
+              </a:spcBef>
+              <a:spcAft>
+                <a:spcPts val="0"/>
+              </a:spcAft>
+              <a:buNone/>
+            </a:pPr>
+            <a:r>
+              <a:rPr lang="en"/>
+              <a:t>Chris: Even </a:t>
+            </a:r>
+            <a:r>
+              <a:rPr lang="en"/>
+              <a:t>with</a:t>
+            </a:r>
+            <a:r>
+              <a:rPr lang="en"/>
+              <a:t> the depth limit set at 4, so we saw accuracy improve in the model without training. Naturally, we had an idea to try just that. And Mani will explain the step of GridSearchCV to further improve accuracy with training.</a:t>
+            </a:r>
+            <a:endParaRPr/>
+          </a:p>
+        </p:txBody>
+      </p:sp>
+    </p:spTree>
+  </p:cSld>
+  <p:clrMapOvr>
+    <a:masterClrMapping/>
+  </p:clrMapOvr>
+</p:notes>
+</file>
+
+<file path=ppt/notesSlides/notesSlide14.xml><?xml version="1.0" encoding="utf-8"?>
+<p:notes xmlns:a="http://schemas.openxmlformats.org/drawingml/2006/main" xmlns:r="http://schemas.openxmlformats.org/officeDocument/2006/relationships" xmlns:mc="http://schemas.openxmlformats.org/markup-compatibility/2006" xmlns:mv="urn:schemas-microsoft-com:mac:vml" xmlns:p="http://schemas.openxmlformats.org/presentationml/2006/main" xmlns:c="http://schemas.openxmlformats.org/drawingml/2006/chart" xmlns:dgm="http://schemas.openxmlformats.org/drawingml/2006/diagram" xmlns:o="urn:schemas-microsoft-com:office:office" xmlns:v="urn:schemas-microsoft-com:vml" xmlns:pvml="urn:schemas-microsoft-com:office:powerpoint" xmlns:com="http://schemas.openxmlformats.org/drawingml/2006/compatibility" xmlns:p14="http://schemas.microsoft.com/office/powerpoint/2010/main" xmlns:p15="http://schemas.microsoft.com/office/powerpoint/2012/main" xmlns:ahyp="http://schemas.microsoft.com/office/drawing/2018/hyperlinkcolor" showMasterPhAnim="0" showMasterSp="0">
+  <p:cSld>
+    <p:spTree>
+      <p:nvGrpSpPr>
+        <p:cNvPr id="170" name="Shape 170"/>
+        <p:cNvGrpSpPr/>
+        <p:nvPr/>
+      </p:nvGrpSpPr>
+      <p:grpSpPr>
+        <a:xfrm>
+          <a:off x="0" y="0"/>
+          <a:ext cx="0" cy="0"/>
+          <a:chOff x="0" y="0"/>
+          <a:chExt cx="0" cy="0"/>
+        </a:xfrm>
+      </p:grpSpPr>
+      <p:sp>
+        <p:nvSpPr>
+          <p:cNvPr id="171" name="Google Shape;171;g2f136a9bf52_0_132:notes"/>
+          <p:cNvSpPr/>
+          <p:nvPr>
+            <p:ph idx="2" type="sldImg"/>
+          </p:nvPr>
+        </p:nvSpPr>
+        <p:spPr>
+          <a:xfrm>
+            <a:off x="381300" y="685800"/>
+            <a:ext cx="6096000" cy="3429000"/>
+          </a:xfrm>
+          <a:custGeom>
+            <a:rect b="b" l="l" r="r" t="t"/>
+            <a:pathLst>
+              <a:path extrusionOk="0" h="120000" w="120000">
+                <a:moveTo>
+                  <a:pt x="0" y="0"/>
+                </a:moveTo>
+                <a:lnTo>
+                  <a:pt x="120000" y="0"/>
+                </a:lnTo>
+                <a:lnTo>
+                  <a:pt x="120000" y="120000"/>
+                </a:lnTo>
+                <a:lnTo>
+                  <a:pt x="0" y="120000"/>
+                </a:lnTo>
+                <a:close/>
+              </a:path>
+            </a:pathLst>
+          </a:custGeom>
+        </p:spPr>
+      </p:sp>
+      <p:sp>
+        <p:nvSpPr>
+          <p:cNvPr id="172" name="Google Shape;172;g2f136a9bf52_0_132:notes"/>
+          <p:cNvSpPr txBox="1"/>
+          <p:nvPr>
+            <p:ph idx="1" type="body"/>
+          </p:nvPr>
+        </p:nvSpPr>
+        <p:spPr>
+          <a:xfrm>
+            <a:off x="685800" y="4343400"/>
+            <a:ext cx="5486400" cy="4114800"/>
+          </a:xfrm>
+          <a:prstGeom prst="rect">
+            <a:avLst/>
+          </a:prstGeom>
+        </p:spPr>
+        <p:txBody>
+          <a:bodyPr anchorCtr="0" anchor="t" bIns="91425" lIns="91425" spcFirstLastPara="1" rIns="91425" wrap="square" tIns="91425">
+            <a:noAutofit/>
+          </a:bodyPr>
+          <a:lstStyle/>
+          <a:p>
+            <a:pPr indent="0" lvl="0" marL="0" rtl="0" algn="l">
+              <a:spcBef>
+                <a:spcPts val="0"/>
+              </a:spcBef>
+              <a:spcAft>
+                <a:spcPts val="0"/>
+              </a:spcAft>
+              <a:buNone/>
+            </a:pPr>
+            <a:r>
+              <a:rPr lang="en"/>
+              <a:t>Mani explanation of training</a:t>
+            </a:r>
+            <a:endParaRPr/>
+          </a:p>
+        </p:txBody>
+      </p:sp>
+    </p:spTree>
+  </p:cSld>
+  <p:clrMapOvr>
+    <a:masterClrMapping/>
+  </p:clrMapOvr>
+</p:notes>
+</file>
+
+<file path=ppt/notesSlides/notesSlide15.xml><?xml version="1.0" encoding="utf-8"?>
+<p:notes xmlns:a="http://schemas.openxmlformats.org/drawingml/2006/main" xmlns:r="http://schemas.openxmlformats.org/officeDocument/2006/relationships" xmlns:mc="http://schemas.openxmlformats.org/markup-compatibility/2006" xmlns:mv="urn:schemas-microsoft-com:mac:vml" xmlns:p="http://schemas.openxmlformats.org/presentationml/2006/main" xmlns:c="http://schemas.openxmlformats.org/drawingml/2006/chart" xmlns:dgm="http://schemas.openxmlformats.org/drawingml/2006/diagram" xmlns:o="urn:schemas-microsoft-com:office:office" xmlns:v="urn:schemas-microsoft-com:vml" xmlns:pvml="urn:schemas-microsoft-com:office:powerpoint" xmlns:com="http://schemas.openxmlformats.org/drawingml/2006/compatibility" xmlns:p14="http://schemas.microsoft.com/office/powerpoint/2010/main" xmlns:p15="http://schemas.microsoft.com/office/powerpoint/2012/main" xmlns:ahyp="http://schemas.microsoft.com/office/drawing/2018/hyperlinkcolor" showMasterPhAnim="0" showMasterSp="0">
+  <p:cSld>
+    <p:spTree>
+      <p:nvGrpSpPr>
+        <p:cNvPr id="176" name="Shape 176"/>
+        <p:cNvGrpSpPr/>
+        <p:nvPr/>
+      </p:nvGrpSpPr>
+      <p:grpSpPr>
+        <a:xfrm>
+          <a:off x="0" y="0"/>
+          <a:ext cx="0" cy="0"/>
+          <a:chOff x="0" y="0"/>
+          <a:chExt cx="0" cy="0"/>
+        </a:xfrm>
+      </p:grpSpPr>
+      <p:sp>
+        <p:nvSpPr>
+          <p:cNvPr id="177" name="Google Shape;177;g2f153a16f95_0_20:notes"/>
+          <p:cNvSpPr/>
+          <p:nvPr>
+            <p:ph idx="2" type="sldImg"/>
+          </p:nvPr>
+        </p:nvSpPr>
+        <p:spPr>
+          <a:xfrm>
+            <a:off x="381300" y="685800"/>
+            <a:ext cx="6096000" cy="3429000"/>
+          </a:xfrm>
+          <a:custGeom>
+            <a:rect b="b" l="l" r="r" t="t"/>
+            <a:pathLst>
+              <a:path extrusionOk="0" h="120000" w="120000">
+                <a:moveTo>
+                  <a:pt x="0" y="0"/>
+                </a:moveTo>
+                <a:lnTo>
+                  <a:pt x="120000" y="0"/>
+                </a:lnTo>
+                <a:lnTo>
+                  <a:pt x="120000" y="120000"/>
+                </a:lnTo>
+                <a:lnTo>
+                  <a:pt x="0" y="120000"/>
+                </a:lnTo>
+                <a:close/>
+              </a:path>
+            </a:pathLst>
+          </a:custGeom>
+        </p:spPr>
+      </p:sp>
+      <p:sp>
+        <p:nvSpPr>
+          <p:cNvPr id="178" name="Google Shape;178;g2f153a16f95_0_20:notes"/>
           <p:cNvSpPr txBox="1"/>
           <p:nvPr>
             <p:ph idx="1" type="body"/>
@@ -1139,12 +1450,12 @@
 </p:notes>
 </file>
 
-<file path=ppt/notesSlides/notesSlide13.xml><?xml version="1.0" encoding="utf-8"?>
+<file path=ppt/notesSlides/notesSlide16.xml><?xml version="1.0" encoding="utf-8"?>
 <p:notes xmlns:a="http://schemas.openxmlformats.org/drawingml/2006/main" xmlns:r="http://schemas.openxmlformats.org/officeDocument/2006/relationships" xmlns:mc="http://schemas.openxmlformats.org/markup-compatibility/2006" xmlns:mv="urn:schemas-microsoft-com:mac:vml" xmlns:p="http://schemas.openxmlformats.org/presentationml/2006/main" xmlns:c="http://schemas.openxmlformats.org/drawingml/2006/chart" xmlns:dgm="http://schemas.openxmlformats.org/drawingml/2006/diagram" xmlns:o="urn:schemas-microsoft-com:office:office" xmlns:v="urn:schemas-microsoft-com:vml" xmlns:pvml="urn:schemas-microsoft-com:office:powerpoint" xmlns:com="http://schemas.openxmlformats.org/drawingml/2006/compatibility" xmlns:p14="http://schemas.microsoft.com/office/powerpoint/2010/main" xmlns:p15="http://schemas.microsoft.com/office/powerpoint/2012/main" xmlns:ahyp="http://schemas.microsoft.com/office/drawing/2018/hyperlinkcolor" showMasterPhAnim="0" showMasterSp="0">
   <p:cSld>
     <p:spTree>
       <p:nvGrpSpPr>
-        <p:cNvPr id="162" name="Shape 162"/>
+        <p:cNvPr id="182" name="Shape 182"/>
         <p:cNvGrpSpPr/>
         <p:nvPr/>
       </p:nvGrpSpPr>
@@ -1158,7 +1469,7 @@
       </p:grpSpPr>
       <p:sp>
         <p:nvSpPr>
-          <p:cNvPr id="163" name="Google Shape;163;g2f153a16f95_0_35:notes"/>
+          <p:cNvPr id="183" name="Google Shape;183;g2f153a16f95_0_35:notes"/>
           <p:cNvSpPr/>
           <p:nvPr>
             <p:ph idx="2" type="sldImg"/>
@@ -1193,7 +1504,7 @@
       </p:sp>
       <p:sp>
         <p:nvSpPr>
-          <p:cNvPr id="164" name="Google Shape;164;g2f153a16f95_0_35:notes"/>
+          <p:cNvPr id="184" name="Google Shape;184;g2f153a16f95_0_35:notes"/>
           <p:cNvSpPr txBox="1"/>
           <p:nvPr>
             <p:ph idx="1" type="body"/>
@@ -1239,12 +1550,12 @@
 </p:notes>
 </file>
 
-<file path=ppt/notesSlides/notesSlide14.xml><?xml version="1.0" encoding="utf-8"?>
+<file path=ppt/notesSlides/notesSlide17.xml><?xml version="1.0" encoding="utf-8"?>
 <p:notes xmlns:a="http://schemas.openxmlformats.org/drawingml/2006/main" xmlns:r="http://schemas.openxmlformats.org/officeDocument/2006/relationships" xmlns:mc="http://schemas.openxmlformats.org/markup-compatibility/2006" xmlns:mv="urn:schemas-microsoft-com:mac:vml" xmlns:p="http://schemas.openxmlformats.org/presentationml/2006/main" xmlns:c="http://schemas.openxmlformats.org/drawingml/2006/chart" xmlns:dgm="http://schemas.openxmlformats.org/drawingml/2006/diagram" xmlns:o="urn:schemas-microsoft-com:office:office" xmlns:v="urn:schemas-microsoft-com:vml" xmlns:pvml="urn:schemas-microsoft-com:office:powerpoint" xmlns:com="http://schemas.openxmlformats.org/drawingml/2006/compatibility" xmlns:p14="http://schemas.microsoft.com/office/powerpoint/2010/main" xmlns:p15="http://schemas.microsoft.com/office/powerpoint/2012/main" xmlns:ahyp="http://schemas.microsoft.com/office/drawing/2018/hyperlinkcolor" showMasterPhAnim="0" showMasterSp="0">
   <p:cSld>
     <p:spTree>
       <p:nvGrpSpPr>
-        <p:cNvPr id="168" name="Shape 168"/>
+        <p:cNvPr id="188" name="Shape 188"/>
         <p:cNvGrpSpPr/>
         <p:nvPr/>
       </p:nvGrpSpPr>
@@ -1258,7 +1569,7 @@
       </p:grpSpPr>
       <p:sp>
         <p:nvSpPr>
-          <p:cNvPr id="169" name="Google Shape;169;g2f136a9bf52_0_152:notes"/>
+          <p:cNvPr id="189" name="Google Shape;189;g2f136a9bf52_0_152:notes"/>
           <p:cNvSpPr/>
           <p:nvPr>
             <p:ph idx="2" type="sldImg"/>
@@ -1293,7 +1604,7 @@
       </p:sp>
       <p:sp>
         <p:nvSpPr>
-          <p:cNvPr id="170" name="Google Shape;170;g2f136a9bf52_0_152:notes"/>
+          <p:cNvPr id="190" name="Google Shape;190;g2f136a9bf52_0_152:notes"/>
           <p:cNvSpPr txBox="1"/>
           <p:nvPr>
             <p:ph idx="1" type="body"/>
@@ -1557,7 +1868,7 @@
                 <a:cs typeface="Times New Roman"/>
                 <a:sym typeface="Times New Roman"/>
               </a:rPr>
-              <a:t> And Sean will tell you a little more about those models</a:t>
+              <a:t> </a:t>
             </a:r>
             <a:endParaRPr/>
           </a:p>
@@ -1590,7 +1901,7 @@
       </p:grpSpPr>
       <p:sp>
         <p:nvSpPr>
-          <p:cNvPr id="102" name="Google Shape;102;g27fd7f134dd_0_8:notes"/>
+          <p:cNvPr id="102" name="Google Shape;102;g2f1edfdc48f_1_0:notes"/>
           <p:cNvSpPr/>
           <p:nvPr>
             <p:ph idx="2" type="sldImg"/>
@@ -1625,7 +1936,7 @@
       </p:sp>
       <p:sp>
         <p:nvSpPr>
-          <p:cNvPr id="103" name="Google Shape;103;g27fd7f134dd_0_8:notes"/>
+          <p:cNvPr id="103" name="Google Shape;103;g2f1edfdc48f_1_0:notes"/>
           <p:cNvSpPr txBox="1"/>
           <p:nvPr>
             <p:ph idx="1" type="body"/>
@@ -1690,7 +2001,7 @@
       </p:grpSpPr>
       <p:sp>
         <p:nvSpPr>
-          <p:cNvPr id="108" name="Google Shape;108;g2f153a16f95_0_56:notes"/>
+          <p:cNvPr id="108" name="Google Shape;108;g27fd7f134dd_0_8:notes"/>
           <p:cNvSpPr/>
           <p:nvPr>
             <p:ph idx="2" type="sldImg"/>
@@ -1725,7 +2036,7 @@
       </p:sp>
       <p:sp>
         <p:nvSpPr>
-          <p:cNvPr id="109" name="Google Shape;109;g2f153a16f95_0_56:notes"/>
+          <p:cNvPr id="109" name="Google Shape;109;g27fd7f134dd_0_8:notes"/>
           <p:cNvSpPr txBox="1"/>
           <p:nvPr>
             <p:ph idx="1" type="body"/>
@@ -1790,7 +2101,7 @@
       </p:grpSpPr>
       <p:sp>
         <p:nvSpPr>
-          <p:cNvPr id="115" name="Google Shape;115;g2f153a16f95_0_25:notes"/>
+          <p:cNvPr id="115" name="Google Shape;115;g2f1edfdc48f_1_7:notes"/>
           <p:cNvSpPr/>
           <p:nvPr>
             <p:ph idx="2" type="sldImg"/>
@@ -1825,7 +2136,207 @@
       </p:sp>
       <p:sp>
         <p:nvSpPr>
-          <p:cNvPr id="116" name="Google Shape;116;g2f153a16f95_0_25:notes"/>
+          <p:cNvPr id="116" name="Google Shape;116;g2f1edfdc48f_1_7:notes"/>
+          <p:cNvSpPr txBox="1"/>
+          <p:nvPr>
+            <p:ph idx="1" type="body"/>
+          </p:nvPr>
+        </p:nvSpPr>
+        <p:spPr>
+          <a:xfrm>
+            <a:off x="685800" y="4343400"/>
+            <a:ext cx="5486400" cy="4114800"/>
+          </a:xfrm>
+          <a:prstGeom prst="rect">
+            <a:avLst/>
+          </a:prstGeom>
+        </p:spPr>
+        <p:txBody>
+          <a:bodyPr anchorCtr="0" anchor="t" bIns="91425" lIns="91425" spcFirstLastPara="1" rIns="91425" wrap="square" tIns="91425">
+            <a:noAutofit/>
+          </a:bodyPr>
+          <a:lstStyle/>
+          <a:p>
+            <a:pPr indent="0" lvl="0" marL="0" rtl="0" algn="l">
+              <a:spcBef>
+                <a:spcPts val="0"/>
+              </a:spcBef>
+              <a:spcAft>
+                <a:spcPts val="0"/>
+              </a:spcAft>
+              <a:buNone/>
+            </a:pPr>
+            <a:r>
+              <a:rPr lang="en"/>
+              <a:t>Sean</a:t>
+            </a:r>
+            <a:endParaRPr/>
+          </a:p>
+        </p:txBody>
+      </p:sp>
+    </p:spTree>
+  </p:cSld>
+  <p:clrMapOvr>
+    <a:masterClrMapping/>
+  </p:clrMapOvr>
+</p:notes>
+</file>
+
+<file path=ppt/notesSlides/notesSlide7.xml><?xml version="1.0" encoding="utf-8"?>
+<p:notes xmlns:a="http://schemas.openxmlformats.org/drawingml/2006/main" xmlns:r="http://schemas.openxmlformats.org/officeDocument/2006/relationships" xmlns:mc="http://schemas.openxmlformats.org/markup-compatibility/2006" xmlns:mv="urn:schemas-microsoft-com:mac:vml" xmlns:p="http://schemas.openxmlformats.org/presentationml/2006/main" xmlns:c="http://schemas.openxmlformats.org/drawingml/2006/chart" xmlns:dgm="http://schemas.openxmlformats.org/drawingml/2006/diagram" xmlns:o="urn:schemas-microsoft-com:office:office" xmlns:v="urn:schemas-microsoft-com:vml" xmlns:pvml="urn:schemas-microsoft-com:office:powerpoint" xmlns:com="http://schemas.openxmlformats.org/drawingml/2006/compatibility" xmlns:p14="http://schemas.microsoft.com/office/powerpoint/2010/main" xmlns:p15="http://schemas.microsoft.com/office/powerpoint/2012/main" xmlns:ahyp="http://schemas.microsoft.com/office/drawing/2018/hyperlinkcolor" showMasterPhAnim="0" showMasterSp="0">
+  <p:cSld>
+    <p:spTree>
+      <p:nvGrpSpPr>
+        <p:cNvPr id="122" name="Shape 122"/>
+        <p:cNvGrpSpPr/>
+        <p:nvPr/>
+      </p:nvGrpSpPr>
+      <p:grpSpPr>
+        <a:xfrm>
+          <a:off x="0" y="0"/>
+          <a:ext cx="0" cy="0"/>
+          <a:chOff x="0" y="0"/>
+          <a:chExt cx="0" cy="0"/>
+        </a:xfrm>
+      </p:grpSpPr>
+      <p:sp>
+        <p:nvSpPr>
+          <p:cNvPr id="123" name="Google Shape;123;g2f1edfdc48f_1_16:notes"/>
+          <p:cNvSpPr/>
+          <p:nvPr>
+            <p:ph idx="2" type="sldImg"/>
+          </p:nvPr>
+        </p:nvSpPr>
+        <p:spPr>
+          <a:xfrm>
+            <a:off x="381300" y="685800"/>
+            <a:ext cx="6096000" cy="3429000"/>
+          </a:xfrm>
+          <a:custGeom>
+            <a:rect b="b" l="l" r="r" t="t"/>
+            <a:pathLst>
+              <a:path extrusionOk="0" h="120000" w="120000">
+                <a:moveTo>
+                  <a:pt x="0" y="0"/>
+                </a:moveTo>
+                <a:lnTo>
+                  <a:pt x="120000" y="0"/>
+                </a:lnTo>
+                <a:lnTo>
+                  <a:pt x="120000" y="120000"/>
+                </a:lnTo>
+                <a:lnTo>
+                  <a:pt x="0" y="120000"/>
+                </a:lnTo>
+                <a:close/>
+              </a:path>
+            </a:pathLst>
+          </a:custGeom>
+        </p:spPr>
+      </p:sp>
+      <p:sp>
+        <p:nvSpPr>
+          <p:cNvPr id="124" name="Google Shape;124;g2f1edfdc48f_1_16:notes"/>
+          <p:cNvSpPr txBox="1"/>
+          <p:nvPr>
+            <p:ph idx="1" type="body"/>
+          </p:nvPr>
+        </p:nvSpPr>
+        <p:spPr>
+          <a:xfrm>
+            <a:off x="685800" y="4343400"/>
+            <a:ext cx="5486400" cy="4114800"/>
+          </a:xfrm>
+          <a:prstGeom prst="rect">
+            <a:avLst/>
+          </a:prstGeom>
+        </p:spPr>
+        <p:txBody>
+          <a:bodyPr anchorCtr="0" anchor="t" bIns="91425" lIns="91425" spcFirstLastPara="1" rIns="91425" wrap="square" tIns="91425">
+            <a:noAutofit/>
+          </a:bodyPr>
+          <a:lstStyle/>
+          <a:p>
+            <a:pPr indent="0" lvl="0" marL="0" rtl="0" algn="l">
+              <a:spcBef>
+                <a:spcPts val="0"/>
+              </a:spcBef>
+              <a:spcAft>
+                <a:spcPts val="0"/>
+              </a:spcAft>
+              <a:buNone/>
+            </a:pPr>
+            <a:r>
+              <a:rPr lang="en"/>
+              <a:t>Sean</a:t>
+            </a:r>
+            <a:endParaRPr/>
+          </a:p>
+        </p:txBody>
+      </p:sp>
+    </p:spTree>
+  </p:cSld>
+  <p:clrMapOvr>
+    <a:masterClrMapping/>
+  </p:clrMapOvr>
+</p:notes>
+</file>
+
+<file path=ppt/notesSlides/notesSlide8.xml><?xml version="1.0" encoding="utf-8"?>
+<p:notes xmlns:a="http://schemas.openxmlformats.org/drawingml/2006/main" xmlns:r="http://schemas.openxmlformats.org/officeDocument/2006/relationships" xmlns:mc="http://schemas.openxmlformats.org/markup-compatibility/2006" xmlns:mv="urn:schemas-microsoft-com:mac:vml" xmlns:p="http://schemas.openxmlformats.org/presentationml/2006/main" xmlns:c="http://schemas.openxmlformats.org/drawingml/2006/chart" xmlns:dgm="http://schemas.openxmlformats.org/drawingml/2006/diagram" xmlns:o="urn:schemas-microsoft-com:office:office" xmlns:v="urn:schemas-microsoft-com:vml" xmlns:pvml="urn:schemas-microsoft-com:office:powerpoint" xmlns:com="http://schemas.openxmlformats.org/drawingml/2006/compatibility" xmlns:p14="http://schemas.microsoft.com/office/powerpoint/2010/main" xmlns:p15="http://schemas.microsoft.com/office/powerpoint/2012/main" xmlns:ahyp="http://schemas.microsoft.com/office/drawing/2018/hyperlinkcolor" showMasterPhAnim="0" showMasterSp="0">
+  <p:cSld>
+    <p:spTree>
+      <p:nvGrpSpPr>
+        <p:cNvPr id="128" name="Shape 128"/>
+        <p:cNvGrpSpPr/>
+        <p:nvPr/>
+      </p:nvGrpSpPr>
+      <p:grpSpPr>
+        <a:xfrm>
+          <a:off x="0" y="0"/>
+          <a:ext cx="0" cy="0"/>
+          <a:chOff x="0" y="0"/>
+          <a:chExt cx="0" cy="0"/>
+        </a:xfrm>
+      </p:grpSpPr>
+      <p:sp>
+        <p:nvSpPr>
+          <p:cNvPr id="129" name="Google Shape;129;g2f153a16f95_0_25:notes"/>
+          <p:cNvSpPr/>
+          <p:nvPr>
+            <p:ph idx="2" type="sldImg"/>
+          </p:nvPr>
+        </p:nvSpPr>
+        <p:spPr>
+          <a:xfrm>
+            <a:off x="381300" y="685800"/>
+            <a:ext cx="6096000" cy="3429000"/>
+          </a:xfrm>
+          <a:custGeom>
+            <a:rect b="b" l="l" r="r" t="t"/>
+            <a:pathLst>
+              <a:path extrusionOk="0" h="120000" w="120000">
+                <a:moveTo>
+                  <a:pt x="0" y="0"/>
+                </a:moveTo>
+                <a:lnTo>
+                  <a:pt x="120000" y="0"/>
+                </a:lnTo>
+                <a:lnTo>
+                  <a:pt x="120000" y="120000"/>
+                </a:lnTo>
+                <a:lnTo>
+                  <a:pt x="0" y="120000"/>
+                </a:lnTo>
+                <a:close/>
+              </a:path>
+            </a:pathLst>
+          </a:custGeom>
+        </p:spPr>
+      </p:sp>
+      <p:sp>
+        <p:nvSpPr>
+          <p:cNvPr id="130" name="Google Shape;130;g2f153a16f95_0_25:notes"/>
           <p:cNvSpPr txBox="1"/>
           <p:nvPr>
             <p:ph idx="1" type="body"/>
@@ -1883,12 +2394,12 @@
 </p:notes>
 </file>
 
-<file path=ppt/notesSlides/notesSlide7.xml><?xml version="1.0" encoding="utf-8"?>
+<file path=ppt/notesSlides/notesSlide9.xml><?xml version="1.0" encoding="utf-8"?>
 <p:notes xmlns:a="http://schemas.openxmlformats.org/drawingml/2006/main" xmlns:r="http://schemas.openxmlformats.org/officeDocument/2006/relationships" xmlns:mc="http://schemas.openxmlformats.org/markup-compatibility/2006" xmlns:mv="urn:schemas-microsoft-com:mac:vml" xmlns:p="http://schemas.openxmlformats.org/presentationml/2006/main" xmlns:c="http://schemas.openxmlformats.org/drawingml/2006/chart" xmlns:dgm="http://schemas.openxmlformats.org/drawingml/2006/diagram" xmlns:o="urn:schemas-microsoft-com:office:office" xmlns:v="urn:schemas-microsoft-com:vml" xmlns:pvml="urn:schemas-microsoft-com:office:powerpoint" xmlns:com="http://schemas.openxmlformats.org/drawingml/2006/compatibility" xmlns:p14="http://schemas.microsoft.com/office/powerpoint/2010/main" xmlns:p15="http://schemas.microsoft.com/office/powerpoint/2012/main" xmlns:ahyp="http://schemas.microsoft.com/office/drawing/2018/hyperlinkcolor" showMasterPhAnim="0" showMasterSp="0">
   <p:cSld>
     <p:spTree>
       <p:nvGrpSpPr>
-        <p:cNvPr id="121" name="Shape 121"/>
+        <p:cNvPr id="134" name="Shape 134"/>
         <p:cNvGrpSpPr/>
         <p:nvPr/>
       </p:nvGrpSpPr>
@@ -1902,7 +2413,7 @@
       </p:grpSpPr>
       <p:sp>
         <p:nvSpPr>
-          <p:cNvPr id="122" name="Google Shape;122;g2f153a16f95_0_61:notes"/>
+          <p:cNvPr id="135" name="Google Shape;135;g2f153a16f95_0_61:notes"/>
           <p:cNvSpPr/>
           <p:nvPr>
             <p:ph idx="2" type="sldImg"/>
@@ -1937,7 +2448,7 @@
       </p:sp>
       <p:sp>
         <p:nvSpPr>
-          <p:cNvPr id="123" name="Google Shape;123;g2f153a16f95_0_61:notes"/>
+          <p:cNvPr id="136" name="Google Shape;136;g2f153a16f95_0_61:notes"/>
           <p:cNvSpPr txBox="1"/>
           <p:nvPr>
             <p:ph idx="1" type="body"/>
@@ -1970,218 +2481,6 @@
             <a:r>
               <a:rPr lang="en"/>
               <a:t>Mani</a:t>
-            </a:r>
-            <a:endParaRPr/>
-          </a:p>
-        </p:txBody>
-      </p:sp>
-    </p:spTree>
-  </p:cSld>
-  <p:clrMapOvr>
-    <a:masterClrMapping/>
-  </p:clrMapOvr>
-</p:notes>
-</file>
-
-<file path=ppt/notesSlides/notesSlide8.xml><?xml version="1.0" encoding="utf-8"?>
-<p:notes xmlns:a="http://schemas.openxmlformats.org/drawingml/2006/main" xmlns:r="http://schemas.openxmlformats.org/officeDocument/2006/relationships" xmlns:mc="http://schemas.openxmlformats.org/markup-compatibility/2006" xmlns:mv="urn:schemas-microsoft-com:mac:vml" xmlns:p="http://schemas.openxmlformats.org/presentationml/2006/main" xmlns:c="http://schemas.openxmlformats.org/drawingml/2006/chart" xmlns:dgm="http://schemas.openxmlformats.org/drawingml/2006/diagram" xmlns:o="urn:schemas-microsoft-com:office:office" xmlns:v="urn:schemas-microsoft-com:vml" xmlns:pvml="urn:schemas-microsoft-com:office:powerpoint" xmlns:com="http://schemas.openxmlformats.org/drawingml/2006/compatibility" xmlns:p14="http://schemas.microsoft.com/office/powerpoint/2010/main" xmlns:p15="http://schemas.microsoft.com/office/powerpoint/2012/main" xmlns:ahyp="http://schemas.microsoft.com/office/drawing/2018/hyperlinkcolor" showMasterPhAnim="0" showMasterSp="0">
-  <p:cSld>
-    <p:spTree>
-      <p:nvGrpSpPr>
-        <p:cNvPr id="130" name="Shape 130"/>
-        <p:cNvGrpSpPr/>
-        <p:nvPr/>
-      </p:nvGrpSpPr>
-      <p:grpSpPr>
-        <a:xfrm>
-          <a:off x="0" y="0"/>
-          <a:ext cx="0" cy="0"/>
-          <a:chOff x="0" y="0"/>
-          <a:chExt cx="0" cy="0"/>
-        </a:xfrm>
-      </p:grpSpPr>
-      <p:sp>
-        <p:nvSpPr>
-          <p:cNvPr id="131" name="Google Shape;131;g2f1667ec186_0_29:notes"/>
-          <p:cNvSpPr/>
-          <p:nvPr>
-            <p:ph idx="2" type="sldImg"/>
-          </p:nvPr>
-        </p:nvSpPr>
-        <p:spPr>
-          <a:xfrm>
-            <a:off x="381300" y="685800"/>
-            <a:ext cx="6096000" cy="3429000"/>
-          </a:xfrm>
-          <a:custGeom>
-            <a:rect b="b" l="l" r="r" t="t"/>
-            <a:pathLst>
-              <a:path extrusionOk="0" h="120000" w="120000">
-                <a:moveTo>
-                  <a:pt x="0" y="0"/>
-                </a:moveTo>
-                <a:lnTo>
-                  <a:pt x="120000" y="0"/>
-                </a:lnTo>
-                <a:lnTo>
-                  <a:pt x="120000" y="120000"/>
-                </a:lnTo>
-                <a:lnTo>
-                  <a:pt x="0" y="120000"/>
-                </a:lnTo>
-                <a:close/>
-              </a:path>
-            </a:pathLst>
-          </a:custGeom>
-        </p:spPr>
-      </p:sp>
-      <p:sp>
-        <p:nvSpPr>
-          <p:cNvPr id="132" name="Google Shape;132;g2f1667ec186_0_29:notes"/>
-          <p:cNvSpPr txBox="1"/>
-          <p:nvPr>
-            <p:ph idx="1" type="body"/>
-          </p:nvPr>
-        </p:nvSpPr>
-        <p:spPr>
-          <a:xfrm>
-            <a:off x="685800" y="4343400"/>
-            <a:ext cx="5486400" cy="4114800"/>
-          </a:xfrm>
-          <a:prstGeom prst="rect">
-            <a:avLst/>
-          </a:prstGeom>
-        </p:spPr>
-        <p:txBody>
-          <a:bodyPr anchorCtr="0" anchor="t" bIns="91425" lIns="91425" spcFirstLastPara="1" rIns="91425" wrap="square" tIns="91425">
-            <a:noAutofit/>
-          </a:bodyPr>
-          <a:lstStyle/>
-          <a:p>
-            <a:pPr indent="0" lvl="0" marL="0" rtl="0" algn="l">
-              <a:spcBef>
-                <a:spcPts val="0"/>
-              </a:spcBef>
-              <a:spcAft>
-                <a:spcPts val="0"/>
-              </a:spcAft>
-              <a:buNone/>
-            </a:pPr>
-            <a:r>
-              <a:rPr lang="en"/>
-              <a:t>Sean</a:t>
-            </a:r>
-            <a:endParaRPr/>
-          </a:p>
-        </p:txBody>
-      </p:sp>
-    </p:spTree>
-  </p:cSld>
-  <p:clrMapOvr>
-    <a:masterClrMapping/>
-  </p:clrMapOvr>
-</p:notes>
-</file>
-
-<file path=ppt/notesSlides/notesSlide9.xml><?xml version="1.0" encoding="utf-8"?>
-<p:notes xmlns:a="http://schemas.openxmlformats.org/drawingml/2006/main" xmlns:r="http://schemas.openxmlformats.org/officeDocument/2006/relationships" xmlns:mc="http://schemas.openxmlformats.org/markup-compatibility/2006" xmlns:mv="urn:schemas-microsoft-com:mac:vml" xmlns:p="http://schemas.openxmlformats.org/presentationml/2006/main" xmlns:c="http://schemas.openxmlformats.org/drawingml/2006/chart" xmlns:dgm="http://schemas.openxmlformats.org/drawingml/2006/diagram" xmlns:o="urn:schemas-microsoft-com:office:office" xmlns:v="urn:schemas-microsoft-com:vml" xmlns:pvml="urn:schemas-microsoft-com:office:powerpoint" xmlns:com="http://schemas.openxmlformats.org/drawingml/2006/compatibility" xmlns:p14="http://schemas.microsoft.com/office/powerpoint/2010/main" xmlns:p15="http://schemas.microsoft.com/office/powerpoint/2012/main" xmlns:ahyp="http://schemas.microsoft.com/office/drawing/2018/hyperlinkcolor" showMasterPhAnim="0" showMasterSp="0">
-  <p:cSld>
-    <p:spTree>
-      <p:nvGrpSpPr>
-        <p:cNvPr id="138" name="Shape 138"/>
-        <p:cNvGrpSpPr/>
-        <p:nvPr/>
-      </p:nvGrpSpPr>
-      <p:grpSpPr>
-        <a:xfrm>
-          <a:off x="0" y="0"/>
-          <a:ext cx="0" cy="0"/>
-          <a:chOff x="0" y="0"/>
-          <a:chExt cx="0" cy="0"/>
-        </a:xfrm>
-      </p:grpSpPr>
-      <p:sp>
-        <p:nvSpPr>
-          <p:cNvPr id="139" name="Google Shape;139;g2f136a9bf52_0_127:notes"/>
-          <p:cNvSpPr/>
-          <p:nvPr>
-            <p:ph idx="2" type="sldImg"/>
-          </p:nvPr>
-        </p:nvSpPr>
-        <p:spPr>
-          <a:xfrm>
-            <a:off x="381300" y="685800"/>
-            <a:ext cx="6096000" cy="3429000"/>
-          </a:xfrm>
-          <a:custGeom>
-            <a:rect b="b" l="l" r="r" t="t"/>
-            <a:pathLst>
-              <a:path extrusionOk="0" h="120000" w="120000">
-                <a:moveTo>
-                  <a:pt x="0" y="0"/>
-                </a:moveTo>
-                <a:lnTo>
-                  <a:pt x="120000" y="0"/>
-                </a:lnTo>
-                <a:lnTo>
-                  <a:pt x="120000" y="120000"/>
-                </a:lnTo>
-                <a:lnTo>
-                  <a:pt x="0" y="120000"/>
-                </a:lnTo>
-                <a:close/>
-              </a:path>
-            </a:pathLst>
-          </a:custGeom>
-        </p:spPr>
-      </p:sp>
-      <p:sp>
-        <p:nvSpPr>
-          <p:cNvPr id="140" name="Google Shape;140;g2f136a9bf52_0_127:notes"/>
-          <p:cNvSpPr txBox="1"/>
-          <p:nvPr>
-            <p:ph idx="1" type="body"/>
-          </p:nvPr>
-        </p:nvSpPr>
-        <p:spPr>
-          <a:xfrm>
-            <a:off x="685800" y="4343400"/>
-            <a:ext cx="5486400" cy="4114800"/>
-          </a:xfrm>
-          <a:prstGeom prst="rect">
-            <a:avLst/>
-          </a:prstGeom>
-        </p:spPr>
-        <p:txBody>
-          <a:bodyPr anchorCtr="0" anchor="t" bIns="91425" lIns="91425" spcFirstLastPara="1" rIns="91425" wrap="square" tIns="91425">
-            <a:noAutofit/>
-          </a:bodyPr>
-          <a:lstStyle/>
-          <a:p>
-            <a:pPr indent="0" lvl="0" marL="0" rtl="0" algn="l">
-              <a:spcBef>
-                <a:spcPts val="0"/>
-              </a:spcBef>
-              <a:spcAft>
-                <a:spcPts val="0"/>
-              </a:spcAft>
-              <a:buNone/>
-            </a:pPr>
-            <a:r>
-              <a:rPr lang="en"/>
-              <a:t>Sean explanation, if we want to include. </a:t>
-            </a:r>
-            <a:r>
-              <a:rPr lang="en" sz="1200">
-                <a:solidFill>
-                  <a:schemeClr val="dk1"/>
-                </a:solidFill>
-                <a:latin typeface="Times New Roman"/>
-                <a:ea typeface="Times New Roman"/>
-                <a:cs typeface="Times New Roman"/>
-                <a:sym typeface="Times New Roman"/>
-              </a:rPr>
-              <a:t>Decision tree diagram for GridSearchCV at maximum depth = 4. Include explanation of hyperparameter tuning</a:t>
             </a:r>
             <a:endParaRPr/>
           </a:p>
@@ -8599,7 +8898,7 @@
   <p:cSld>
     <p:spTree>
       <p:nvGrpSpPr>
-        <p:cNvPr id="147" name="Shape 147"/>
+        <p:cNvPr id="146" name="Shape 146"/>
         <p:cNvGrpSpPr/>
         <p:nvPr/>
       </p:nvGrpSpPr>
@@ -8613,7 +8912,7 @@
       </p:grpSpPr>
       <p:sp>
         <p:nvSpPr>
-          <p:cNvPr id="148" name="Google Shape;148;p22"/>
+          <p:cNvPr id="147" name="Google Shape;147;p22"/>
           <p:cNvSpPr txBox="1"/>
           <p:nvPr>
             <p:ph type="title"/>
@@ -8621,8 +8920,8 @@
         </p:nvSpPr>
         <p:spPr>
           <a:xfrm>
-            <a:off x="727800" y="582525"/>
-            <a:ext cx="7688400" cy="535200"/>
+            <a:off x="727650" y="554575"/>
+            <a:ext cx="7688700" cy="535200"/>
           </a:xfrm>
           <a:prstGeom prst="rect">
             <a:avLst/>
@@ -8635,6 +8934,9 @@
           <a:lstStyle/>
           <a:p>
             <a:pPr indent="0" lvl="0" marL="0" rtl="0" algn="l">
+              <a:lnSpc>
+                <a:spcPct val="115000"/>
+              </a:lnSpc>
               <a:spcBef>
                 <a:spcPts val="0"/>
               </a:spcBef>
@@ -8645,7 +8947,55 @@
             </a:pPr>
             <a:r>
               <a:rPr lang="en"/>
-              <a:t>Decision Tree Visualization (Pruned Depth Limit)</a:t>
+              <a:t>Model Performance</a:t>
+            </a:r>
+            <a:endParaRPr/>
+          </a:p>
+        </p:txBody>
+      </p:sp>
+      <p:sp>
+        <p:nvSpPr>
+          <p:cNvPr id="148" name="Google Shape;148;p22"/>
+          <p:cNvSpPr txBox="1"/>
+          <p:nvPr>
+            <p:ph idx="1" type="body"/>
+          </p:nvPr>
+        </p:nvSpPr>
+        <p:spPr>
+          <a:xfrm>
+            <a:off x="727650" y="1333450"/>
+            <a:ext cx="7688700" cy="2261100"/>
+          </a:xfrm>
+          <a:prstGeom prst="rect">
+            <a:avLst/>
+          </a:prstGeom>
+        </p:spPr>
+        <p:txBody>
+          <a:bodyPr anchorCtr="0" anchor="t" bIns="91425" lIns="91425" spcFirstLastPara="1" rIns="91425" wrap="square" tIns="91425">
+            <a:normAutofit/>
+          </a:bodyPr>
+          <a:lstStyle/>
+          <a:p>
+            <a:pPr indent="0" lvl="0" marL="0" rtl="0" algn="l">
+              <a:spcBef>
+                <a:spcPts val="0"/>
+              </a:spcBef>
+              <a:spcAft>
+                <a:spcPts val="0"/>
+              </a:spcAft>
+              <a:buNone/>
+            </a:pPr>
+            <a:r>
+              <a:rPr lang="en"/>
+              <a:t>With an accuracy of approximately 8</a:t>
+            </a:r>
+            <a:r>
+              <a:rPr lang="en"/>
+              <a:t>0</a:t>
+            </a:r>
+            <a:r>
+              <a:rPr lang="en"/>
+              <a:t>%, the decision tree model performed quite well on the test set in respect to the risk to health conditions. </a:t>
             </a:r>
             <a:endParaRPr/>
           </a:p>
@@ -8667,8 +9017,8 @@
         </p:blipFill>
         <p:spPr>
           <a:xfrm>
-            <a:off x="963663" y="1280000"/>
-            <a:ext cx="7216672" cy="3720975"/>
+            <a:off x="1632875" y="1975400"/>
+            <a:ext cx="5878249" cy="2813975"/>
           </a:xfrm>
           <a:prstGeom prst="rect">
             <a:avLst/>
@@ -8684,6 +9034,81 @@
   <p:clrMapOvr>
     <a:masterClrMapping/>
   </p:clrMapOvr>
+  <p:timing>
+    <p:tnLst>
+      <p:par>
+        <p:cTn dur="indefinite" nodeType="tmRoot" restart="never">
+          <p:childTnLst>
+            <p:seq concurrent="1" nextAc="seek">
+              <p:cTn dur="indefinite" id="2" nodeType="mainSeq">
+                <p:childTnLst>
+                  <p:par>
+                    <p:cTn fill="hold">
+                      <p:stCondLst>
+                        <p:cond delay="indefinite"/>
+                      </p:stCondLst>
+                      <p:childTnLst>
+                        <p:par>
+                          <p:cTn fill="hold">
+                            <p:stCondLst>
+                              <p:cond delay="0"/>
+                            </p:stCondLst>
+                            <p:childTnLst>
+                              <p:par>
+                                <p:cTn fill="hold" nodeType="clickEffect" presetClass="entr" presetID="1" presetSubtype="0">
+                                  <p:stCondLst>
+                                    <p:cond delay="0"/>
+                                  </p:stCondLst>
+                                  <p:childTnLst>
+                                    <p:set>
+                                      <p:cBhvr>
+                                        <p:cTn dur="1" fill="hold">
+                                          <p:stCondLst>
+                                            <p:cond delay="0"/>
+                                          </p:stCondLst>
+                                        </p:cTn>
+                                        <p:tgtEl>
+                                          <p:spTgt spid="149"/>
+                                        </p:tgtEl>
+                                        <p:attrNameLst>
+                                          <p:attrName>style.visibility</p:attrName>
+                                        </p:attrNameLst>
+                                      </p:cBhvr>
+                                      <p:to>
+                                        <p:strVal val="visible"/>
+                                      </p:to>
+                                    </p:set>
+                                  </p:childTnLst>
+                                </p:cTn>
+                              </p:par>
+                            </p:childTnLst>
+                          </p:cTn>
+                        </p:par>
+                      </p:childTnLst>
+                    </p:cTn>
+                  </p:par>
+                </p:childTnLst>
+              </p:cTn>
+              <p:prevCondLst>
+                <p:cond evt="onPrev">
+                  <p:tgtEl>
+                    <p:sldTgt/>
+                  </p:tgtEl>
+                </p:cond>
+              </p:prevCondLst>
+              <p:nextCondLst>
+                <p:cond evt="onNext">
+                  <p:tgtEl>
+                    <p:sldTgt/>
+                  </p:tgtEl>
+                </p:cond>
+              </p:nextCondLst>
+            </p:seq>
+          </p:childTnLst>
+        </p:cTn>
+      </p:par>
+    </p:tnLst>
+  </p:timing>
 </p:sld>
 </file>
 
@@ -8714,7 +9139,7 @@
         </p:nvSpPr>
         <p:spPr>
           <a:xfrm>
-            <a:off x="729450" y="538525"/>
+            <a:off x="727800" y="573225"/>
             <a:ext cx="7688400" cy="535200"/>
           </a:xfrm>
           <a:prstGeom prst="rect">
@@ -8723,7 +9148,7 @@
         </p:spPr>
         <p:txBody>
           <a:bodyPr anchorCtr="0" anchor="t" bIns="91425" lIns="91425" spcFirstLastPara="1" rIns="91425" wrap="square" tIns="91425">
-            <a:noAutofit/>
+            <a:normAutofit fontScale="90000"/>
           </a:bodyPr>
           <a:lstStyle/>
           <a:p>
@@ -8737,16 +9162,55 @@
               <a:buNone/>
             </a:pPr>
             <a:r>
-              <a:rPr lang="en" sz="2100"/>
-              <a:t>Decision Tree Visualization (Pruned Depth Limit &amp; Trained)</a:t>
+              <a:rPr lang="en"/>
+              <a:t>Accuracy of Search Models</a:t>
             </a:r>
-            <a:endParaRPr sz="2100"/>
+            <a:endParaRPr/>
+          </a:p>
+        </p:txBody>
+      </p:sp>
+      <p:sp>
+        <p:nvSpPr>
+          <p:cNvPr id="155" name="Google Shape;155;p23"/>
+          <p:cNvSpPr txBox="1"/>
+          <p:nvPr>
+            <p:ph idx="1" type="body"/>
+          </p:nvPr>
+        </p:nvSpPr>
+        <p:spPr>
+          <a:xfrm>
+            <a:off x="729325" y="2078875"/>
+            <a:ext cx="3774300" cy="2261100"/>
+          </a:xfrm>
+          <a:prstGeom prst="rect">
+            <a:avLst/>
+          </a:prstGeom>
+        </p:spPr>
+        <p:txBody>
+          <a:bodyPr anchorCtr="0" anchor="t" bIns="91425" lIns="91425" spcFirstLastPara="1" rIns="91425" wrap="square" tIns="91425">
+            <a:normAutofit/>
+          </a:bodyPr>
+          <a:lstStyle/>
+          <a:p>
+            <a:pPr indent="0" lvl="0" marL="0" rtl="0" algn="l">
+              <a:spcBef>
+                <a:spcPts val="0"/>
+              </a:spcBef>
+              <a:spcAft>
+                <a:spcPts val="1200"/>
+              </a:spcAft>
+              <a:buNone/>
+            </a:pPr>
+            <a:r>
+              <a:t/>
+            </a:r>
+            <a:endParaRPr/>
           </a:p>
         </p:txBody>
       </p:sp>
       <p:pic>
         <p:nvPicPr>
-          <p:cNvPr id="155" name="Google Shape;155;p23"/>
+          <p:cNvPr id="156" name="Google Shape;156;p23"/>
           <p:cNvPicPr preferRelativeResize="0"/>
           <p:nvPr/>
         </p:nvPicPr>
@@ -8760,8 +9224,36 @@
         </p:blipFill>
         <p:spPr>
           <a:xfrm>
-            <a:off x="968800" y="1305125"/>
-            <a:ext cx="7209691" cy="3764974"/>
+            <a:off x="4622400" y="1417725"/>
+            <a:ext cx="4344135" cy="3473799"/>
+          </a:xfrm>
+          <a:prstGeom prst="rect">
+            <a:avLst/>
+          </a:prstGeom>
+          <a:noFill/>
+          <a:ln>
+            <a:noFill/>
+          </a:ln>
+        </p:spPr>
+      </p:pic>
+      <p:pic>
+        <p:nvPicPr>
+          <p:cNvPr id="157" name="Google Shape;157;p23"/>
+          <p:cNvPicPr preferRelativeResize="0"/>
+          <p:nvPr/>
+        </p:nvPicPr>
+        <p:blipFill>
+          <a:blip r:embed="rId4">
+            <a:alphaModFix/>
+          </a:blip>
+          <a:stretch>
+            <a:fillRect/>
+          </a:stretch>
+        </p:blipFill>
+        <p:spPr>
+          <a:xfrm>
+            <a:off x="101000" y="1417713"/>
+            <a:ext cx="4470999" cy="3409688"/>
           </a:xfrm>
           <a:prstGeom prst="rect">
             <a:avLst/>
@@ -8785,7 +9277,7 @@
   <p:cSld>
     <p:spTree>
       <p:nvGrpSpPr>
-        <p:cNvPr id="159" name="Shape 159"/>
+        <p:cNvPr id="161" name="Shape 161"/>
         <p:cNvGrpSpPr/>
         <p:nvPr/>
       </p:nvGrpSpPr>
@@ -8799,7 +9291,7 @@
       </p:grpSpPr>
       <p:sp>
         <p:nvSpPr>
-          <p:cNvPr id="160" name="Google Shape;160;p24"/>
+          <p:cNvPr id="162" name="Google Shape;162;p24"/>
           <p:cNvSpPr txBox="1"/>
           <p:nvPr>
             <p:ph type="title"/>
@@ -8807,8 +9299,8 @@
         </p:nvSpPr>
         <p:spPr>
           <a:xfrm>
-            <a:off x="727650" y="535925"/>
-            <a:ext cx="7688700" cy="535200"/>
+            <a:off x="727800" y="601150"/>
+            <a:ext cx="7688400" cy="535200"/>
           </a:xfrm>
           <a:prstGeom prst="rect">
             <a:avLst/>
@@ -8831,6 +9323,285 @@
             </a:pPr>
             <a:r>
               <a:rPr lang="en"/>
+              <a:t>Decision Tree Visualization</a:t>
+            </a:r>
+            <a:endParaRPr/>
+          </a:p>
+        </p:txBody>
+      </p:sp>
+      <p:pic>
+        <p:nvPicPr>
+          <p:cNvPr id="163" name="Google Shape;163;p24"/>
+          <p:cNvPicPr preferRelativeResize="0"/>
+          <p:nvPr/>
+        </p:nvPicPr>
+        <p:blipFill>
+          <a:blip r:embed="rId3">
+            <a:alphaModFix/>
+          </a:blip>
+          <a:stretch>
+            <a:fillRect/>
+          </a:stretch>
+        </p:blipFill>
+        <p:spPr>
+          <a:xfrm>
+            <a:off x="912163" y="1328250"/>
+            <a:ext cx="7319676" cy="3702349"/>
+          </a:xfrm>
+          <a:prstGeom prst="rect">
+            <a:avLst/>
+          </a:prstGeom>
+          <a:noFill/>
+          <a:ln>
+            <a:noFill/>
+          </a:ln>
+        </p:spPr>
+      </p:pic>
+    </p:spTree>
+  </p:cSld>
+  <p:clrMapOvr>
+    <a:masterClrMapping/>
+  </p:clrMapOvr>
+</p:sld>
+</file>
+
+<file path=ppt/slides/slide13.xml><?xml version="1.0" encoding="utf-8"?>
+<p:sld xmlns:a="http://schemas.openxmlformats.org/drawingml/2006/main" xmlns:r="http://schemas.openxmlformats.org/officeDocument/2006/relationships" xmlns:mc="http://schemas.openxmlformats.org/markup-compatibility/2006" xmlns:mv="urn:schemas-microsoft-com:mac:vml" xmlns:p="http://schemas.openxmlformats.org/presentationml/2006/main" xmlns:c="http://schemas.openxmlformats.org/drawingml/2006/chart" xmlns:dgm="http://schemas.openxmlformats.org/drawingml/2006/diagram" xmlns:o="urn:schemas-microsoft-com:office:office" xmlns:v="urn:schemas-microsoft-com:vml" xmlns:pvml="urn:schemas-microsoft-com:office:powerpoint" xmlns:com="http://schemas.openxmlformats.org/drawingml/2006/compatibility" xmlns:p14="http://schemas.microsoft.com/office/powerpoint/2010/main" xmlns:p15="http://schemas.microsoft.com/office/powerpoint/2012/main" xmlns:ahyp="http://schemas.microsoft.com/office/drawing/2018/hyperlinkcolor">
+  <p:cSld>
+    <p:spTree>
+      <p:nvGrpSpPr>
+        <p:cNvPr id="167" name="Shape 167"/>
+        <p:cNvGrpSpPr/>
+        <p:nvPr/>
+      </p:nvGrpSpPr>
+      <p:grpSpPr>
+        <a:xfrm>
+          <a:off x="0" y="0"/>
+          <a:ext cx="0" cy="0"/>
+          <a:chOff x="0" y="0"/>
+          <a:chExt cx="0" cy="0"/>
+        </a:xfrm>
+      </p:grpSpPr>
+      <p:sp>
+        <p:nvSpPr>
+          <p:cNvPr id="168" name="Google Shape;168;p25"/>
+          <p:cNvSpPr txBox="1"/>
+          <p:nvPr>
+            <p:ph type="title"/>
+          </p:nvPr>
+        </p:nvSpPr>
+        <p:spPr>
+          <a:xfrm>
+            <a:off x="727800" y="582525"/>
+            <a:ext cx="7688400" cy="535200"/>
+          </a:xfrm>
+          <a:prstGeom prst="rect">
+            <a:avLst/>
+          </a:prstGeom>
+        </p:spPr>
+        <p:txBody>
+          <a:bodyPr anchorCtr="0" anchor="t" bIns="91425" lIns="91425" spcFirstLastPara="1" rIns="91425" wrap="square" tIns="91425">
+            <a:normAutofit fontScale="90000"/>
+          </a:bodyPr>
+          <a:lstStyle/>
+          <a:p>
+            <a:pPr indent="0" lvl="0" marL="0" rtl="0" algn="l">
+              <a:spcBef>
+                <a:spcPts val="0"/>
+              </a:spcBef>
+              <a:spcAft>
+                <a:spcPts val="0"/>
+              </a:spcAft>
+              <a:buNone/>
+            </a:pPr>
+            <a:r>
+              <a:rPr lang="en"/>
+              <a:t>Decision Tree Visualization (Pruned Depth Limit)</a:t>
+            </a:r>
+            <a:endParaRPr/>
+          </a:p>
+        </p:txBody>
+      </p:sp>
+      <p:pic>
+        <p:nvPicPr>
+          <p:cNvPr id="169" name="Google Shape;169;p25"/>
+          <p:cNvPicPr preferRelativeResize="0"/>
+          <p:nvPr/>
+        </p:nvPicPr>
+        <p:blipFill>
+          <a:blip r:embed="rId3">
+            <a:alphaModFix/>
+          </a:blip>
+          <a:stretch>
+            <a:fillRect/>
+          </a:stretch>
+        </p:blipFill>
+        <p:spPr>
+          <a:xfrm>
+            <a:off x="963663" y="1280000"/>
+            <a:ext cx="7216672" cy="3720975"/>
+          </a:xfrm>
+          <a:prstGeom prst="rect">
+            <a:avLst/>
+          </a:prstGeom>
+          <a:noFill/>
+          <a:ln>
+            <a:noFill/>
+          </a:ln>
+        </p:spPr>
+      </p:pic>
+    </p:spTree>
+  </p:cSld>
+  <p:clrMapOvr>
+    <a:masterClrMapping/>
+  </p:clrMapOvr>
+</p:sld>
+</file>
+
+<file path=ppt/slides/slide14.xml><?xml version="1.0" encoding="utf-8"?>
+<p:sld xmlns:a="http://schemas.openxmlformats.org/drawingml/2006/main" xmlns:r="http://schemas.openxmlformats.org/officeDocument/2006/relationships" xmlns:mc="http://schemas.openxmlformats.org/markup-compatibility/2006" xmlns:mv="urn:schemas-microsoft-com:mac:vml" xmlns:p="http://schemas.openxmlformats.org/presentationml/2006/main" xmlns:c="http://schemas.openxmlformats.org/drawingml/2006/chart" xmlns:dgm="http://schemas.openxmlformats.org/drawingml/2006/diagram" xmlns:o="urn:schemas-microsoft-com:office:office" xmlns:v="urn:schemas-microsoft-com:vml" xmlns:pvml="urn:schemas-microsoft-com:office:powerpoint" xmlns:com="http://schemas.openxmlformats.org/drawingml/2006/compatibility" xmlns:p14="http://schemas.microsoft.com/office/powerpoint/2010/main" xmlns:p15="http://schemas.microsoft.com/office/powerpoint/2012/main" xmlns:ahyp="http://schemas.microsoft.com/office/drawing/2018/hyperlinkcolor">
+  <p:cSld>
+    <p:spTree>
+      <p:nvGrpSpPr>
+        <p:cNvPr id="173" name="Shape 173"/>
+        <p:cNvGrpSpPr/>
+        <p:nvPr/>
+      </p:nvGrpSpPr>
+      <p:grpSpPr>
+        <a:xfrm>
+          <a:off x="0" y="0"/>
+          <a:ext cx="0" cy="0"/>
+          <a:chOff x="0" y="0"/>
+          <a:chExt cx="0" cy="0"/>
+        </a:xfrm>
+      </p:grpSpPr>
+      <p:sp>
+        <p:nvSpPr>
+          <p:cNvPr id="174" name="Google Shape;174;p26"/>
+          <p:cNvSpPr txBox="1"/>
+          <p:nvPr>
+            <p:ph type="title"/>
+          </p:nvPr>
+        </p:nvSpPr>
+        <p:spPr>
+          <a:xfrm>
+            <a:off x="729450" y="538525"/>
+            <a:ext cx="7688400" cy="535200"/>
+          </a:xfrm>
+          <a:prstGeom prst="rect">
+            <a:avLst/>
+          </a:prstGeom>
+        </p:spPr>
+        <p:txBody>
+          <a:bodyPr anchorCtr="0" anchor="t" bIns="91425" lIns="91425" spcFirstLastPara="1" rIns="91425" wrap="square" tIns="91425">
+            <a:noAutofit/>
+          </a:bodyPr>
+          <a:lstStyle/>
+          <a:p>
+            <a:pPr indent="0" lvl="0" marL="0" rtl="0" algn="l">
+              <a:spcBef>
+                <a:spcPts val="0"/>
+              </a:spcBef>
+              <a:spcAft>
+                <a:spcPts val="0"/>
+              </a:spcAft>
+              <a:buNone/>
+            </a:pPr>
+            <a:r>
+              <a:rPr lang="en" sz="2100"/>
+              <a:t>Decision Tree Visualization (Pruned Depth Limit &amp; Trained)</a:t>
+            </a:r>
+            <a:endParaRPr sz="2100"/>
+          </a:p>
+        </p:txBody>
+      </p:sp>
+      <p:pic>
+        <p:nvPicPr>
+          <p:cNvPr id="175" name="Google Shape;175;p26"/>
+          <p:cNvPicPr preferRelativeResize="0"/>
+          <p:nvPr/>
+        </p:nvPicPr>
+        <p:blipFill>
+          <a:blip r:embed="rId3">
+            <a:alphaModFix/>
+          </a:blip>
+          <a:stretch>
+            <a:fillRect/>
+          </a:stretch>
+        </p:blipFill>
+        <p:spPr>
+          <a:xfrm>
+            <a:off x="968800" y="1305125"/>
+            <a:ext cx="7209691" cy="3764974"/>
+          </a:xfrm>
+          <a:prstGeom prst="rect">
+            <a:avLst/>
+          </a:prstGeom>
+          <a:noFill/>
+          <a:ln>
+            <a:noFill/>
+          </a:ln>
+        </p:spPr>
+      </p:pic>
+    </p:spTree>
+  </p:cSld>
+  <p:clrMapOvr>
+    <a:masterClrMapping/>
+  </p:clrMapOvr>
+</p:sld>
+</file>
+
+<file path=ppt/slides/slide15.xml><?xml version="1.0" encoding="utf-8"?>
+<p:sld xmlns:a="http://schemas.openxmlformats.org/drawingml/2006/main" xmlns:r="http://schemas.openxmlformats.org/officeDocument/2006/relationships" xmlns:mc="http://schemas.openxmlformats.org/markup-compatibility/2006" xmlns:mv="urn:schemas-microsoft-com:mac:vml" xmlns:p="http://schemas.openxmlformats.org/presentationml/2006/main" xmlns:c="http://schemas.openxmlformats.org/drawingml/2006/chart" xmlns:dgm="http://schemas.openxmlformats.org/drawingml/2006/diagram" xmlns:o="urn:schemas-microsoft-com:office:office" xmlns:v="urn:schemas-microsoft-com:vml" xmlns:pvml="urn:schemas-microsoft-com:office:powerpoint" xmlns:com="http://schemas.openxmlformats.org/drawingml/2006/compatibility" xmlns:p14="http://schemas.microsoft.com/office/powerpoint/2010/main" xmlns:p15="http://schemas.microsoft.com/office/powerpoint/2012/main" xmlns:ahyp="http://schemas.microsoft.com/office/drawing/2018/hyperlinkcolor">
+  <p:cSld>
+    <p:spTree>
+      <p:nvGrpSpPr>
+        <p:cNvPr id="179" name="Shape 179"/>
+        <p:cNvGrpSpPr/>
+        <p:nvPr/>
+      </p:nvGrpSpPr>
+      <p:grpSpPr>
+        <a:xfrm>
+          <a:off x="0" y="0"/>
+          <a:ext cx="0" cy="0"/>
+          <a:chOff x="0" y="0"/>
+          <a:chExt cx="0" cy="0"/>
+        </a:xfrm>
+      </p:grpSpPr>
+      <p:sp>
+        <p:nvSpPr>
+          <p:cNvPr id="180" name="Google Shape;180;p27"/>
+          <p:cNvSpPr txBox="1"/>
+          <p:nvPr>
+            <p:ph type="title"/>
+          </p:nvPr>
+        </p:nvSpPr>
+        <p:spPr>
+          <a:xfrm>
+            <a:off x="727650" y="535925"/>
+            <a:ext cx="7688700" cy="535200"/>
+          </a:xfrm>
+          <a:prstGeom prst="rect">
+            <a:avLst/>
+          </a:prstGeom>
+        </p:spPr>
+        <p:txBody>
+          <a:bodyPr anchorCtr="0" anchor="t" bIns="91425" lIns="91425" spcFirstLastPara="1" rIns="91425" wrap="square" tIns="91425">
+            <a:normAutofit fontScale="90000"/>
+          </a:bodyPr>
+          <a:lstStyle/>
+          <a:p>
+            <a:pPr indent="0" lvl="0" marL="0" rtl="0" algn="l">
+              <a:spcBef>
+                <a:spcPts val="0"/>
+              </a:spcBef>
+              <a:spcAft>
+                <a:spcPts val="0"/>
+              </a:spcAft>
+              <a:buNone/>
+            </a:pPr>
+            <a:r>
+              <a:rPr lang="en"/>
               <a:t>Explanation of Decision Tree or Explanation of Code</a:t>
             </a:r>
             <a:endParaRPr/>
@@ -8839,7 +9610,7 @@
       </p:sp>
       <p:sp>
         <p:nvSpPr>
-          <p:cNvPr id="161" name="Google Shape;161;p24"/>
+          <p:cNvPr id="181" name="Google Shape;181;p27"/>
           <p:cNvSpPr txBox="1"/>
           <p:nvPr>
             <p:ph idx="1" type="body"/>
@@ -8936,12 +9707,12 @@
 </p:sld>
 </file>
 
-<file path=ppt/slides/slide13.xml><?xml version="1.0" encoding="utf-8"?>
+<file path=ppt/slides/slide16.xml><?xml version="1.0" encoding="utf-8"?>
 <p:sld xmlns:a="http://schemas.openxmlformats.org/drawingml/2006/main" xmlns:r="http://schemas.openxmlformats.org/officeDocument/2006/relationships" xmlns:mc="http://schemas.openxmlformats.org/markup-compatibility/2006" xmlns:mv="urn:schemas-microsoft-com:mac:vml" xmlns:p="http://schemas.openxmlformats.org/presentationml/2006/main" xmlns:c="http://schemas.openxmlformats.org/drawingml/2006/chart" xmlns:dgm="http://schemas.openxmlformats.org/drawingml/2006/diagram" xmlns:o="urn:schemas-microsoft-com:office:office" xmlns:v="urn:schemas-microsoft-com:vml" xmlns:pvml="urn:schemas-microsoft-com:office:powerpoint" xmlns:com="http://schemas.openxmlformats.org/drawingml/2006/compatibility" xmlns:p14="http://schemas.microsoft.com/office/powerpoint/2010/main" xmlns:p15="http://schemas.microsoft.com/office/powerpoint/2012/main" xmlns:ahyp="http://schemas.microsoft.com/office/drawing/2018/hyperlinkcolor">
   <p:cSld>
     <p:spTree>
       <p:nvGrpSpPr>
-        <p:cNvPr id="165" name="Shape 165"/>
+        <p:cNvPr id="185" name="Shape 185"/>
         <p:cNvGrpSpPr/>
         <p:nvPr/>
       </p:nvGrpSpPr>
@@ -8955,7 +9726,7 @@
       </p:grpSpPr>
       <p:sp>
         <p:nvSpPr>
-          <p:cNvPr id="166" name="Google Shape;166;p25"/>
+          <p:cNvPr id="186" name="Google Shape;186;p28"/>
           <p:cNvSpPr txBox="1"/>
           <p:nvPr>
             <p:ph type="title"/>
@@ -8995,7 +9766,7 @@
       </p:sp>
       <p:sp>
         <p:nvSpPr>
-          <p:cNvPr id="167" name="Google Shape;167;p25"/>
+          <p:cNvPr id="187" name="Google Shape;187;p28"/>
           <p:cNvSpPr txBox="1"/>
           <p:nvPr>
             <p:ph idx="1" type="body"/>
@@ -9057,12 +9828,12 @@
 </p:sld>
 </file>
 
-<file path=ppt/slides/slide14.xml><?xml version="1.0" encoding="utf-8"?>
+<file path=ppt/slides/slide17.xml><?xml version="1.0" encoding="utf-8"?>
 <p:sld xmlns:a="http://schemas.openxmlformats.org/drawingml/2006/main" xmlns:r="http://schemas.openxmlformats.org/officeDocument/2006/relationships" xmlns:mc="http://schemas.openxmlformats.org/markup-compatibility/2006" xmlns:mv="urn:schemas-microsoft-com:mac:vml" xmlns:p="http://schemas.openxmlformats.org/presentationml/2006/main" xmlns:c="http://schemas.openxmlformats.org/drawingml/2006/chart" xmlns:dgm="http://schemas.openxmlformats.org/drawingml/2006/diagram" xmlns:o="urn:schemas-microsoft-com:office:office" xmlns:v="urn:schemas-microsoft-com:vml" xmlns:pvml="urn:schemas-microsoft-com:office:powerpoint" xmlns:com="http://schemas.openxmlformats.org/drawingml/2006/compatibility" xmlns:p14="http://schemas.microsoft.com/office/powerpoint/2010/main" xmlns:p15="http://schemas.microsoft.com/office/powerpoint/2012/main" xmlns:ahyp="http://schemas.microsoft.com/office/drawing/2018/hyperlinkcolor">
   <p:cSld>
     <p:spTree>
       <p:nvGrpSpPr>
-        <p:cNvPr id="171" name="Shape 171"/>
+        <p:cNvPr id="191" name="Shape 191"/>
         <p:cNvGrpSpPr/>
         <p:nvPr/>
       </p:nvGrpSpPr>
@@ -9076,7 +9847,7 @@
       </p:grpSpPr>
       <p:sp>
         <p:nvSpPr>
-          <p:cNvPr id="172" name="Google Shape;172;p26"/>
+          <p:cNvPr id="192" name="Google Shape;192;p29"/>
           <p:cNvSpPr txBox="1"/>
           <p:nvPr>
             <p:ph type="title"/>
@@ -9116,7 +9887,7 @@
       </p:sp>
       <p:sp>
         <p:nvSpPr>
-          <p:cNvPr id="173" name="Google Shape;173;p26"/>
+          <p:cNvPr id="193" name="Google Shape;193;p29"/>
           <p:cNvSpPr txBox="1"/>
           <p:nvPr>
             <p:ph idx="1" type="body"/>
@@ -9732,7 +10503,7 @@
         </p:nvSpPr>
         <p:spPr>
           <a:xfrm>
-            <a:off x="727650" y="554575"/>
+            <a:off x="727650" y="535925"/>
             <a:ext cx="7688700" cy="535200"/>
           </a:xfrm>
           <a:prstGeom prst="rect">
@@ -9746,9 +10517,6 @@
           <a:lstStyle/>
           <a:p>
             <a:pPr indent="0" lvl="0" marL="0" rtl="0" algn="l">
-              <a:lnSpc>
-                <a:spcPct val="115000"/>
-              </a:lnSpc>
               <a:spcBef>
                 <a:spcPts val="0"/>
               </a:spcBef>
@@ -9759,55 +10527,7 @@
             </a:pPr>
             <a:r>
               <a:rPr lang="en"/>
-              <a:t>Model Performance</a:t>
-            </a:r>
-            <a:endParaRPr/>
-          </a:p>
-        </p:txBody>
-      </p:sp>
-      <p:sp>
-        <p:nvSpPr>
-          <p:cNvPr id="112" name="Google Shape;112;p17"/>
-          <p:cNvSpPr txBox="1"/>
-          <p:nvPr>
-            <p:ph idx="1" type="body"/>
-          </p:nvPr>
-        </p:nvSpPr>
-        <p:spPr>
-          <a:xfrm>
-            <a:off x="727650" y="1333450"/>
-            <a:ext cx="7688700" cy="2261100"/>
-          </a:xfrm>
-          <a:prstGeom prst="rect">
-            <a:avLst/>
-          </a:prstGeom>
-        </p:spPr>
-        <p:txBody>
-          <a:bodyPr anchorCtr="0" anchor="t" bIns="91425" lIns="91425" spcFirstLastPara="1" rIns="91425" wrap="square" tIns="91425">
-            <a:normAutofit/>
-          </a:bodyPr>
-          <a:lstStyle/>
-          <a:p>
-            <a:pPr indent="0" lvl="0" marL="0" rtl="0" algn="l">
-              <a:spcBef>
-                <a:spcPts val="0"/>
-              </a:spcBef>
-              <a:spcAft>
-                <a:spcPts val="0"/>
-              </a:spcAft>
-              <a:buNone/>
-            </a:pPr>
-            <a:r>
-              <a:rPr lang="en"/>
-              <a:t>With an accuracy of approximately 8</a:t>
-            </a:r>
-            <a:r>
-              <a:rPr lang="en"/>
-              <a:t>0</a:t>
-            </a:r>
-            <a:r>
-              <a:rPr lang="en"/>
-              <a:t>%, the decision tree model performed quite well on the test set in respect to the risk to health conditions. </a:t>
+              <a:t>Data Statistics</a:t>
             </a:r>
             <a:endParaRPr/>
           </a:p>
@@ -9815,7 +10535,7 @@
       </p:sp>
       <p:pic>
         <p:nvPicPr>
-          <p:cNvPr id="113" name="Google Shape;113;p17"/>
+          <p:cNvPr id="112" name="Google Shape;112;p17"/>
           <p:cNvPicPr preferRelativeResize="0"/>
           <p:nvPr/>
         </p:nvPicPr>
@@ -9829,8 +10549,36 @@
         </p:blipFill>
         <p:spPr>
           <a:xfrm>
-            <a:off x="1632875" y="1975400"/>
-            <a:ext cx="5878249" cy="2813975"/>
+            <a:off x="257650" y="1381400"/>
+            <a:ext cx="5715000" cy="2152650"/>
+          </a:xfrm>
+          <a:prstGeom prst="rect">
+            <a:avLst/>
+          </a:prstGeom>
+          <a:noFill/>
+          <a:ln>
+            <a:noFill/>
+          </a:ln>
+        </p:spPr>
+      </p:pic>
+      <p:pic>
+        <p:nvPicPr>
+          <p:cNvPr id="113" name="Google Shape;113;p17"/>
+          <p:cNvPicPr preferRelativeResize="0"/>
+          <p:nvPr/>
+        </p:nvPicPr>
+        <p:blipFill>
+          <a:blip r:embed="rId4">
+            <a:alphaModFix/>
+          </a:blip>
+          <a:stretch>
+            <a:fillRect/>
+          </a:stretch>
+        </p:blipFill>
+        <p:spPr>
+          <a:xfrm>
+            <a:off x="6250025" y="1381400"/>
+            <a:ext cx="2649500" cy="2222636"/>
           </a:xfrm>
           <a:prstGeom prst="rect">
             <a:avLst/>
@@ -9846,81 +10594,6 @@
   <p:clrMapOvr>
     <a:masterClrMapping/>
   </p:clrMapOvr>
-  <p:timing>
-    <p:tnLst>
-      <p:par>
-        <p:cTn dur="indefinite" nodeType="tmRoot" restart="never">
-          <p:childTnLst>
-            <p:seq concurrent="1" nextAc="seek">
-              <p:cTn dur="indefinite" id="2" nodeType="mainSeq">
-                <p:childTnLst>
-                  <p:par>
-                    <p:cTn fill="hold">
-                      <p:stCondLst>
-                        <p:cond delay="indefinite"/>
-                      </p:stCondLst>
-                      <p:childTnLst>
-                        <p:par>
-                          <p:cTn fill="hold">
-                            <p:stCondLst>
-                              <p:cond delay="0"/>
-                            </p:stCondLst>
-                            <p:childTnLst>
-                              <p:par>
-                                <p:cTn fill="hold" nodeType="clickEffect" presetClass="entr" presetID="1" presetSubtype="0">
-                                  <p:stCondLst>
-                                    <p:cond delay="0"/>
-                                  </p:stCondLst>
-                                  <p:childTnLst>
-                                    <p:set>
-                                      <p:cBhvr>
-                                        <p:cTn dur="1" fill="hold">
-                                          <p:stCondLst>
-                                            <p:cond delay="0"/>
-                                          </p:stCondLst>
-                                        </p:cTn>
-                                        <p:tgtEl>
-                                          <p:spTgt spid="113"/>
-                                        </p:tgtEl>
-                                        <p:attrNameLst>
-                                          <p:attrName>style.visibility</p:attrName>
-                                        </p:attrNameLst>
-                                      </p:cBhvr>
-                                      <p:to>
-                                        <p:strVal val="visible"/>
-                                      </p:to>
-                                    </p:set>
-                                  </p:childTnLst>
-                                </p:cTn>
-                              </p:par>
-                            </p:childTnLst>
-                          </p:cTn>
-                        </p:par>
-                      </p:childTnLst>
-                    </p:cTn>
-                  </p:par>
-                </p:childTnLst>
-              </p:cTn>
-              <p:prevCondLst>
-                <p:cond evt="onPrev">
-                  <p:tgtEl>
-                    <p:sldTgt/>
-                  </p:tgtEl>
-                </p:cond>
-              </p:prevCondLst>
-              <p:nextCondLst>
-                <p:cond evt="onNext">
-                  <p:tgtEl>
-                    <p:sldTgt/>
-                  </p:tgtEl>
-                </p:cond>
-              </p:nextCondLst>
-            </p:seq>
-          </p:childTnLst>
-        </p:cTn>
-      </p:par>
-    </p:tnLst>
-  </p:timing>
 </p:sld>
 </file>
 
@@ -9951,8 +10624,8 @@
         </p:nvSpPr>
         <p:spPr>
           <a:xfrm>
-            <a:off x="727800" y="573200"/>
-            <a:ext cx="7688400" cy="535200"/>
+            <a:off x="727650" y="535925"/>
+            <a:ext cx="7688700" cy="535200"/>
           </a:xfrm>
           <a:prstGeom prst="rect">
             <a:avLst/>
@@ -9975,346 +10648,7 @@
             </a:pPr>
             <a:r>
               <a:rPr lang="en"/>
-              <a:t>Accuracy of Classifiers</a:t>
-            </a:r>
-            <a:endParaRPr/>
-          </a:p>
-        </p:txBody>
-      </p:sp>
-      <p:sp>
-        <p:nvSpPr>
-          <p:cNvPr id="119" name="Google Shape;119;p18"/>
-          <p:cNvSpPr txBox="1"/>
-          <p:nvPr>
-            <p:ph idx="1" type="body"/>
-          </p:nvPr>
-        </p:nvSpPr>
-        <p:spPr>
-          <a:xfrm>
-            <a:off x="412525" y="1268200"/>
-            <a:ext cx="3774300" cy="2261100"/>
-          </a:xfrm>
-          <a:prstGeom prst="rect">
-            <a:avLst/>
-          </a:prstGeom>
-        </p:spPr>
-        <p:txBody>
-          <a:bodyPr anchorCtr="0" anchor="t" bIns="91425" lIns="91425" spcFirstLastPara="1" rIns="91425" wrap="square" tIns="91425">
-            <a:normAutofit fontScale="25000" lnSpcReduction="20000"/>
-          </a:bodyPr>
-          <a:lstStyle/>
-          <a:p>
-            <a:pPr indent="0" lvl="0" marL="0" rtl="0" algn="just">
-              <a:lnSpc>
-                <a:spcPct val="150000"/>
-              </a:lnSpc>
-              <a:spcBef>
-                <a:spcPts val="0"/>
-              </a:spcBef>
-              <a:spcAft>
-                <a:spcPts val="0"/>
-              </a:spcAft>
-              <a:buNone/>
-            </a:pPr>
-            <a:r>
-              <a:rPr b="1" i="1" lang="en" sz="3600">
-                <a:solidFill>
-                  <a:srgbClr val="000000"/>
-                </a:solidFill>
-              </a:rPr>
-              <a:t>BEGIN</a:t>
-            </a:r>
-            <a:endParaRPr b="1" i="1" sz="3600">
-              <a:solidFill>
-                <a:srgbClr val="000000"/>
-              </a:solidFill>
-            </a:endParaRPr>
-          </a:p>
-          <a:p>
-            <a:pPr indent="0" lvl="0" marL="0" rtl="0" algn="just">
-              <a:lnSpc>
-                <a:spcPct val="150000"/>
-              </a:lnSpc>
-              <a:spcBef>
-                <a:spcPts val="800"/>
-              </a:spcBef>
-              <a:spcAft>
-                <a:spcPts val="0"/>
-              </a:spcAft>
-              <a:buNone/>
-            </a:pPr>
-            <a:r>
-              <a:rPr b="1" i="1" lang="en" sz="3600">
-                <a:solidFill>
-                  <a:srgbClr val="000000"/>
-                </a:solidFill>
-              </a:rPr>
-              <a:t>            Read the input file and loop through each patient record</a:t>
-            </a:r>
-            <a:endParaRPr b="1" i="1" sz="3600">
-              <a:solidFill>
-                <a:srgbClr val="000000"/>
-              </a:solidFill>
-            </a:endParaRPr>
-          </a:p>
-          <a:p>
-            <a:pPr indent="0" lvl="0" marL="0" rtl="0" algn="just">
-              <a:lnSpc>
-                <a:spcPct val="150000"/>
-              </a:lnSpc>
-              <a:spcBef>
-                <a:spcPts val="800"/>
-              </a:spcBef>
-              <a:spcAft>
-                <a:spcPts val="0"/>
-              </a:spcAft>
-              <a:buNone/>
-            </a:pPr>
-            <a:r>
-              <a:rPr b="1" i="1" lang="en" sz="3600">
-                <a:solidFill>
-                  <a:srgbClr val="000000"/>
-                </a:solidFill>
-              </a:rPr>
-              <a:t>            LOOP</a:t>
-            </a:r>
-            <a:endParaRPr b="1" i="1" sz="3600">
-              <a:solidFill>
-                <a:srgbClr val="000000"/>
-              </a:solidFill>
-            </a:endParaRPr>
-          </a:p>
-          <a:p>
-            <a:pPr indent="0" lvl="0" marL="0" rtl="0" algn="l">
-              <a:lnSpc>
-                <a:spcPct val="150000"/>
-              </a:lnSpc>
-              <a:spcBef>
-                <a:spcPts val="800"/>
-              </a:spcBef>
-              <a:spcAft>
-                <a:spcPts val="0"/>
-              </a:spcAft>
-              <a:buNone/>
-            </a:pPr>
-            <a:r>
-              <a:rPr b="1" i="1" lang="en" sz="3600">
-                <a:solidFill>
-                  <a:srgbClr val="000000"/>
-                </a:solidFill>
-              </a:rPr>
-              <a:t>            Choose features from the patient record</a:t>
-            </a:r>
-            <a:endParaRPr b="1" i="1" sz="3600">
-              <a:solidFill>
-                <a:srgbClr val="000000"/>
-              </a:solidFill>
-            </a:endParaRPr>
-          </a:p>
-          <a:p>
-            <a:pPr indent="0" lvl="0" marL="0" rtl="0" algn="l">
-              <a:lnSpc>
-                <a:spcPct val="150000"/>
-              </a:lnSpc>
-              <a:spcBef>
-                <a:spcPts val="800"/>
-              </a:spcBef>
-              <a:spcAft>
-                <a:spcPts val="0"/>
-              </a:spcAft>
-              <a:buNone/>
-            </a:pPr>
-            <a:r>
-              <a:rPr b="1" i="1" lang="en" sz="3600">
-                <a:solidFill>
-                  <a:srgbClr val="000000"/>
-                </a:solidFill>
-              </a:rPr>
-              <a:t>            Calculate significance for each feature, calculate accuracy and error rate</a:t>
-            </a:r>
-            <a:endParaRPr b="1" i="1" sz="3600">
-              <a:solidFill>
-                <a:srgbClr val="000000"/>
-              </a:solidFill>
-            </a:endParaRPr>
-          </a:p>
-          <a:p>
-            <a:pPr indent="0" lvl="0" marL="0" rtl="0" algn="l">
-              <a:lnSpc>
-                <a:spcPct val="150000"/>
-              </a:lnSpc>
-              <a:spcBef>
-                <a:spcPts val="800"/>
-              </a:spcBef>
-              <a:spcAft>
-                <a:spcPts val="0"/>
-              </a:spcAft>
-              <a:buNone/>
-            </a:pPr>
-            <a:r>
-              <a:rPr b="1" i="1" lang="en" sz="3600">
-                <a:solidFill>
-                  <a:srgbClr val="000000"/>
-                </a:solidFill>
-              </a:rPr>
-              <a:t>            Implement statistical data approach and calculate the best value for a combination</a:t>
-            </a:r>
-            <a:endParaRPr b="1" i="1" sz="3600">
-              <a:solidFill>
-                <a:srgbClr val="000000"/>
-              </a:solidFill>
-            </a:endParaRPr>
-          </a:p>
-          <a:p>
-            <a:pPr indent="0" lvl="0" marL="0" rtl="0" algn="l">
-              <a:lnSpc>
-                <a:spcPct val="150000"/>
-              </a:lnSpc>
-              <a:spcBef>
-                <a:spcPts val="800"/>
-              </a:spcBef>
-              <a:spcAft>
-                <a:spcPts val="0"/>
-              </a:spcAft>
-              <a:buNone/>
-            </a:pPr>
-            <a:r>
-              <a:rPr b="1" i="1" lang="en" sz="3600">
-                <a:solidFill>
-                  <a:srgbClr val="000000"/>
-                </a:solidFill>
-              </a:rPr>
-              <a:t>            For other combination of features repeat the loop</a:t>
-            </a:r>
-            <a:endParaRPr b="1" i="1" sz="3600">
-              <a:solidFill>
-                <a:srgbClr val="000000"/>
-              </a:solidFill>
-            </a:endParaRPr>
-          </a:p>
-          <a:p>
-            <a:pPr indent="0" lvl="0" marL="0" rtl="0" algn="just">
-              <a:lnSpc>
-                <a:spcPct val="150000"/>
-              </a:lnSpc>
-              <a:spcBef>
-                <a:spcPts val="800"/>
-              </a:spcBef>
-              <a:spcAft>
-                <a:spcPts val="0"/>
-              </a:spcAft>
-              <a:buNone/>
-            </a:pPr>
-            <a:r>
-              <a:rPr b="1" i="1" lang="en" sz="3600">
-                <a:solidFill>
-                  <a:srgbClr val="000000"/>
-                </a:solidFill>
-              </a:rPr>
-              <a:t>            END LOOP</a:t>
-            </a:r>
-            <a:endParaRPr b="1" i="1" sz="3600">
-              <a:solidFill>
-                <a:srgbClr val="000000"/>
-              </a:solidFill>
-            </a:endParaRPr>
-          </a:p>
-          <a:p>
-            <a:pPr indent="0" lvl="0" marL="0" rtl="0" algn="just">
-              <a:lnSpc>
-                <a:spcPct val="150000"/>
-              </a:lnSpc>
-              <a:spcBef>
-                <a:spcPts val="800"/>
-              </a:spcBef>
-              <a:spcAft>
-                <a:spcPts val="0"/>
-              </a:spcAft>
-              <a:buNone/>
-            </a:pPr>
-            <a:r>
-              <a:rPr b="1" i="1" lang="en" sz="3600">
-                <a:solidFill>
-                  <a:srgbClr val="000000"/>
-                </a:solidFill>
-              </a:rPr>
-              <a:t>COMPARE with trained data and test data</a:t>
-            </a:r>
-            <a:endParaRPr b="1" i="1" sz="3600">
-              <a:solidFill>
-                <a:srgbClr val="000000"/>
-              </a:solidFill>
-            </a:endParaRPr>
-          </a:p>
-          <a:p>
-            <a:pPr indent="0" lvl="0" marL="0" rtl="0" algn="just">
-              <a:lnSpc>
-                <a:spcPct val="150000"/>
-              </a:lnSpc>
-              <a:spcBef>
-                <a:spcPts val="800"/>
-              </a:spcBef>
-              <a:spcAft>
-                <a:spcPts val="0"/>
-              </a:spcAft>
-              <a:buNone/>
-            </a:pPr>
-            <a:r>
-              <a:rPr b="1" i="1" lang="en" sz="3600">
-                <a:solidFill>
-                  <a:srgbClr val="000000"/>
-                </a:solidFill>
-              </a:rPr>
-              <a:t>Predict the output risk level and display the values</a:t>
-            </a:r>
-            <a:endParaRPr b="1" i="1" sz="3600">
-              <a:solidFill>
-                <a:srgbClr val="000000"/>
-              </a:solidFill>
-            </a:endParaRPr>
-          </a:p>
-          <a:p>
-            <a:pPr indent="0" lvl="0" marL="0" rtl="0" algn="just">
-              <a:lnSpc>
-                <a:spcPct val="150000"/>
-              </a:lnSpc>
-              <a:spcBef>
-                <a:spcPts val="800"/>
-              </a:spcBef>
-              <a:spcAft>
-                <a:spcPts val="0"/>
-              </a:spcAft>
-              <a:buNone/>
-            </a:pPr>
-            <a:r>
-              <a:rPr b="1" i="1" lang="en" sz="3600">
-                <a:solidFill>
-                  <a:srgbClr val="000000"/>
-                </a:solidFill>
-              </a:rPr>
-              <a:t>END</a:t>
-            </a:r>
-            <a:endParaRPr b="1" i="1" sz="3600">
-              <a:solidFill>
-                <a:srgbClr val="000000"/>
-              </a:solidFill>
-            </a:endParaRPr>
-          </a:p>
-          <a:p>
-            <a:pPr indent="0" lvl="0" marL="0" rtl="0" algn="l">
-              <a:lnSpc>
-                <a:spcPct val="150000"/>
-              </a:lnSpc>
-              <a:spcBef>
-                <a:spcPts val="800"/>
-              </a:spcBef>
-              <a:spcAft>
-                <a:spcPts val="1200"/>
-              </a:spcAft>
-              <a:buNone/>
-            </a:pPr>
-            <a:r>
-              <a:t/>
+              <a:t>Data Statistics</a:t>
             </a:r>
             <a:endParaRPr/>
           </a:p>
@@ -10322,7 +10656,7 @@
       </p:sp>
       <p:pic>
         <p:nvPicPr>
-          <p:cNvPr id="120" name="Google Shape;120;p18"/>
+          <p:cNvPr id="119" name="Google Shape;119;p18"/>
           <p:cNvPicPr preferRelativeResize="0"/>
           <p:nvPr/>
         </p:nvPicPr>
@@ -10336,8 +10670,64 @@
         </p:blipFill>
         <p:spPr>
           <a:xfrm>
-            <a:off x="4339225" y="1260800"/>
-            <a:ext cx="4652374" cy="2882881"/>
+            <a:off x="152400" y="1223525"/>
+            <a:ext cx="2266210" cy="3767575"/>
+          </a:xfrm>
+          <a:prstGeom prst="rect">
+            <a:avLst/>
+          </a:prstGeom>
+          <a:noFill/>
+          <a:ln>
+            <a:noFill/>
+          </a:ln>
+        </p:spPr>
+      </p:pic>
+      <p:pic>
+        <p:nvPicPr>
+          <p:cNvPr id="120" name="Google Shape;120;p18"/>
+          <p:cNvPicPr preferRelativeResize="0"/>
+          <p:nvPr/>
+        </p:nvPicPr>
+        <p:blipFill>
+          <a:blip r:embed="rId4">
+            <a:alphaModFix/>
+          </a:blip>
+          <a:stretch>
+            <a:fillRect/>
+          </a:stretch>
+        </p:blipFill>
+        <p:spPr>
+          <a:xfrm>
+            <a:off x="2801210" y="1223525"/>
+            <a:ext cx="2409496" cy="3767575"/>
+          </a:xfrm>
+          <a:prstGeom prst="rect">
+            <a:avLst/>
+          </a:prstGeom>
+          <a:noFill/>
+          <a:ln>
+            <a:noFill/>
+          </a:ln>
+        </p:spPr>
+      </p:pic>
+      <p:pic>
+        <p:nvPicPr>
+          <p:cNvPr id="121" name="Google Shape;121;p18"/>
+          <p:cNvPicPr preferRelativeResize="0"/>
+          <p:nvPr/>
+        </p:nvPicPr>
+        <p:blipFill>
+          <a:blip r:embed="rId5">
+            <a:alphaModFix/>
+          </a:blip>
+          <a:stretch>
+            <a:fillRect/>
+          </a:stretch>
+        </p:blipFill>
+        <p:spPr>
+          <a:xfrm>
+            <a:off x="5593306" y="1223525"/>
+            <a:ext cx="2703193" cy="3767575"/>
           </a:xfrm>
           <a:prstGeom prst="rect">
             <a:avLst/>
@@ -10361,7 +10751,7 @@
   <p:cSld>
     <p:spTree>
       <p:nvGrpSpPr>
-        <p:cNvPr id="124" name="Shape 124"/>
+        <p:cNvPr id="125" name="Shape 125"/>
         <p:cNvGrpSpPr/>
         <p:nvPr/>
       </p:nvGrpSpPr>
@@ -10375,7 +10765,7 @@
       </p:grpSpPr>
       <p:sp>
         <p:nvSpPr>
-          <p:cNvPr id="125" name="Google Shape;125;p19"/>
+          <p:cNvPr id="126" name="Google Shape;126;p19"/>
           <p:cNvSpPr txBox="1"/>
           <p:nvPr>
             <p:ph type="title"/>
@@ -10383,7 +10773,7 @@
         </p:nvSpPr>
         <p:spPr>
           <a:xfrm>
-            <a:off x="727650" y="508000"/>
+            <a:off x="727650" y="535925"/>
             <a:ext cx="7688700" cy="535200"/>
           </a:xfrm>
           <a:prstGeom prst="rect">
@@ -10407,6 +10797,503 @@
             </a:pPr>
             <a:r>
               <a:rPr lang="en"/>
+              <a:t>Data Statistics</a:t>
+            </a:r>
+            <a:endParaRPr/>
+          </a:p>
+        </p:txBody>
+      </p:sp>
+      <p:pic>
+        <p:nvPicPr>
+          <p:cNvPr id="127" name="Google Shape;127;p19"/>
+          <p:cNvPicPr preferRelativeResize="0"/>
+          <p:nvPr/>
+        </p:nvPicPr>
+        <p:blipFill>
+          <a:blip r:embed="rId3">
+            <a:alphaModFix/>
+          </a:blip>
+          <a:stretch>
+            <a:fillRect/>
+          </a:stretch>
+        </p:blipFill>
+        <p:spPr>
+          <a:xfrm>
+            <a:off x="3617550" y="841925"/>
+            <a:ext cx="2762500" cy="4248974"/>
+          </a:xfrm>
+          <a:prstGeom prst="rect">
+            <a:avLst/>
+          </a:prstGeom>
+          <a:noFill/>
+          <a:ln>
+            <a:noFill/>
+          </a:ln>
+        </p:spPr>
+      </p:pic>
+    </p:spTree>
+  </p:cSld>
+  <p:clrMapOvr>
+    <a:masterClrMapping/>
+  </p:clrMapOvr>
+</p:sld>
+</file>
+
+<file path=ppt/slides/slide8.xml><?xml version="1.0" encoding="utf-8"?>
+<p:sld xmlns:a="http://schemas.openxmlformats.org/drawingml/2006/main" xmlns:r="http://schemas.openxmlformats.org/officeDocument/2006/relationships" xmlns:mc="http://schemas.openxmlformats.org/markup-compatibility/2006" xmlns:mv="urn:schemas-microsoft-com:mac:vml" xmlns:p="http://schemas.openxmlformats.org/presentationml/2006/main" xmlns:c="http://schemas.openxmlformats.org/drawingml/2006/chart" xmlns:dgm="http://schemas.openxmlformats.org/drawingml/2006/diagram" xmlns:o="urn:schemas-microsoft-com:office:office" xmlns:v="urn:schemas-microsoft-com:vml" xmlns:pvml="urn:schemas-microsoft-com:office:powerpoint" xmlns:com="http://schemas.openxmlformats.org/drawingml/2006/compatibility" xmlns:p14="http://schemas.microsoft.com/office/powerpoint/2010/main" xmlns:p15="http://schemas.microsoft.com/office/powerpoint/2012/main" xmlns:ahyp="http://schemas.microsoft.com/office/drawing/2018/hyperlinkcolor">
+  <p:cSld>
+    <p:spTree>
+      <p:nvGrpSpPr>
+        <p:cNvPr id="131" name="Shape 131"/>
+        <p:cNvGrpSpPr/>
+        <p:nvPr/>
+      </p:nvGrpSpPr>
+      <p:grpSpPr>
+        <a:xfrm>
+          <a:off x="0" y="0"/>
+          <a:ext cx="0" cy="0"/>
+          <a:chOff x="0" y="0"/>
+          <a:chExt cx="0" cy="0"/>
+        </a:xfrm>
+      </p:grpSpPr>
+      <p:sp>
+        <p:nvSpPr>
+          <p:cNvPr id="132" name="Google Shape;132;p20"/>
+          <p:cNvSpPr txBox="1"/>
+          <p:nvPr>
+            <p:ph type="title"/>
+          </p:nvPr>
+        </p:nvSpPr>
+        <p:spPr>
+          <a:xfrm>
+            <a:off x="727800" y="573200"/>
+            <a:ext cx="7688400" cy="535200"/>
+          </a:xfrm>
+          <a:prstGeom prst="rect">
+            <a:avLst/>
+          </a:prstGeom>
+        </p:spPr>
+        <p:txBody>
+          <a:bodyPr anchorCtr="0" anchor="t" bIns="91425" lIns="91425" spcFirstLastPara="1" rIns="91425" wrap="square" tIns="91425">
+            <a:normAutofit fontScale="90000"/>
+          </a:bodyPr>
+          <a:lstStyle/>
+          <a:p>
+            <a:pPr indent="0" lvl="0" marL="0" rtl="0" algn="l">
+              <a:spcBef>
+                <a:spcPts val="0"/>
+              </a:spcBef>
+              <a:spcAft>
+                <a:spcPts val="0"/>
+              </a:spcAft>
+              <a:buNone/>
+            </a:pPr>
+            <a:r>
+              <a:rPr lang="en"/>
+              <a:t>Model Algorithm</a:t>
+            </a:r>
+            <a:endParaRPr/>
+          </a:p>
+        </p:txBody>
+      </p:sp>
+      <p:sp>
+        <p:nvSpPr>
+          <p:cNvPr id="133" name="Google Shape;133;p20"/>
+          <p:cNvSpPr txBox="1"/>
+          <p:nvPr>
+            <p:ph idx="1" type="body"/>
+          </p:nvPr>
+        </p:nvSpPr>
+        <p:spPr>
+          <a:xfrm>
+            <a:off x="412525" y="1268200"/>
+            <a:ext cx="4737600" cy="3349200"/>
+          </a:xfrm>
+          <a:prstGeom prst="rect">
+            <a:avLst/>
+          </a:prstGeom>
+        </p:spPr>
+        <p:txBody>
+          <a:bodyPr anchorCtr="0" anchor="t" bIns="91425" lIns="91425" spcFirstLastPara="1" rIns="91425" wrap="square" tIns="91425">
+            <a:normAutofit fontScale="25000" lnSpcReduction="20000"/>
+          </a:bodyPr>
+          <a:lstStyle/>
+          <a:p>
+            <a:pPr indent="0" lvl="0" marL="0" rtl="0" algn="just">
+              <a:lnSpc>
+                <a:spcPct val="150000"/>
+              </a:lnSpc>
+              <a:spcBef>
+                <a:spcPts val="0"/>
+              </a:spcBef>
+              <a:spcAft>
+                <a:spcPts val="0"/>
+              </a:spcAft>
+              <a:buNone/>
+            </a:pPr>
+            <a:r>
+              <a:rPr b="1" i="1" lang="en" sz="3600">
+                <a:solidFill>
+                  <a:srgbClr val="000000"/>
+                </a:solidFill>
+              </a:rPr>
+              <a:t>BEGIN</a:t>
+            </a:r>
+            <a:endParaRPr b="1" i="1" sz="3600">
+              <a:solidFill>
+                <a:srgbClr val="000000"/>
+              </a:solidFill>
+            </a:endParaRPr>
+          </a:p>
+          <a:p>
+            <a:pPr indent="0" lvl="0" marL="0" rtl="0" algn="just">
+              <a:lnSpc>
+                <a:spcPct val="150000"/>
+              </a:lnSpc>
+              <a:spcBef>
+                <a:spcPts val="800"/>
+              </a:spcBef>
+              <a:spcAft>
+                <a:spcPts val="0"/>
+              </a:spcAft>
+              <a:buNone/>
+            </a:pPr>
+            <a:r>
+              <a:rPr b="1" i="1" lang="en" sz="3600">
+                <a:solidFill>
+                  <a:srgbClr val="000000"/>
+                </a:solidFill>
+              </a:rPr>
+              <a:t>            Read the input file and loop through each patient record</a:t>
+            </a:r>
+            <a:endParaRPr b="1" i="1" sz="3600">
+              <a:solidFill>
+                <a:srgbClr val="000000"/>
+              </a:solidFill>
+            </a:endParaRPr>
+          </a:p>
+          <a:p>
+            <a:pPr indent="0" lvl="0" marL="0" rtl="0" algn="just">
+              <a:lnSpc>
+                <a:spcPct val="150000"/>
+              </a:lnSpc>
+              <a:spcBef>
+                <a:spcPts val="800"/>
+              </a:spcBef>
+              <a:spcAft>
+                <a:spcPts val="0"/>
+              </a:spcAft>
+              <a:buNone/>
+            </a:pPr>
+            <a:r>
+              <a:rPr b="1" i="1" lang="en" sz="3600">
+                <a:solidFill>
+                  <a:srgbClr val="000000"/>
+                </a:solidFill>
+              </a:rPr>
+              <a:t>            LOOP</a:t>
+            </a:r>
+            <a:endParaRPr b="1" i="1" sz="3600">
+              <a:solidFill>
+                <a:srgbClr val="000000"/>
+              </a:solidFill>
+            </a:endParaRPr>
+          </a:p>
+          <a:p>
+            <a:pPr indent="0" lvl="0" marL="0" rtl="0" algn="l">
+              <a:lnSpc>
+                <a:spcPct val="150000"/>
+              </a:lnSpc>
+              <a:spcBef>
+                <a:spcPts val="800"/>
+              </a:spcBef>
+              <a:spcAft>
+                <a:spcPts val="0"/>
+              </a:spcAft>
+              <a:buNone/>
+            </a:pPr>
+            <a:r>
+              <a:rPr b="1" i="1" lang="en" sz="3600">
+                <a:solidFill>
+                  <a:srgbClr val="000000"/>
+                </a:solidFill>
+              </a:rPr>
+              <a:t>            Choose features from the patient record</a:t>
+            </a:r>
+            <a:endParaRPr b="1" i="1" sz="3600">
+              <a:solidFill>
+                <a:srgbClr val="000000"/>
+              </a:solidFill>
+            </a:endParaRPr>
+          </a:p>
+          <a:p>
+            <a:pPr indent="0" lvl="0" marL="0" rtl="0" algn="l">
+              <a:lnSpc>
+                <a:spcPct val="150000"/>
+              </a:lnSpc>
+              <a:spcBef>
+                <a:spcPts val="800"/>
+              </a:spcBef>
+              <a:spcAft>
+                <a:spcPts val="0"/>
+              </a:spcAft>
+              <a:buNone/>
+            </a:pPr>
+            <a:r>
+              <a:rPr b="1" i="1" lang="en" sz="3600">
+                <a:solidFill>
+                  <a:srgbClr val="000000"/>
+                </a:solidFill>
+              </a:rPr>
+              <a:t>            Calculate significance for each feature, calculate accuracy and error rate</a:t>
+            </a:r>
+            <a:endParaRPr b="1" i="1" sz="3600">
+              <a:solidFill>
+                <a:srgbClr val="000000"/>
+              </a:solidFill>
+            </a:endParaRPr>
+          </a:p>
+          <a:p>
+            <a:pPr indent="0" lvl="0" marL="0" rtl="0" algn="l">
+              <a:lnSpc>
+                <a:spcPct val="150000"/>
+              </a:lnSpc>
+              <a:spcBef>
+                <a:spcPts val="800"/>
+              </a:spcBef>
+              <a:spcAft>
+                <a:spcPts val="0"/>
+              </a:spcAft>
+              <a:buNone/>
+            </a:pPr>
+            <a:r>
+              <a:rPr b="1" i="1" lang="en" sz="3600">
+                <a:solidFill>
+                  <a:srgbClr val="000000"/>
+                </a:solidFill>
+              </a:rPr>
+              <a:t>            Implement statistical data approach and calculate the best value for a combinationß</a:t>
+            </a:r>
+            <a:endParaRPr b="1" i="1" sz="3600">
+              <a:solidFill>
+                <a:srgbClr val="000000"/>
+              </a:solidFill>
+            </a:endParaRPr>
+          </a:p>
+          <a:p>
+            <a:pPr indent="0" lvl="0" marL="0" rtl="0" algn="l">
+              <a:lnSpc>
+                <a:spcPct val="150000"/>
+              </a:lnSpc>
+              <a:spcBef>
+                <a:spcPts val="800"/>
+              </a:spcBef>
+              <a:spcAft>
+                <a:spcPts val="0"/>
+              </a:spcAft>
+              <a:buNone/>
+            </a:pPr>
+            <a:r>
+              <a:rPr b="1" i="1" lang="en" sz="3600">
+                <a:solidFill>
+                  <a:srgbClr val="000000"/>
+                </a:solidFill>
+              </a:rPr>
+              <a:t>            For other combination of features repeat the loop</a:t>
+            </a:r>
+            <a:endParaRPr b="1" i="1" sz="3600">
+              <a:solidFill>
+                <a:srgbClr val="000000"/>
+              </a:solidFill>
+            </a:endParaRPr>
+          </a:p>
+          <a:p>
+            <a:pPr indent="0" lvl="0" marL="0" rtl="0" algn="just">
+              <a:lnSpc>
+                <a:spcPct val="150000"/>
+              </a:lnSpc>
+              <a:spcBef>
+                <a:spcPts val="800"/>
+              </a:spcBef>
+              <a:spcAft>
+                <a:spcPts val="0"/>
+              </a:spcAft>
+              <a:buNone/>
+            </a:pPr>
+            <a:r>
+              <a:rPr b="1" i="1" lang="en" sz="3600">
+                <a:solidFill>
+                  <a:srgbClr val="000000"/>
+                </a:solidFill>
+              </a:rPr>
+              <a:t>            END LOOP</a:t>
+            </a:r>
+            <a:endParaRPr b="1" i="1" sz="3600">
+              <a:solidFill>
+                <a:srgbClr val="000000"/>
+              </a:solidFill>
+            </a:endParaRPr>
+          </a:p>
+          <a:p>
+            <a:pPr indent="0" lvl="0" marL="0" rtl="0" algn="just">
+              <a:lnSpc>
+                <a:spcPct val="150000"/>
+              </a:lnSpc>
+              <a:spcBef>
+                <a:spcPts val="800"/>
+              </a:spcBef>
+              <a:spcAft>
+                <a:spcPts val="0"/>
+              </a:spcAft>
+              <a:buNone/>
+            </a:pPr>
+            <a:r>
+              <a:rPr b="1" i="1" lang="en" sz="3600">
+                <a:solidFill>
+                  <a:srgbClr val="000000"/>
+                </a:solidFill>
+              </a:rPr>
+              <a:t>COMPARE with trained data and test data</a:t>
+            </a:r>
+            <a:endParaRPr b="1" i="1" sz="3600">
+              <a:solidFill>
+                <a:srgbClr val="000000"/>
+              </a:solidFill>
+            </a:endParaRPr>
+          </a:p>
+          <a:p>
+            <a:pPr indent="0" lvl="0" marL="0" rtl="0" algn="just">
+              <a:lnSpc>
+                <a:spcPct val="150000"/>
+              </a:lnSpc>
+              <a:spcBef>
+                <a:spcPts val="800"/>
+              </a:spcBef>
+              <a:spcAft>
+                <a:spcPts val="0"/>
+              </a:spcAft>
+              <a:buNone/>
+            </a:pPr>
+            <a:r>
+              <a:rPr b="1" i="1" lang="en" sz="3600">
+                <a:solidFill>
+                  <a:srgbClr val="000000"/>
+                </a:solidFill>
+              </a:rPr>
+              <a:t>Predict the output risk level and display the valuesß</a:t>
+            </a:r>
+            <a:endParaRPr b="1" i="1" sz="3600">
+              <a:solidFill>
+                <a:srgbClr val="000000"/>
+              </a:solidFill>
+            </a:endParaRPr>
+          </a:p>
+          <a:p>
+            <a:pPr indent="0" lvl="0" marL="0" rtl="0" algn="just">
+              <a:lnSpc>
+                <a:spcPct val="150000"/>
+              </a:lnSpc>
+              <a:spcBef>
+                <a:spcPts val="800"/>
+              </a:spcBef>
+              <a:spcAft>
+                <a:spcPts val="0"/>
+              </a:spcAft>
+              <a:buNone/>
+            </a:pPr>
+            <a:r>
+              <a:rPr b="1" i="1" lang="en" sz="3600">
+                <a:solidFill>
+                  <a:srgbClr val="000000"/>
+                </a:solidFill>
+              </a:rPr>
+              <a:t>END</a:t>
+            </a:r>
+            <a:endParaRPr b="1" i="1" sz="3600">
+              <a:solidFill>
+                <a:srgbClr val="000000"/>
+              </a:solidFill>
+            </a:endParaRPr>
+          </a:p>
+          <a:p>
+            <a:pPr indent="0" lvl="0" marL="0" rtl="0" algn="l">
+              <a:lnSpc>
+                <a:spcPct val="150000"/>
+              </a:lnSpc>
+              <a:spcBef>
+                <a:spcPts val="800"/>
+              </a:spcBef>
+              <a:spcAft>
+                <a:spcPts val="1200"/>
+              </a:spcAft>
+              <a:buNone/>
+            </a:pPr>
+            <a:r>
+              <a:t/>
+            </a:r>
+            <a:endParaRPr/>
+          </a:p>
+        </p:txBody>
+      </p:sp>
+    </p:spTree>
+  </p:cSld>
+  <p:clrMapOvr>
+    <a:masterClrMapping/>
+  </p:clrMapOvr>
+</p:sld>
+</file>
+
+<file path=ppt/slides/slide9.xml><?xml version="1.0" encoding="utf-8"?>
+<p:sld xmlns:a="http://schemas.openxmlformats.org/drawingml/2006/main" xmlns:r="http://schemas.openxmlformats.org/officeDocument/2006/relationships" xmlns:mc="http://schemas.openxmlformats.org/markup-compatibility/2006" xmlns:mv="urn:schemas-microsoft-com:mac:vml" xmlns:p="http://schemas.openxmlformats.org/presentationml/2006/main" xmlns:c="http://schemas.openxmlformats.org/drawingml/2006/chart" xmlns:dgm="http://schemas.openxmlformats.org/drawingml/2006/diagram" xmlns:o="urn:schemas-microsoft-com:office:office" xmlns:v="urn:schemas-microsoft-com:vml" xmlns:pvml="urn:schemas-microsoft-com:office:powerpoint" xmlns:com="http://schemas.openxmlformats.org/drawingml/2006/compatibility" xmlns:p14="http://schemas.microsoft.com/office/powerpoint/2010/main" xmlns:p15="http://schemas.microsoft.com/office/powerpoint/2012/main" xmlns:ahyp="http://schemas.microsoft.com/office/drawing/2018/hyperlinkcolor">
+  <p:cSld>
+    <p:spTree>
+      <p:nvGrpSpPr>
+        <p:cNvPr id="137" name="Shape 137"/>
+        <p:cNvGrpSpPr/>
+        <p:nvPr/>
+      </p:nvGrpSpPr>
+      <p:grpSpPr>
+        <a:xfrm>
+          <a:off x="0" y="0"/>
+          <a:ext cx="0" cy="0"/>
+          <a:chOff x="0" y="0"/>
+          <a:chExt cx="0" cy="0"/>
+        </a:xfrm>
+      </p:grpSpPr>
+      <p:sp>
+        <p:nvSpPr>
+          <p:cNvPr id="138" name="Google Shape;138;p21"/>
+          <p:cNvSpPr txBox="1"/>
+          <p:nvPr>
+            <p:ph type="title"/>
+          </p:nvPr>
+        </p:nvSpPr>
+        <p:spPr>
+          <a:xfrm>
+            <a:off x="727650" y="508000"/>
+            <a:ext cx="7688700" cy="535200"/>
+          </a:xfrm>
+          <a:prstGeom prst="rect">
+            <a:avLst/>
+          </a:prstGeom>
+        </p:spPr>
+        <p:txBody>
+          <a:bodyPr anchorCtr="0" anchor="t" bIns="91425" lIns="91425" spcFirstLastPara="1" rIns="91425" wrap="square" tIns="91425">
+            <a:normAutofit fontScale="90000"/>
+          </a:bodyPr>
+          <a:lstStyle/>
+          <a:p>
+            <a:pPr indent="0" lvl="0" marL="0" rtl="0" algn="l">
+              <a:spcBef>
+                <a:spcPts val="0"/>
+              </a:spcBef>
+              <a:spcAft>
+                <a:spcPts val="0"/>
+              </a:spcAft>
+              <a:buNone/>
+            </a:pPr>
+            <a:r>
+              <a:rPr lang="en"/>
               <a:t>Accuracy Scores (Decision Tree and SVM)</a:t>
             </a:r>
             <a:endParaRPr/>
@@ -10415,7 +11302,7 @@
       </p:sp>
       <p:pic>
         <p:nvPicPr>
-          <p:cNvPr id="126" name="Google Shape;126;p19"/>
+          <p:cNvPr id="139" name="Google Shape;139;p21"/>
           <p:cNvPicPr preferRelativeResize="0"/>
           <p:nvPr/>
         </p:nvPicPr>
@@ -10428,7 +11315,7 @@
         </p:blipFill>
         <p:spPr>
           <a:xfrm>
-            <a:off x="201925" y="2110250"/>
+            <a:off x="90100" y="2083925"/>
             <a:ext cx="4323500" cy="2576775"/>
           </a:xfrm>
           <a:prstGeom prst="rect">
@@ -10442,7 +11329,7 @@
       </p:pic>
       <p:sp>
         <p:nvSpPr>
-          <p:cNvPr id="127" name="Google Shape;127;p19"/>
+          <p:cNvPr id="140" name="Google Shape;140;p21"/>
           <p:cNvSpPr/>
           <p:nvPr/>
         </p:nvSpPr>
@@ -10499,7 +11386,7 @@
       </p:sp>
       <p:pic>
         <p:nvPicPr>
-          <p:cNvPr id="128" name="Google Shape;128;p19"/>
+          <p:cNvPr id="141" name="Google Shape;141;p21"/>
           <p:cNvPicPr preferRelativeResize="0"/>
           <p:nvPr/>
         </p:nvPicPr>
@@ -10527,7 +11414,7 @@
       </p:pic>
       <p:sp>
         <p:nvSpPr>
-          <p:cNvPr id="129" name="Google Shape;129;p19"/>
+          <p:cNvPr id="142" name="Google Shape;142;p21"/>
           <p:cNvSpPr/>
           <p:nvPr/>
         </p:nvSpPr>
@@ -10590,260 +11477,286 @@
 </p:sld>
 </file>
 
-<file path=ppt/slides/slide8.xml><?xml version="1.0" encoding="utf-8"?>
-<p:sld xmlns:a="http://schemas.openxmlformats.org/drawingml/2006/main" xmlns:r="http://schemas.openxmlformats.org/officeDocument/2006/relationships" xmlns:mc="http://schemas.openxmlformats.org/markup-compatibility/2006" xmlns:mv="urn:schemas-microsoft-com:mac:vml" xmlns:p="http://schemas.openxmlformats.org/presentationml/2006/main" xmlns:c="http://schemas.openxmlformats.org/drawingml/2006/chart" xmlns:dgm="http://schemas.openxmlformats.org/drawingml/2006/diagram" xmlns:o="urn:schemas-microsoft-com:office:office" xmlns:v="urn:schemas-microsoft-com:vml" xmlns:pvml="urn:schemas-microsoft-com:office:powerpoint" xmlns:com="http://schemas.openxmlformats.org/drawingml/2006/compatibility" xmlns:p14="http://schemas.microsoft.com/office/powerpoint/2010/main" xmlns:p15="http://schemas.microsoft.com/office/powerpoint/2012/main" xmlns:ahyp="http://schemas.microsoft.com/office/drawing/2018/hyperlinkcolor">
-  <p:cSld>
-    <p:spTree>
-      <p:nvGrpSpPr>
-        <p:cNvPr id="133" name="Shape 133"/>
-        <p:cNvGrpSpPr/>
-        <p:nvPr/>
-      </p:nvGrpSpPr>
-      <p:grpSpPr>
-        <a:xfrm>
-          <a:off x="0" y="0"/>
-          <a:ext cx="0" cy="0"/>
-          <a:chOff x="0" y="0"/>
-          <a:chExt cx="0" cy="0"/>
-        </a:xfrm>
-      </p:grpSpPr>
-      <p:sp>
-        <p:nvSpPr>
-          <p:cNvPr id="134" name="Google Shape;134;p20"/>
-          <p:cNvSpPr txBox="1"/>
-          <p:nvPr>
-            <p:ph type="title"/>
-          </p:nvPr>
-        </p:nvSpPr>
-        <p:spPr>
-          <a:xfrm>
-            <a:off x="727800" y="573225"/>
-            <a:ext cx="7688400" cy="535200"/>
-          </a:xfrm>
-          <a:prstGeom prst="rect">
-            <a:avLst/>
-          </a:prstGeom>
-        </p:spPr>
-        <p:txBody>
-          <a:bodyPr anchorCtr="0" anchor="t" bIns="91425" lIns="91425" spcFirstLastPara="1" rIns="91425" wrap="square" tIns="91425">
-            <a:normAutofit fontScale="90000"/>
-          </a:bodyPr>
-          <a:lstStyle/>
-          <a:p>
-            <a:pPr indent="0" lvl="0" marL="0" rtl="0" algn="l">
-              <a:spcBef>
-                <a:spcPts val="0"/>
-              </a:spcBef>
-              <a:spcAft>
-                <a:spcPts val="0"/>
-              </a:spcAft>
-              <a:buNone/>
-            </a:pPr>
-            <a:r>
-              <a:rPr lang="en"/>
-              <a:t>Accuracy of Search Models</a:t>
-            </a:r>
-            <a:endParaRPr/>
-          </a:p>
-        </p:txBody>
-      </p:sp>
-      <p:sp>
-        <p:nvSpPr>
-          <p:cNvPr id="135" name="Google Shape;135;p20"/>
-          <p:cNvSpPr txBox="1"/>
-          <p:nvPr>
-            <p:ph idx="1" type="body"/>
-          </p:nvPr>
-        </p:nvSpPr>
-        <p:spPr>
-          <a:xfrm>
-            <a:off x="729325" y="2078875"/>
-            <a:ext cx="3774300" cy="2261100"/>
-          </a:xfrm>
-          <a:prstGeom prst="rect">
-            <a:avLst/>
-          </a:prstGeom>
-        </p:spPr>
-        <p:txBody>
-          <a:bodyPr anchorCtr="0" anchor="t" bIns="91425" lIns="91425" spcFirstLastPara="1" rIns="91425" wrap="square" tIns="91425">
-            <a:normAutofit/>
-          </a:bodyPr>
-          <a:lstStyle/>
-          <a:p>
-            <a:pPr indent="0" lvl="0" marL="0" rtl="0" algn="l">
-              <a:spcBef>
-                <a:spcPts val="0"/>
-              </a:spcBef>
-              <a:spcAft>
-                <a:spcPts val="1200"/>
-              </a:spcAft>
-              <a:buNone/>
-            </a:pPr>
-            <a:r>
-              <a:t/>
-            </a:r>
-            <a:endParaRPr/>
-          </a:p>
-        </p:txBody>
-      </p:sp>
-      <p:pic>
-        <p:nvPicPr>
-          <p:cNvPr id="136" name="Google Shape;136;p20"/>
-          <p:cNvPicPr preferRelativeResize="0"/>
-          <p:nvPr/>
-        </p:nvPicPr>
-        <p:blipFill>
-          <a:blip r:embed="rId3">
-            <a:alphaModFix/>
-          </a:blip>
-          <a:stretch>
-            <a:fillRect/>
-          </a:stretch>
-        </p:blipFill>
-        <p:spPr>
-          <a:xfrm>
-            <a:off x="4622400" y="1417725"/>
-            <a:ext cx="4344135" cy="3473799"/>
-          </a:xfrm>
-          <a:prstGeom prst="rect">
-            <a:avLst/>
-          </a:prstGeom>
-          <a:noFill/>
-          <a:ln>
-            <a:noFill/>
-          </a:ln>
-        </p:spPr>
-      </p:pic>
-      <p:pic>
-        <p:nvPicPr>
-          <p:cNvPr id="137" name="Google Shape;137;p20"/>
-          <p:cNvPicPr preferRelativeResize="0"/>
-          <p:nvPr/>
-        </p:nvPicPr>
-        <p:blipFill>
-          <a:blip r:embed="rId4">
-            <a:alphaModFix/>
-          </a:blip>
-          <a:stretch>
-            <a:fillRect/>
-          </a:stretch>
-        </p:blipFill>
-        <p:spPr>
-          <a:xfrm>
-            <a:off x="101000" y="1417713"/>
-            <a:ext cx="4470999" cy="3409688"/>
-          </a:xfrm>
-          <a:prstGeom prst="rect">
-            <a:avLst/>
-          </a:prstGeom>
-          <a:noFill/>
-          <a:ln>
-            <a:noFill/>
-          </a:ln>
-        </p:spPr>
-      </p:pic>
-    </p:spTree>
-  </p:cSld>
-  <p:clrMapOvr>
-    <a:masterClrMapping/>
-  </p:clrMapOvr>
-</p:sld>
+<file path=ppt/theme/theme1.xml><?xml version="1.0" encoding="utf-8"?>
+<a:theme xmlns:a="http://schemas.openxmlformats.org/drawingml/2006/main" xmlns:r="http://schemas.openxmlformats.org/officeDocument/2006/relationships" name="Streamline">
+  <a:themeElements>
+    <a:clrScheme name="Streamline">
+      <a:dk1>
+        <a:srgbClr val="1A9988"/>
+      </a:dk1>
+      <a:lt1>
+        <a:srgbClr val="FFFFFF"/>
+      </a:lt1>
+      <a:dk2>
+        <a:srgbClr val="1A1A1A"/>
+      </a:dk2>
+      <a:lt2>
+        <a:srgbClr val="E9EDEE"/>
+      </a:lt2>
+      <a:accent1>
+        <a:srgbClr val="595959"/>
+      </a:accent1>
+      <a:accent2>
+        <a:srgbClr val="6AA4C8"/>
+      </a:accent2>
+      <a:accent3>
+        <a:srgbClr val="EB5600"/>
+      </a:accent3>
+      <a:accent4>
+        <a:srgbClr val="A2FFE8"/>
+      </a:accent4>
+      <a:accent5>
+        <a:srgbClr val="1C3678"/>
+      </a:accent5>
+      <a:accent6>
+        <a:srgbClr val="FFB8A2"/>
+      </a:accent6>
+      <a:hlink>
+        <a:srgbClr val="1C3678"/>
+      </a:hlink>
+      <a:folHlink>
+        <a:srgbClr val="1C3678"/>
+      </a:folHlink>
+    </a:clrScheme>
+    <a:fontScheme name="Office">
+      <a:majorFont>
+        <a:latin typeface="Arial"/>
+        <a:ea typeface=""/>
+        <a:cs typeface=""/>
+        <a:font script="Jpan" typeface="ＭＳ Ｐゴシック"/>
+        <a:font script="Hang" typeface="맑은 고딕"/>
+        <a:font script="Hans" typeface="宋体"/>
+        <a:font script="Hant" typeface="新細明體"/>
+        <a:font script="Arab" typeface="Times New Roman"/>
+        <a:font script="Hebr" typeface="Times New Roman"/>
+        <a:font script="Thai" typeface="Angsana New"/>
+        <a:font script="Ethi" typeface="Nyala"/>
+        <a:font script="Beng" typeface="Vrinda"/>
+        <a:font script="Gujr" typeface="Shruti"/>
+        <a:font script="Khmr" typeface="MoolBoran"/>
+        <a:font script="Knda" typeface="Tunga"/>
+        <a:font script="Guru" typeface="Raavi"/>
+        <a:font script="Cans" typeface="Euphemia"/>
+        <a:font script="Cher" typeface="Plantagenet Cherokee"/>
+        <a:font script="Yiii" typeface="Microsoft Yi Baiti"/>
+        <a:font script="Tibt" typeface="Microsoft Himalaya"/>
+        <a:font script="Thaa" typeface="MV Boli"/>
+        <a:font script="Deva" typeface="Mangal"/>
+        <a:font script="Telu" typeface="Gautami"/>
+        <a:font script="Taml" typeface="Latha"/>
+        <a:font script="Syrc" typeface="Estrangelo Edessa"/>
+        <a:font script="Orya" typeface="Kalinga"/>
+        <a:font script="Mlym" typeface="Kartika"/>
+        <a:font script="Laoo" typeface="DokChampa"/>
+        <a:font script="Sinh" typeface="Iskoola Pota"/>
+        <a:font script="Mong" typeface="Mongolian Baiti"/>
+        <a:font script="Viet" typeface="Times New Roman"/>
+        <a:font script="Uigh" typeface="Microsoft Uighur"/>
+        <a:font script="Geor" typeface="Sylfaen"/>
+      </a:majorFont>
+      <a:minorFont>
+        <a:latin typeface="Arial"/>
+        <a:ea typeface=""/>
+        <a:cs typeface=""/>
+        <a:font script="Jpan" typeface="ＭＳ Ｐゴシック"/>
+        <a:font script="Hang" typeface="맑은 고딕"/>
+        <a:font script="Hans" typeface="宋体"/>
+        <a:font script="Hant" typeface="新細明體"/>
+        <a:font script="Arab" typeface="Arial"/>
+        <a:font script="Hebr" typeface="Arial"/>
+        <a:font script="Thai" typeface="Cordia New"/>
+        <a:font script="Ethi" typeface="Nyala"/>
+        <a:font script="Beng" typeface="Vrinda"/>
+        <a:font script="Gujr" typeface="Shruti"/>
+        <a:font script="Khmr" typeface="DaunPenh"/>
+        <a:font script="Knda" typeface="Tunga"/>
+        <a:font script="Guru" typeface="Raavi"/>
+        <a:font script="Cans" typeface="Euphemia"/>
+        <a:font script="Cher" typeface="Plantagenet Cherokee"/>
+        <a:font script="Yiii" typeface="Microsoft Yi Baiti"/>
+        <a:font script="Tibt" typeface="Microsoft Himalaya"/>
+        <a:font script="Thaa" typeface="MV Boli"/>
+        <a:font script="Deva" typeface="Mangal"/>
+        <a:font script="Telu" typeface="Gautami"/>
+        <a:font script="Taml" typeface="Latha"/>
+        <a:font script="Syrc" typeface="Estrangelo Edessa"/>
+        <a:font script="Orya" typeface="Kalinga"/>
+        <a:font script="Mlym" typeface="Kartika"/>
+        <a:font script="Laoo" typeface="DokChampa"/>
+        <a:font script="Sinh" typeface="Iskoola Pota"/>
+        <a:font script="Mong" typeface="Mongolian Baiti"/>
+        <a:font script="Viet" typeface="Arial"/>
+        <a:font script="Uigh" typeface="Microsoft Uighur"/>
+        <a:font script="Geor" typeface="Sylfaen"/>
+      </a:minorFont>
+    </a:fontScheme>
+    <a:fmtScheme name="Office">
+      <a:fillStyleLst>
+        <a:solidFill>
+          <a:schemeClr val="phClr"/>
+        </a:solidFill>
+        <a:gradFill rotWithShape="1">
+          <a:gsLst>
+            <a:gs pos="0">
+              <a:schemeClr val="phClr">
+                <a:tint val="50000"/>
+                <a:satMod val="300000"/>
+              </a:schemeClr>
+            </a:gs>
+            <a:gs pos="35000">
+              <a:schemeClr val="phClr">
+                <a:tint val="37000"/>
+                <a:satMod val="300000"/>
+              </a:schemeClr>
+            </a:gs>
+            <a:gs pos="100000">
+              <a:schemeClr val="phClr">
+                <a:tint val="15000"/>
+                <a:satMod val="350000"/>
+              </a:schemeClr>
+            </a:gs>
+          </a:gsLst>
+          <a:lin ang="16200000" scaled="1"/>
+        </a:gradFill>
+        <a:gradFill rotWithShape="1">
+          <a:gsLst>
+            <a:gs pos="0">
+              <a:schemeClr val="phClr">
+                <a:tint val="100000"/>
+                <a:shade val="100000"/>
+                <a:satMod val="130000"/>
+              </a:schemeClr>
+            </a:gs>
+            <a:gs pos="100000">
+              <a:schemeClr val="phClr">
+                <a:tint val="50000"/>
+                <a:shade val="100000"/>
+                <a:satMod val="350000"/>
+              </a:schemeClr>
+            </a:gs>
+          </a:gsLst>
+          <a:lin ang="16200000" scaled="0"/>
+        </a:gradFill>
+      </a:fillStyleLst>
+      <a:lnStyleLst>
+        <a:ln w="9525" cap="flat" cmpd="sng" algn="ctr">
+          <a:solidFill>
+            <a:schemeClr val="phClr">
+              <a:shade val="95000"/>
+              <a:satMod val="105000"/>
+            </a:schemeClr>
+          </a:solidFill>
+          <a:prstDash val="solid"/>
+        </a:ln>
+        <a:ln w="25400" cap="flat" cmpd="sng" algn="ctr">
+          <a:solidFill>
+            <a:schemeClr val="phClr"/>
+          </a:solidFill>
+          <a:prstDash val="solid"/>
+        </a:ln>
+        <a:ln w="38100" cap="flat" cmpd="sng" algn="ctr">
+          <a:solidFill>
+            <a:schemeClr val="phClr"/>
+          </a:solidFill>
+          <a:prstDash val="solid"/>
+        </a:ln>
+      </a:lnStyleLst>
+      <a:effectStyleLst>
+        <a:effectStyle>
+          <a:effectLst>
+            <a:outerShdw blurRad="40000" dist="20000" dir="5400000" rotWithShape="0">
+              <a:srgbClr val="000000">
+                <a:alpha val="38000"/>
+              </a:srgbClr>
+            </a:outerShdw>
+          </a:effectLst>
+        </a:effectStyle>
+        <a:effectStyle>
+          <a:effectLst>
+            <a:outerShdw blurRad="40000" dist="23000" dir="5400000" rotWithShape="0">
+              <a:srgbClr val="000000">
+                <a:alpha val="35000"/>
+              </a:srgbClr>
+            </a:outerShdw>
+          </a:effectLst>
+        </a:effectStyle>
+        <a:effectStyle>
+          <a:effectLst>
+            <a:outerShdw blurRad="40000" dist="23000" dir="5400000" rotWithShape="0">
+              <a:srgbClr val="000000">
+                <a:alpha val="35000"/>
+              </a:srgbClr>
+            </a:outerShdw>
+          </a:effectLst>
+          <a:scene3d>
+            <a:camera prst="orthographicFront">
+              <a:rot lat="0" lon="0" rev="0"/>
+            </a:camera>
+            <a:lightRig rig="threePt" dir="t">
+              <a:rot lat="0" lon="0" rev="1200000"/>
+            </a:lightRig>
+          </a:scene3d>
+          <a:sp3d>
+            <a:bevelT w="63500" h="25400"/>
+          </a:sp3d>
+        </a:effectStyle>
+      </a:effectStyleLst>
+      <a:bgFillStyleLst>
+        <a:solidFill>
+          <a:schemeClr val="phClr"/>
+        </a:solidFill>
+        <a:gradFill rotWithShape="1">
+          <a:gsLst>
+            <a:gs pos="0">
+              <a:schemeClr val="phClr">
+                <a:tint val="40000"/>
+                <a:satMod val="350000"/>
+              </a:schemeClr>
+            </a:gs>
+            <a:gs pos="40000">
+              <a:schemeClr val="phClr">
+                <a:tint val="45000"/>
+                <a:shade val="99000"/>
+                <a:satMod val="350000"/>
+              </a:schemeClr>
+            </a:gs>
+            <a:gs pos="100000">
+              <a:schemeClr val="phClr">
+                <a:shade val="20000"/>
+                <a:satMod val="255000"/>
+              </a:schemeClr>
+            </a:gs>
+          </a:gsLst>
+          <a:path path="circle">
+            <a:fillToRect l="50000" t="-80000" r="50000" b="180000"/>
+          </a:path>
+        </a:gradFill>
+        <a:gradFill rotWithShape="1">
+          <a:gsLst>
+            <a:gs pos="0">
+              <a:schemeClr val="phClr">
+                <a:tint val="80000"/>
+                <a:satMod val="300000"/>
+              </a:schemeClr>
+            </a:gs>
+            <a:gs pos="100000">
+              <a:schemeClr val="phClr">
+                <a:shade val="30000"/>
+                <a:satMod val="200000"/>
+              </a:schemeClr>
+            </a:gs>
+          </a:gsLst>
+          <a:path path="circle">
+            <a:fillToRect l="50000" t="50000" r="50000" b="50000"/>
+          </a:path>
+        </a:gradFill>
+      </a:bgFillStyleLst>
+    </a:fmtScheme>
+  </a:themeElements>
+</a:theme>
 </file>
 
-<file path=ppt/slides/slide9.xml><?xml version="1.0" encoding="utf-8"?>
-<p:sld xmlns:a="http://schemas.openxmlformats.org/drawingml/2006/main" xmlns:r="http://schemas.openxmlformats.org/officeDocument/2006/relationships" xmlns:mc="http://schemas.openxmlformats.org/markup-compatibility/2006" xmlns:mv="urn:schemas-microsoft-com:mac:vml" xmlns:p="http://schemas.openxmlformats.org/presentationml/2006/main" xmlns:c="http://schemas.openxmlformats.org/drawingml/2006/chart" xmlns:dgm="http://schemas.openxmlformats.org/drawingml/2006/diagram" xmlns:o="urn:schemas-microsoft-com:office:office" xmlns:v="urn:schemas-microsoft-com:vml" xmlns:pvml="urn:schemas-microsoft-com:office:powerpoint" xmlns:com="http://schemas.openxmlformats.org/drawingml/2006/compatibility" xmlns:p14="http://schemas.microsoft.com/office/powerpoint/2010/main" xmlns:p15="http://schemas.microsoft.com/office/powerpoint/2012/main" xmlns:ahyp="http://schemas.microsoft.com/office/drawing/2018/hyperlinkcolor">
-  <p:cSld>
-    <p:spTree>
-      <p:nvGrpSpPr>
-        <p:cNvPr id="141" name="Shape 141"/>
-        <p:cNvGrpSpPr/>
-        <p:nvPr/>
-      </p:nvGrpSpPr>
-      <p:grpSpPr>
-        <a:xfrm>
-          <a:off x="0" y="0"/>
-          <a:ext cx="0" cy="0"/>
-          <a:chOff x="0" y="0"/>
-          <a:chExt cx="0" cy="0"/>
-        </a:xfrm>
-      </p:grpSpPr>
-      <p:sp>
-        <p:nvSpPr>
-          <p:cNvPr id="142" name="Google Shape;142;p21"/>
-          <p:cNvSpPr txBox="1"/>
-          <p:nvPr>
-            <p:ph type="title"/>
-          </p:nvPr>
-        </p:nvSpPr>
-        <p:spPr>
-          <a:xfrm>
-            <a:off x="727800" y="601150"/>
-            <a:ext cx="7688400" cy="535200"/>
-          </a:xfrm>
-          <a:prstGeom prst="rect">
-            <a:avLst/>
-          </a:prstGeom>
-        </p:spPr>
-        <p:txBody>
-          <a:bodyPr anchorCtr="0" anchor="t" bIns="91425" lIns="91425" spcFirstLastPara="1" rIns="91425" wrap="square" tIns="91425">
-            <a:normAutofit fontScale="90000"/>
-          </a:bodyPr>
-          <a:lstStyle/>
-          <a:p>
-            <a:pPr indent="0" lvl="0" marL="0" rtl="0" algn="l">
-              <a:spcBef>
-                <a:spcPts val="0"/>
-              </a:spcBef>
-              <a:spcAft>
-                <a:spcPts val="0"/>
-              </a:spcAft>
-              <a:buNone/>
-            </a:pPr>
-            <a:r>
-              <a:rPr lang="en"/>
-              <a:t>Decision Tree Visualization</a:t>
-            </a:r>
-            <a:endParaRPr/>
-          </a:p>
-        </p:txBody>
-      </p:sp>
-      <p:pic>
-        <p:nvPicPr>
-          <p:cNvPr id="143" name="Google Shape;143;p21"/>
-          <p:cNvPicPr preferRelativeResize="0"/>
-          <p:nvPr/>
-        </p:nvPicPr>
-        <p:blipFill>
-          <a:blip r:embed="rId3">
-            <a:alphaModFix/>
-          </a:blip>
-          <a:stretch>
-            <a:fillRect/>
-          </a:stretch>
-        </p:blipFill>
-        <p:spPr>
-          <a:xfrm>
-            <a:off x="912163" y="1328250"/>
-            <a:ext cx="7319676" cy="3702349"/>
-          </a:xfrm>
-          <a:prstGeom prst="rect">
-            <a:avLst/>
-          </a:prstGeom>
-          <a:noFill/>
-          <a:ln>
-            <a:noFill/>
-          </a:ln>
-        </p:spPr>
-      </p:pic>
-    </p:spTree>
-  </p:cSld>
-  <p:clrMapOvr>
-    <a:masterClrMapping/>
-  </p:clrMapOvr>
-</p:sld>
-</file>
-
-<file path=ppt/theme/theme1.xml><?xml version="1.0" encoding="utf-8"?>
+<file path=ppt/theme/theme2.xml><?xml version="1.0" encoding="utf-8"?>
 <a:theme xmlns:a="http://schemas.openxmlformats.org/drawingml/2006/main" xmlns:r="http://schemas.openxmlformats.org/officeDocument/2006/relationships">
   <a:themeElements>
     <a:clrScheme name="Default">
@@ -11120,283 +12033,4 @@
     </a:fmtScheme>
   </a:themeElements>
 </a:theme>
-</file>
-
-<file path=ppt/theme/theme2.xml><?xml version="1.0" encoding="utf-8"?>
-<a:theme xmlns:a="http://schemas.openxmlformats.org/drawingml/2006/main" xmlns:r="http://schemas.openxmlformats.org/officeDocument/2006/relationships" name="Streamline">
-  <a:themeElements>
-    <a:clrScheme name="Streamline">
-      <a:dk1>
-        <a:srgbClr val="1A9988"/>
-      </a:dk1>
-      <a:lt1>
-        <a:srgbClr val="FFFFFF"/>
-      </a:lt1>
-      <a:dk2>
-        <a:srgbClr val="1A1A1A"/>
-      </a:dk2>
-      <a:lt2>
-        <a:srgbClr val="E9EDEE"/>
-      </a:lt2>
-      <a:accent1>
-        <a:srgbClr val="595959"/>
-      </a:accent1>
-      <a:accent2>
-        <a:srgbClr val="6AA4C8"/>
-      </a:accent2>
-      <a:accent3>
-        <a:srgbClr val="EB5600"/>
-      </a:accent3>
-      <a:accent4>
-        <a:srgbClr val="A2FFE8"/>
-      </a:accent4>
-      <a:accent5>
-        <a:srgbClr val="1C3678"/>
-      </a:accent5>
-      <a:accent6>
-        <a:srgbClr val="FFB8A2"/>
-      </a:accent6>
-      <a:hlink>
-        <a:srgbClr val="1C3678"/>
-      </a:hlink>
-      <a:folHlink>
-        <a:srgbClr val="1C3678"/>
-      </a:folHlink>
-    </a:clrScheme>
-    <a:fontScheme name="Office">
-      <a:majorFont>
-        <a:latin typeface="Arial"/>
-        <a:ea typeface=""/>
-        <a:cs typeface=""/>
-        <a:font script="Jpan" typeface="ＭＳ Ｐゴシック"/>
-        <a:font script="Hang" typeface="맑은 고딕"/>
-        <a:font script="Hans" typeface="宋体"/>
-        <a:font script="Hant" typeface="新細明體"/>
-        <a:font script="Arab" typeface="Times New Roman"/>
-        <a:font script="Hebr" typeface="Times New Roman"/>
-        <a:font script="Thai" typeface="Angsana New"/>
-        <a:font script="Ethi" typeface="Nyala"/>
-        <a:font script="Beng" typeface="Vrinda"/>
-        <a:font script="Gujr" typeface="Shruti"/>
-        <a:font script="Khmr" typeface="MoolBoran"/>
-        <a:font script="Knda" typeface="Tunga"/>
-        <a:font script="Guru" typeface="Raavi"/>
-        <a:font script="Cans" typeface="Euphemia"/>
-        <a:font script="Cher" typeface="Plantagenet Cherokee"/>
-        <a:font script="Yiii" typeface="Microsoft Yi Baiti"/>
-        <a:font script="Tibt" typeface="Microsoft Himalaya"/>
-        <a:font script="Thaa" typeface="MV Boli"/>
-        <a:font script="Deva" typeface="Mangal"/>
-        <a:font script="Telu" typeface="Gautami"/>
-        <a:font script="Taml" typeface="Latha"/>
-        <a:font script="Syrc" typeface="Estrangelo Edessa"/>
-        <a:font script="Orya" typeface="Kalinga"/>
-        <a:font script="Mlym" typeface="Kartika"/>
-        <a:font script="Laoo" typeface="DokChampa"/>
-        <a:font script="Sinh" typeface="Iskoola Pota"/>
-        <a:font script="Mong" typeface="Mongolian Baiti"/>
-        <a:font script="Viet" typeface="Times New Roman"/>
-        <a:font script="Uigh" typeface="Microsoft Uighur"/>
-        <a:font script="Geor" typeface="Sylfaen"/>
-      </a:majorFont>
-      <a:minorFont>
-        <a:latin typeface="Arial"/>
-        <a:ea typeface=""/>
-        <a:cs typeface=""/>
-        <a:font script="Jpan" typeface="ＭＳ Ｐゴシック"/>
-        <a:font script="Hang" typeface="맑은 고딕"/>
-        <a:font script="Hans" typeface="宋体"/>
-        <a:font script="Hant" typeface="新細明體"/>
-        <a:font script="Arab" typeface="Arial"/>
-        <a:font script="Hebr" typeface="Arial"/>
-        <a:font script="Thai" typeface="Cordia New"/>
-        <a:font script="Ethi" typeface="Nyala"/>
-        <a:font script="Beng" typeface="Vrinda"/>
-        <a:font script="Gujr" typeface="Shruti"/>
-        <a:font script="Khmr" typeface="DaunPenh"/>
-        <a:font script="Knda" typeface="Tunga"/>
-        <a:font script="Guru" typeface="Raavi"/>
-        <a:font script="Cans" typeface="Euphemia"/>
-        <a:font script="Cher" typeface="Plantagenet Cherokee"/>
-        <a:font script="Yiii" typeface="Microsoft Yi Baiti"/>
-        <a:font script="Tibt" typeface="Microsoft Himalaya"/>
-        <a:font script="Thaa" typeface="MV Boli"/>
-        <a:font script="Deva" typeface="Mangal"/>
-        <a:font script="Telu" typeface="Gautami"/>
-        <a:font script="Taml" typeface="Latha"/>
-        <a:font script="Syrc" typeface="Estrangelo Edessa"/>
-        <a:font script="Orya" typeface="Kalinga"/>
-        <a:font script="Mlym" typeface="Kartika"/>
-        <a:font script="Laoo" typeface="DokChampa"/>
-        <a:font script="Sinh" typeface="Iskoola Pota"/>
-        <a:font script="Mong" typeface="Mongolian Baiti"/>
-        <a:font script="Viet" typeface="Arial"/>
-        <a:font script="Uigh" typeface="Microsoft Uighur"/>
-        <a:font script="Geor" typeface="Sylfaen"/>
-      </a:minorFont>
-    </a:fontScheme>
-    <a:fmtScheme name="Office">
-      <a:fillStyleLst>
-        <a:solidFill>
-          <a:schemeClr val="phClr"/>
-        </a:solidFill>
-        <a:gradFill rotWithShape="1">
-          <a:gsLst>
-            <a:gs pos="0">
-              <a:schemeClr val="phClr">
-                <a:tint val="50000"/>
-                <a:satMod val="300000"/>
-              </a:schemeClr>
-            </a:gs>
-            <a:gs pos="35000">
-              <a:schemeClr val="phClr">
-                <a:tint val="37000"/>
-                <a:satMod val="300000"/>
-              </a:schemeClr>
-            </a:gs>
-            <a:gs pos="100000">
-              <a:schemeClr val="phClr">
-                <a:tint val="15000"/>
-                <a:satMod val="350000"/>
-              </a:schemeClr>
-            </a:gs>
-          </a:gsLst>
-          <a:lin ang="16200000" scaled="1"/>
-        </a:gradFill>
-        <a:gradFill rotWithShape="1">
-          <a:gsLst>
-            <a:gs pos="0">
-              <a:schemeClr val="phClr">
-                <a:tint val="100000"/>
-                <a:shade val="100000"/>
-                <a:satMod val="130000"/>
-              </a:schemeClr>
-            </a:gs>
-            <a:gs pos="100000">
-              <a:schemeClr val="phClr">
-                <a:tint val="50000"/>
-                <a:shade val="100000"/>
-                <a:satMod val="350000"/>
-              </a:schemeClr>
-            </a:gs>
-          </a:gsLst>
-          <a:lin ang="16200000" scaled="0"/>
-        </a:gradFill>
-      </a:fillStyleLst>
-      <a:lnStyleLst>
-        <a:ln w="9525" cap="flat" cmpd="sng" algn="ctr">
-          <a:solidFill>
-            <a:schemeClr val="phClr">
-              <a:shade val="95000"/>
-              <a:satMod val="105000"/>
-            </a:schemeClr>
-          </a:solidFill>
-          <a:prstDash val="solid"/>
-        </a:ln>
-        <a:ln w="25400" cap="flat" cmpd="sng" algn="ctr">
-          <a:solidFill>
-            <a:schemeClr val="phClr"/>
-          </a:solidFill>
-          <a:prstDash val="solid"/>
-        </a:ln>
-        <a:ln w="38100" cap="flat" cmpd="sng" algn="ctr">
-          <a:solidFill>
-            <a:schemeClr val="phClr"/>
-          </a:solidFill>
-          <a:prstDash val="solid"/>
-        </a:ln>
-      </a:lnStyleLst>
-      <a:effectStyleLst>
-        <a:effectStyle>
-          <a:effectLst>
-            <a:outerShdw blurRad="40000" dist="20000" dir="5400000" rotWithShape="0">
-              <a:srgbClr val="000000">
-                <a:alpha val="38000"/>
-              </a:srgbClr>
-            </a:outerShdw>
-          </a:effectLst>
-        </a:effectStyle>
-        <a:effectStyle>
-          <a:effectLst>
-            <a:outerShdw blurRad="40000" dist="23000" dir="5400000" rotWithShape="0">
-              <a:srgbClr val="000000">
-                <a:alpha val="35000"/>
-              </a:srgbClr>
-            </a:outerShdw>
-          </a:effectLst>
-        </a:effectStyle>
-        <a:effectStyle>
-          <a:effectLst>
-            <a:outerShdw blurRad="40000" dist="23000" dir="5400000" rotWithShape="0">
-              <a:srgbClr val="000000">
-                <a:alpha val="35000"/>
-              </a:srgbClr>
-            </a:outerShdw>
-          </a:effectLst>
-          <a:scene3d>
-            <a:camera prst="orthographicFront">
-              <a:rot lat="0" lon="0" rev="0"/>
-            </a:camera>
-            <a:lightRig rig="threePt" dir="t">
-              <a:rot lat="0" lon="0" rev="1200000"/>
-            </a:lightRig>
-          </a:scene3d>
-          <a:sp3d>
-            <a:bevelT w="63500" h="25400"/>
-          </a:sp3d>
-        </a:effectStyle>
-      </a:effectStyleLst>
-      <a:bgFillStyleLst>
-        <a:solidFill>
-          <a:schemeClr val="phClr"/>
-        </a:solidFill>
-        <a:gradFill rotWithShape="1">
-          <a:gsLst>
-            <a:gs pos="0">
-              <a:schemeClr val="phClr">
-                <a:tint val="40000"/>
-                <a:satMod val="350000"/>
-              </a:schemeClr>
-            </a:gs>
-            <a:gs pos="40000">
-              <a:schemeClr val="phClr">
-                <a:tint val="45000"/>
-                <a:shade val="99000"/>
-                <a:satMod val="350000"/>
-              </a:schemeClr>
-            </a:gs>
-            <a:gs pos="100000">
-              <a:schemeClr val="phClr">
-                <a:shade val="20000"/>
-                <a:satMod val="255000"/>
-              </a:schemeClr>
-            </a:gs>
-          </a:gsLst>
-          <a:path path="circle">
-            <a:fillToRect l="50000" t="-80000" r="50000" b="180000"/>
-          </a:path>
-        </a:gradFill>
-        <a:gradFill rotWithShape="1">
-          <a:gsLst>
-            <a:gs pos="0">
-              <a:schemeClr val="phClr">
-                <a:tint val="80000"/>
-                <a:satMod val="300000"/>
-              </a:schemeClr>
-            </a:gs>
-            <a:gs pos="100000">
-              <a:schemeClr val="phClr">
-                <a:shade val="30000"/>
-                <a:satMod val="200000"/>
-              </a:schemeClr>
-            </a:gs>
-          </a:gsLst>
-          <a:path path="circle">
-            <a:fillToRect l="50000" t="50000" r="50000" b="50000"/>
-          </a:path>
-        </a:gradFill>
-      </a:bgFillStyleLst>
-    </a:fmtScheme>
-  </a:themeElements>
-</a:theme>
 </file>
--- a/Maternal Health Risk Final Project.pptx
+++ b/Maternal Health Risk Final Project.pptx
@@ -837,7 +837,7 @@
       </p:grpSpPr>
       <p:sp>
         <p:nvSpPr>
-          <p:cNvPr id="144" name="Google Shape;144;g2f153a16f95_0_56:notes"/>
+          <p:cNvPr id="144" name="Google Shape;144;g2f1667ec186_0_29:notes"/>
           <p:cNvSpPr/>
           <p:nvPr>
             <p:ph idx="2" type="sldImg"/>
@@ -872,7 +872,7 @@
       </p:sp>
       <p:sp>
         <p:nvSpPr>
-          <p:cNvPr id="145" name="Google Shape;145;g2f153a16f95_0_56:notes"/>
+          <p:cNvPr id="145" name="Google Shape;145;g2f1667ec186_0_29:notes"/>
           <p:cNvSpPr txBox="1"/>
           <p:nvPr>
             <p:ph idx="1" type="body"/>
@@ -937,7 +937,7 @@
       </p:grpSpPr>
       <p:sp>
         <p:nvSpPr>
-          <p:cNvPr id="151" name="Google Shape;151;g2f1667ec186_0_29:notes"/>
+          <p:cNvPr id="151" name="Google Shape;151;g2f136a9bf52_0_127:notes"/>
           <p:cNvSpPr/>
           <p:nvPr>
             <p:ph idx="2" type="sldImg"/>
@@ -972,107 +972,7 @@
       </p:sp>
       <p:sp>
         <p:nvSpPr>
-          <p:cNvPr id="152" name="Google Shape;152;g2f1667ec186_0_29:notes"/>
-          <p:cNvSpPr txBox="1"/>
-          <p:nvPr>
-            <p:ph idx="1" type="body"/>
-          </p:nvPr>
-        </p:nvSpPr>
-        <p:spPr>
-          <a:xfrm>
-            <a:off x="685800" y="4343400"/>
-            <a:ext cx="5486400" cy="4114800"/>
-          </a:xfrm>
-          <a:prstGeom prst="rect">
-            <a:avLst/>
-          </a:prstGeom>
-        </p:spPr>
-        <p:txBody>
-          <a:bodyPr anchorCtr="0" anchor="t" bIns="91425" lIns="91425" spcFirstLastPara="1" rIns="91425" wrap="square" tIns="91425">
-            <a:noAutofit/>
-          </a:bodyPr>
-          <a:lstStyle/>
-          <a:p>
-            <a:pPr indent="0" lvl="0" marL="0" rtl="0" algn="l">
-              <a:spcBef>
-                <a:spcPts val="0"/>
-              </a:spcBef>
-              <a:spcAft>
-                <a:spcPts val="0"/>
-              </a:spcAft>
-              <a:buNone/>
-            </a:pPr>
-            <a:r>
-              <a:rPr lang="en"/>
-              <a:t>Sean</a:t>
-            </a:r>
-            <a:endParaRPr/>
-          </a:p>
-        </p:txBody>
-      </p:sp>
-    </p:spTree>
-  </p:cSld>
-  <p:clrMapOvr>
-    <a:masterClrMapping/>
-  </p:clrMapOvr>
-</p:notes>
-</file>
-
-<file path=ppt/notesSlides/notesSlide12.xml><?xml version="1.0" encoding="utf-8"?>
-<p:notes xmlns:a="http://schemas.openxmlformats.org/drawingml/2006/main" xmlns:r="http://schemas.openxmlformats.org/officeDocument/2006/relationships" xmlns:mc="http://schemas.openxmlformats.org/markup-compatibility/2006" xmlns:mv="urn:schemas-microsoft-com:mac:vml" xmlns:p="http://schemas.openxmlformats.org/presentationml/2006/main" xmlns:c="http://schemas.openxmlformats.org/drawingml/2006/chart" xmlns:dgm="http://schemas.openxmlformats.org/drawingml/2006/diagram" xmlns:o="urn:schemas-microsoft-com:office:office" xmlns:v="urn:schemas-microsoft-com:vml" xmlns:pvml="urn:schemas-microsoft-com:office:powerpoint" xmlns:com="http://schemas.openxmlformats.org/drawingml/2006/compatibility" xmlns:p14="http://schemas.microsoft.com/office/powerpoint/2010/main" xmlns:p15="http://schemas.microsoft.com/office/powerpoint/2012/main" xmlns:ahyp="http://schemas.microsoft.com/office/drawing/2018/hyperlinkcolor" showMasterPhAnim="0" showMasterSp="0">
-  <p:cSld>
-    <p:spTree>
-      <p:nvGrpSpPr>
-        <p:cNvPr id="158" name="Shape 158"/>
-        <p:cNvGrpSpPr/>
-        <p:nvPr/>
-      </p:nvGrpSpPr>
-      <p:grpSpPr>
-        <a:xfrm>
-          <a:off x="0" y="0"/>
-          <a:ext cx="0" cy="0"/>
-          <a:chOff x="0" y="0"/>
-          <a:chExt cx="0" cy="0"/>
-        </a:xfrm>
-      </p:grpSpPr>
-      <p:sp>
-        <p:nvSpPr>
-          <p:cNvPr id="159" name="Google Shape;159;g2f136a9bf52_0_127:notes"/>
-          <p:cNvSpPr/>
-          <p:nvPr>
-            <p:ph idx="2" type="sldImg"/>
-          </p:nvPr>
-        </p:nvSpPr>
-        <p:spPr>
-          <a:xfrm>
-            <a:off x="381300" y="685800"/>
-            <a:ext cx="6096000" cy="3429000"/>
-          </a:xfrm>
-          <a:custGeom>
-            <a:rect b="b" l="l" r="r" t="t"/>
-            <a:pathLst>
-              <a:path extrusionOk="0" h="120000" w="120000">
-                <a:moveTo>
-                  <a:pt x="0" y="0"/>
-                </a:moveTo>
-                <a:lnTo>
-                  <a:pt x="120000" y="0"/>
-                </a:lnTo>
-                <a:lnTo>
-                  <a:pt x="120000" y="120000"/>
-                </a:lnTo>
-                <a:lnTo>
-                  <a:pt x="0" y="120000"/>
-                </a:lnTo>
-                <a:close/>
-              </a:path>
-            </a:pathLst>
-          </a:custGeom>
-        </p:spPr>
-      </p:sp>
-      <p:sp>
-        <p:nvSpPr>
-          <p:cNvPr id="160" name="Google Shape;160;g2f136a9bf52_0_127:notes"/>
+          <p:cNvPr id="152" name="Google Shape;152;g2f136a9bf52_0_127:notes"/>
           <p:cNvSpPr txBox="1"/>
           <p:nvPr>
             <p:ph idx="1" type="body"/>
@@ -1130,12 +1030,12 @@
 </p:notes>
 </file>
 
-<file path=ppt/notesSlides/notesSlide13.xml><?xml version="1.0" encoding="utf-8"?>
+<file path=ppt/notesSlides/notesSlide12.xml><?xml version="1.0" encoding="utf-8"?>
 <p:notes xmlns:a="http://schemas.openxmlformats.org/drawingml/2006/main" xmlns:r="http://schemas.openxmlformats.org/officeDocument/2006/relationships" xmlns:mc="http://schemas.openxmlformats.org/markup-compatibility/2006" xmlns:mv="urn:schemas-microsoft-com:mac:vml" xmlns:p="http://schemas.openxmlformats.org/presentationml/2006/main" xmlns:c="http://schemas.openxmlformats.org/drawingml/2006/chart" xmlns:dgm="http://schemas.openxmlformats.org/drawingml/2006/diagram" xmlns:o="urn:schemas-microsoft-com:office:office" xmlns:v="urn:schemas-microsoft-com:vml" xmlns:pvml="urn:schemas-microsoft-com:office:powerpoint" xmlns:com="http://schemas.openxmlformats.org/drawingml/2006/compatibility" xmlns:p14="http://schemas.microsoft.com/office/powerpoint/2010/main" xmlns:p15="http://schemas.microsoft.com/office/powerpoint/2012/main" xmlns:ahyp="http://schemas.microsoft.com/office/drawing/2018/hyperlinkcolor" showMasterPhAnim="0" showMasterSp="0">
   <p:cSld>
     <p:spTree>
       <p:nvGrpSpPr>
-        <p:cNvPr id="164" name="Shape 164"/>
+        <p:cNvPr id="156" name="Shape 156"/>
         <p:cNvGrpSpPr/>
         <p:nvPr/>
       </p:nvGrpSpPr>
@@ -1149,7 +1049,7 @@
       </p:grpSpPr>
       <p:sp>
         <p:nvSpPr>
-          <p:cNvPr id="165" name="Google Shape;165;g2f136a9bf52_0_137:notes"/>
+          <p:cNvPr id="157" name="Google Shape;157;g2f136a9bf52_0_137:notes"/>
           <p:cNvSpPr/>
           <p:nvPr>
             <p:ph idx="2" type="sldImg"/>
@@ -1184,7 +1084,7 @@
       </p:sp>
       <p:sp>
         <p:nvSpPr>
-          <p:cNvPr id="166" name="Google Shape;166;g2f136a9bf52_0_137:notes"/>
+          <p:cNvPr id="158" name="Google Shape;158;g2f136a9bf52_0_137:notes"/>
           <p:cNvSpPr txBox="1"/>
           <p:nvPr>
             <p:ph idx="1" type="body"/>
@@ -1238,12 +1138,12 @@
 </p:notes>
 </file>
 
-<file path=ppt/notesSlides/notesSlide14.xml><?xml version="1.0" encoding="utf-8"?>
+<file path=ppt/notesSlides/notesSlide13.xml><?xml version="1.0" encoding="utf-8"?>
 <p:notes xmlns:a="http://schemas.openxmlformats.org/drawingml/2006/main" xmlns:r="http://schemas.openxmlformats.org/officeDocument/2006/relationships" xmlns:mc="http://schemas.openxmlformats.org/markup-compatibility/2006" xmlns:mv="urn:schemas-microsoft-com:mac:vml" xmlns:p="http://schemas.openxmlformats.org/presentationml/2006/main" xmlns:c="http://schemas.openxmlformats.org/drawingml/2006/chart" xmlns:dgm="http://schemas.openxmlformats.org/drawingml/2006/diagram" xmlns:o="urn:schemas-microsoft-com:office:office" xmlns:v="urn:schemas-microsoft-com:vml" xmlns:pvml="urn:schemas-microsoft-com:office:powerpoint" xmlns:com="http://schemas.openxmlformats.org/drawingml/2006/compatibility" xmlns:p14="http://schemas.microsoft.com/office/powerpoint/2010/main" xmlns:p15="http://schemas.microsoft.com/office/powerpoint/2012/main" xmlns:ahyp="http://schemas.microsoft.com/office/drawing/2018/hyperlinkcolor" showMasterPhAnim="0" showMasterSp="0">
   <p:cSld>
     <p:spTree>
       <p:nvGrpSpPr>
-        <p:cNvPr id="170" name="Shape 170"/>
+        <p:cNvPr id="162" name="Shape 162"/>
         <p:cNvGrpSpPr/>
         <p:nvPr/>
       </p:nvGrpSpPr>
@@ -1257,7 +1157,7 @@
       </p:grpSpPr>
       <p:sp>
         <p:nvSpPr>
-          <p:cNvPr id="171" name="Google Shape;171;g2f136a9bf52_0_132:notes"/>
+          <p:cNvPr id="163" name="Google Shape;163;g2f136a9bf52_0_132:notes"/>
           <p:cNvSpPr/>
           <p:nvPr>
             <p:ph idx="2" type="sldImg"/>
@@ -1292,7 +1192,7 @@
       </p:sp>
       <p:sp>
         <p:nvSpPr>
-          <p:cNvPr id="172" name="Google Shape;172;g2f136a9bf52_0_132:notes"/>
+          <p:cNvPr id="164" name="Google Shape;164;g2f136a9bf52_0_132:notes"/>
           <p:cNvSpPr txBox="1"/>
           <p:nvPr>
             <p:ph idx="1" type="body"/>
@@ -1338,12 +1238,12 @@
 </p:notes>
 </file>
 
-<file path=ppt/notesSlides/notesSlide15.xml><?xml version="1.0" encoding="utf-8"?>
+<file path=ppt/notesSlides/notesSlide14.xml><?xml version="1.0" encoding="utf-8"?>
 <p:notes xmlns:a="http://schemas.openxmlformats.org/drawingml/2006/main" xmlns:r="http://schemas.openxmlformats.org/officeDocument/2006/relationships" xmlns:mc="http://schemas.openxmlformats.org/markup-compatibility/2006" xmlns:mv="urn:schemas-microsoft-com:mac:vml" xmlns:p="http://schemas.openxmlformats.org/presentationml/2006/main" xmlns:c="http://schemas.openxmlformats.org/drawingml/2006/chart" xmlns:dgm="http://schemas.openxmlformats.org/drawingml/2006/diagram" xmlns:o="urn:schemas-microsoft-com:office:office" xmlns:v="urn:schemas-microsoft-com:vml" xmlns:pvml="urn:schemas-microsoft-com:office:powerpoint" xmlns:com="http://schemas.openxmlformats.org/drawingml/2006/compatibility" xmlns:p14="http://schemas.microsoft.com/office/powerpoint/2010/main" xmlns:p15="http://schemas.microsoft.com/office/powerpoint/2012/main" xmlns:ahyp="http://schemas.microsoft.com/office/drawing/2018/hyperlinkcolor" showMasterPhAnim="0" showMasterSp="0">
   <p:cSld>
     <p:spTree>
       <p:nvGrpSpPr>
-        <p:cNvPr id="176" name="Shape 176"/>
+        <p:cNvPr id="168" name="Shape 168"/>
         <p:cNvGrpSpPr/>
         <p:nvPr/>
       </p:nvGrpSpPr>
@@ -1357,7 +1257,7 @@
       </p:grpSpPr>
       <p:sp>
         <p:nvSpPr>
-          <p:cNvPr id="177" name="Google Shape;177;g2f153a16f95_0_20:notes"/>
+          <p:cNvPr id="169" name="Google Shape;169;g2f1edfdc48f_1_36:notes"/>
           <p:cNvSpPr/>
           <p:nvPr>
             <p:ph idx="2" type="sldImg"/>
@@ -1392,7 +1292,107 @@
       </p:sp>
       <p:sp>
         <p:nvSpPr>
-          <p:cNvPr id="178" name="Google Shape;178;g2f153a16f95_0_20:notes"/>
+          <p:cNvPr id="170" name="Google Shape;170;g2f1edfdc48f_1_36:notes"/>
+          <p:cNvSpPr txBox="1"/>
+          <p:nvPr>
+            <p:ph idx="1" type="body"/>
+          </p:nvPr>
+        </p:nvSpPr>
+        <p:spPr>
+          <a:xfrm>
+            <a:off x="685800" y="4343400"/>
+            <a:ext cx="5486400" cy="4114800"/>
+          </a:xfrm>
+          <a:prstGeom prst="rect">
+            <a:avLst/>
+          </a:prstGeom>
+        </p:spPr>
+        <p:txBody>
+          <a:bodyPr anchorCtr="0" anchor="t" bIns="91425" lIns="91425" spcFirstLastPara="1" rIns="91425" wrap="square" tIns="91425">
+            <a:noAutofit/>
+          </a:bodyPr>
+          <a:lstStyle/>
+          <a:p>
+            <a:pPr indent="0" lvl="0" marL="0" rtl="0" algn="l">
+              <a:spcBef>
+                <a:spcPts val="0"/>
+              </a:spcBef>
+              <a:spcAft>
+                <a:spcPts val="0"/>
+              </a:spcAft>
+              <a:buNone/>
+            </a:pPr>
+            <a:r>
+              <a:rPr lang="en"/>
+              <a:t>Mani explanation of training</a:t>
+            </a:r>
+            <a:endParaRPr/>
+          </a:p>
+        </p:txBody>
+      </p:sp>
+    </p:spTree>
+  </p:cSld>
+  <p:clrMapOvr>
+    <a:masterClrMapping/>
+  </p:clrMapOvr>
+</p:notes>
+</file>
+
+<file path=ppt/notesSlides/notesSlide15.xml><?xml version="1.0" encoding="utf-8"?>
+<p:notes xmlns:a="http://schemas.openxmlformats.org/drawingml/2006/main" xmlns:r="http://schemas.openxmlformats.org/officeDocument/2006/relationships" xmlns:mc="http://schemas.openxmlformats.org/markup-compatibility/2006" xmlns:mv="urn:schemas-microsoft-com:mac:vml" xmlns:p="http://schemas.openxmlformats.org/presentationml/2006/main" xmlns:c="http://schemas.openxmlformats.org/drawingml/2006/chart" xmlns:dgm="http://schemas.openxmlformats.org/drawingml/2006/diagram" xmlns:o="urn:schemas-microsoft-com:office:office" xmlns:v="urn:schemas-microsoft-com:vml" xmlns:pvml="urn:schemas-microsoft-com:office:powerpoint" xmlns:com="http://schemas.openxmlformats.org/drawingml/2006/compatibility" xmlns:p14="http://schemas.microsoft.com/office/powerpoint/2010/main" xmlns:p15="http://schemas.microsoft.com/office/powerpoint/2012/main" xmlns:ahyp="http://schemas.microsoft.com/office/drawing/2018/hyperlinkcolor" showMasterPhAnim="0" showMasterSp="0">
+  <p:cSld>
+    <p:spTree>
+      <p:nvGrpSpPr>
+        <p:cNvPr id="174" name="Shape 174"/>
+        <p:cNvGrpSpPr/>
+        <p:nvPr/>
+      </p:nvGrpSpPr>
+      <p:grpSpPr>
+        <a:xfrm>
+          <a:off x="0" y="0"/>
+          <a:ext cx="0" cy="0"/>
+          <a:chOff x="0" y="0"/>
+          <a:chExt cx="0" cy="0"/>
+        </a:xfrm>
+      </p:grpSpPr>
+      <p:sp>
+        <p:nvSpPr>
+          <p:cNvPr id="175" name="Google Shape;175;g2f153a16f95_0_20:notes"/>
+          <p:cNvSpPr/>
+          <p:nvPr>
+            <p:ph idx="2" type="sldImg"/>
+          </p:nvPr>
+        </p:nvSpPr>
+        <p:spPr>
+          <a:xfrm>
+            <a:off x="381300" y="685800"/>
+            <a:ext cx="6096000" cy="3429000"/>
+          </a:xfrm>
+          <a:custGeom>
+            <a:rect b="b" l="l" r="r" t="t"/>
+            <a:pathLst>
+              <a:path extrusionOk="0" h="120000" w="120000">
+                <a:moveTo>
+                  <a:pt x="0" y="0"/>
+                </a:moveTo>
+                <a:lnTo>
+                  <a:pt x="120000" y="0"/>
+                </a:lnTo>
+                <a:lnTo>
+                  <a:pt x="120000" y="120000"/>
+                </a:lnTo>
+                <a:lnTo>
+                  <a:pt x="0" y="120000"/>
+                </a:lnTo>
+                <a:close/>
+              </a:path>
+            </a:pathLst>
+          </a:custGeom>
+        </p:spPr>
+      </p:sp>
+      <p:sp>
+        <p:nvSpPr>
+          <p:cNvPr id="176" name="Google Shape;176;g2f153a16f95_0_20:notes"/>
           <p:cNvSpPr txBox="1"/>
           <p:nvPr>
             <p:ph idx="1" type="body"/>
@@ -1455,7 +1455,7 @@
   <p:cSld>
     <p:spTree>
       <p:nvGrpSpPr>
-        <p:cNvPr id="182" name="Shape 182"/>
+        <p:cNvPr id="180" name="Shape 180"/>
         <p:cNvGrpSpPr/>
         <p:nvPr/>
       </p:nvGrpSpPr>
@@ -1469,7 +1469,7 @@
       </p:grpSpPr>
       <p:sp>
         <p:nvSpPr>
-          <p:cNvPr id="183" name="Google Shape;183;g2f153a16f95_0_35:notes"/>
+          <p:cNvPr id="181" name="Google Shape;181;g2f153a16f95_0_35:notes"/>
           <p:cNvSpPr/>
           <p:nvPr>
             <p:ph idx="2" type="sldImg"/>
@@ -1504,7 +1504,7 @@
       </p:sp>
       <p:sp>
         <p:nvSpPr>
-          <p:cNvPr id="184" name="Google Shape;184;g2f153a16f95_0_35:notes"/>
+          <p:cNvPr id="182" name="Google Shape;182;g2f153a16f95_0_35:notes"/>
           <p:cNvSpPr txBox="1"/>
           <p:nvPr>
             <p:ph idx="1" type="body"/>
@@ -1555,7 +1555,7 @@
   <p:cSld>
     <p:spTree>
       <p:nvGrpSpPr>
-        <p:cNvPr id="188" name="Shape 188"/>
+        <p:cNvPr id="186" name="Shape 186"/>
         <p:cNvGrpSpPr/>
         <p:nvPr/>
       </p:nvGrpSpPr>
@@ -1569,7 +1569,7 @@
       </p:grpSpPr>
       <p:sp>
         <p:nvSpPr>
-          <p:cNvPr id="189" name="Google Shape;189;g2f136a9bf52_0_152:notes"/>
+          <p:cNvPr id="187" name="Google Shape;187;g2f136a9bf52_0_152:notes"/>
           <p:cNvSpPr/>
           <p:nvPr>
             <p:ph idx="2" type="sldImg"/>
@@ -1604,7 +1604,7 @@
       </p:sp>
       <p:sp>
         <p:nvSpPr>
-          <p:cNvPr id="190" name="Google Shape;190;g2f136a9bf52_0_152:notes"/>
+          <p:cNvPr id="188" name="Google Shape;188;g2f136a9bf52_0_152:notes"/>
           <p:cNvSpPr txBox="1"/>
           <p:nvPr>
             <p:ph idx="1" type="body"/>
@@ -8920,8 +8920,8 @@
         </p:nvSpPr>
         <p:spPr>
           <a:xfrm>
-            <a:off x="727650" y="554575"/>
-            <a:ext cx="7688700" cy="535200"/>
+            <a:off x="727800" y="573225"/>
+            <a:ext cx="7688400" cy="535200"/>
           </a:xfrm>
           <a:prstGeom prst="rect">
             <a:avLst/>
@@ -8934,9 +8934,6 @@
           <a:lstStyle/>
           <a:p>
             <a:pPr indent="0" lvl="0" marL="0" rtl="0" algn="l">
-              <a:lnSpc>
-                <a:spcPct val="115000"/>
-              </a:lnSpc>
               <a:spcBef>
                 <a:spcPts val="0"/>
               </a:spcBef>
@@ -8947,55 +8944,7 @@
             </a:pPr>
             <a:r>
               <a:rPr lang="en"/>
-              <a:t>Model Performance</a:t>
-            </a:r>
-            <a:endParaRPr/>
-          </a:p>
-        </p:txBody>
-      </p:sp>
-      <p:sp>
-        <p:nvSpPr>
-          <p:cNvPr id="148" name="Google Shape;148;p22"/>
-          <p:cNvSpPr txBox="1"/>
-          <p:nvPr>
-            <p:ph idx="1" type="body"/>
-          </p:nvPr>
-        </p:nvSpPr>
-        <p:spPr>
-          <a:xfrm>
-            <a:off x="727650" y="1333450"/>
-            <a:ext cx="7688700" cy="2261100"/>
-          </a:xfrm>
-          <a:prstGeom prst="rect">
-            <a:avLst/>
-          </a:prstGeom>
-        </p:spPr>
-        <p:txBody>
-          <a:bodyPr anchorCtr="0" anchor="t" bIns="91425" lIns="91425" spcFirstLastPara="1" rIns="91425" wrap="square" tIns="91425">
-            <a:normAutofit/>
-          </a:bodyPr>
-          <a:lstStyle/>
-          <a:p>
-            <a:pPr indent="0" lvl="0" marL="0" rtl="0" algn="l">
-              <a:spcBef>
-                <a:spcPts val="0"/>
-              </a:spcBef>
-              <a:spcAft>
-                <a:spcPts val="0"/>
-              </a:spcAft>
-              <a:buNone/>
-            </a:pPr>
-            <a:r>
-              <a:rPr lang="en"/>
-              <a:t>With an accuracy of approximately 8</a:t>
-            </a:r>
-            <a:r>
-              <a:rPr lang="en"/>
-              <a:t>0</a:t>
-            </a:r>
-            <a:r>
-              <a:rPr lang="en"/>
-              <a:t>%, the decision tree model performed quite well on the test set in respect to the risk to health conditions. </a:t>
+              <a:t>Accuracy of Search Models</a:t>
             </a:r>
             <a:endParaRPr/>
           </a:p>
@@ -9003,7 +8952,7 @@
       </p:sp>
       <p:pic>
         <p:nvPicPr>
-          <p:cNvPr id="149" name="Google Shape;149;p22"/>
+          <p:cNvPr id="148" name="Google Shape;148;p22"/>
           <p:cNvPicPr preferRelativeResize="0"/>
           <p:nvPr/>
         </p:nvPicPr>
@@ -9017,8 +8966,36 @@
         </p:blipFill>
         <p:spPr>
           <a:xfrm>
-            <a:off x="1632875" y="1975400"/>
-            <a:ext cx="5878249" cy="2813975"/>
+            <a:off x="4622400" y="1417725"/>
+            <a:ext cx="4344135" cy="3473799"/>
+          </a:xfrm>
+          <a:prstGeom prst="rect">
+            <a:avLst/>
+          </a:prstGeom>
+          <a:noFill/>
+          <a:ln>
+            <a:noFill/>
+          </a:ln>
+        </p:spPr>
+      </p:pic>
+      <p:pic>
+        <p:nvPicPr>
+          <p:cNvPr id="149" name="Google Shape;149;p22"/>
+          <p:cNvPicPr preferRelativeResize="0"/>
+          <p:nvPr/>
+        </p:nvPicPr>
+        <p:blipFill>
+          <a:blip r:embed="rId4">
+            <a:alphaModFix/>
+          </a:blip>
+          <a:stretch>
+            <a:fillRect/>
+          </a:stretch>
+        </p:blipFill>
+        <p:spPr>
+          <a:xfrm>
+            <a:off x="254400" y="1550250"/>
+            <a:ext cx="4317600" cy="3072138"/>
           </a:xfrm>
           <a:prstGeom prst="rect">
             <a:avLst/>
@@ -9034,81 +9011,6 @@
   <p:clrMapOvr>
     <a:masterClrMapping/>
   </p:clrMapOvr>
-  <p:timing>
-    <p:tnLst>
-      <p:par>
-        <p:cTn dur="indefinite" nodeType="tmRoot" restart="never">
-          <p:childTnLst>
-            <p:seq concurrent="1" nextAc="seek">
-              <p:cTn dur="indefinite" id="2" nodeType="mainSeq">
-                <p:childTnLst>
-                  <p:par>
-                    <p:cTn fill="hold">
-                      <p:stCondLst>
-                        <p:cond delay="indefinite"/>
-                      </p:stCondLst>
-                      <p:childTnLst>
-                        <p:par>
-                          <p:cTn fill="hold">
-                            <p:stCondLst>
-                              <p:cond delay="0"/>
-                            </p:stCondLst>
-                            <p:childTnLst>
-                              <p:par>
-                                <p:cTn fill="hold" nodeType="clickEffect" presetClass="entr" presetID="1" presetSubtype="0">
-                                  <p:stCondLst>
-                                    <p:cond delay="0"/>
-                                  </p:stCondLst>
-                                  <p:childTnLst>
-                                    <p:set>
-                                      <p:cBhvr>
-                                        <p:cTn dur="1" fill="hold">
-                                          <p:stCondLst>
-                                            <p:cond delay="0"/>
-                                          </p:stCondLst>
-                                        </p:cTn>
-                                        <p:tgtEl>
-                                          <p:spTgt spid="149"/>
-                                        </p:tgtEl>
-                                        <p:attrNameLst>
-                                          <p:attrName>style.visibility</p:attrName>
-                                        </p:attrNameLst>
-                                      </p:cBhvr>
-                                      <p:to>
-                                        <p:strVal val="visible"/>
-                                      </p:to>
-                                    </p:set>
-                                  </p:childTnLst>
-                                </p:cTn>
-                              </p:par>
-                            </p:childTnLst>
-                          </p:cTn>
-                        </p:par>
-                      </p:childTnLst>
-                    </p:cTn>
-                  </p:par>
-                </p:childTnLst>
-              </p:cTn>
-              <p:prevCondLst>
-                <p:cond evt="onPrev">
-                  <p:tgtEl>
-                    <p:sldTgt/>
-                  </p:tgtEl>
-                </p:cond>
-              </p:prevCondLst>
-              <p:nextCondLst>
-                <p:cond evt="onNext">
-                  <p:tgtEl>
-                    <p:sldTgt/>
-                  </p:tgtEl>
-                </p:cond>
-              </p:nextCondLst>
-            </p:seq>
-          </p:childTnLst>
-        </p:cTn>
-      </p:par>
-    </p:tnLst>
-  </p:timing>
 </p:sld>
 </file>
 
@@ -9139,7 +9041,7 @@
         </p:nvSpPr>
         <p:spPr>
           <a:xfrm>
-            <a:off x="727800" y="573225"/>
+            <a:off x="727800" y="601150"/>
             <a:ext cx="7688400" cy="535200"/>
           </a:xfrm>
           <a:prstGeom prst="rect">
@@ -9163,46 +9065,7 @@
             </a:pPr>
             <a:r>
               <a:rPr lang="en"/>
-              <a:t>Accuracy of Search Models</a:t>
-            </a:r>
-            <a:endParaRPr/>
-          </a:p>
-        </p:txBody>
-      </p:sp>
-      <p:sp>
-        <p:nvSpPr>
-          <p:cNvPr id="155" name="Google Shape;155;p23"/>
-          <p:cNvSpPr txBox="1"/>
-          <p:nvPr>
-            <p:ph idx="1" type="body"/>
-          </p:nvPr>
-        </p:nvSpPr>
-        <p:spPr>
-          <a:xfrm>
-            <a:off x="729325" y="2078875"/>
-            <a:ext cx="3774300" cy="2261100"/>
-          </a:xfrm>
-          <a:prstGeom prst="rect">
-            <a:avLst/>
-          </a:prstGeom>
-        </p:spPr>
-        <p:txBody>
-          <a:bodyPr anchorCtr="0" anchor="t" bIns="91425" lIns="91425" spcFirstLastPara="1" rIns="91425" wrap="square" tIns="91425">
-            <a:normAutofit/>
-          </a:bodyPr>
-          <a:lstStyle/>
-          <a:p>
-            <a:pPr indent="0" lvl="0" marL="0" rtl="0" algn="l">
-              <a:spcBef>
-                <a:spcPts val="0"/>
-              </a:spcBef>
-              <a:spcAft>
-                <a:spcPts val="1200"/>
-              </a:spcAft>
-              <a:buNone/>
-            </a:pPr>
-            <a:r>
-              <a:t/>
+              <a:t>Decision Tree Visualization</a:t>
             </a:r>
             <a:endParaRPr/>
           </a:p>
@@ -9210,7 +9073,7 @@
       </p:sp>
       <p:pic>
         <p:nvPicPr>
-          <p:cNvPr id="156" name="Google Shape;156;p23"/>
+          <p:cNvPr id="155" name="Google Shape;155;p23"/>
           <p:cNvPicPr preferRelativeResize="0"/>
           <p:nvPr/>
         </p:nvPicPr>
@@ -9224,36 +9087,8 @@
         </p:blipFill>
         <p:spPr>
           <a:xfrm>
-            <a:off x="4622400" y="1417725"/>
-            <a:ext cx="4344135" cy="3473799"/>
-          </a:xfrm>
-          <a:prstGeom prst="rect">
-            <a:avLst/>
-          </a:prstGeom>
-          <a:noFill/>
-          <a:ln>
-            <a:noFill/>
-          </a:ln>
-        </p:spPr>
-      </p:pic>
-      <p:pic>
-        <p:nvPicPr>
-          <p:cNvPr id="157" name="Google Shape;157;p23"/>
-          <p:cNvPicPr preferRelativeResize="0"/>
-          <p:nvPr/>
-        </p:nvPicPr>
-        <p:blipFill>
-          <a:blip r:embed="rId4">
-            <a:alphaModFix/>
-          </a:blip>
-          <a:stretch>
-            <a:fillRect/>
-          </a:stretch>
-        </p:blipFill>
-        <p:spPr>
-          <a:xfrm>
-            <a:off x="101000" y="1417713"/>
-            <a:ext cx="4470999" cy="3409688"/>
+            <a:off x="912163" y="1328250"/>
+            <a:ext cx="7319676" cy="3702349"/>
           </a:xfrm>
           <a:prstGeom prst="rect">
             <a:avLst/>
@@ -9277,7 +9112,7 @@
   <p:cSld>
     <p:spTree>
       <p:nvGrpSpPr>
-        <p:cNvPr id="161" name="Shape 161"/>
+        <p:cNvPr id="159" name="Shape 159"/>
         <p:cNvGrpSpPr/>
         <p:nvPr/>
       </p:nvGrpSpPr>
@@ -9291,7 +9126,7 @@
       </p:grpSpPr>
       <p:sp>
         <p:nvSpPr>
-          <p:cNvPr id="162" name="Google Shape;162;p24"/>
+          <p:cNvPr id="160" name="Google Shape;160;p24"/>
           <p:cNvSpPr txBox="1"/>
           <p:nvPr>
             <p:ph type="title"/>
@@ -9299,7 +9134,7 @@
         </p:nvSpPr>
         <p:spPr>
           <a:xfrm>
-            <a:off x="727800" y="601150"/>
+            <a:off x="727800" y="582525"/>
             <a:ext cx="7688400" cy="535200"/>
           </a:xfrm>
           <a:prstGeom prst="rect">
@@ -9323,7 +9158,7 @@
             </a:pPr>
             <a:r>
               <a:rPr lang="en"/>
-              <a:t>Decision Tree Visualization</a:t>
+              <a:t>Decision Tree Visualization (Pruned Depth Limit)</a:t>
             </a:r>
             <a:endParaRPr/>
           </a:p>
@@ -9331,7 +9166,7 @@
       </p:sp>
       <p:pic>
         <p:nvPicPr>
-          <p:cNvPr id="163" name="Google Shape;163;p24"/>
+          <p:cNvPr id="161" name="Google Shape;161;p24"/>
           <p:cNvPicPr preferRelativeResize="0"/>
           <p:nvPr/>
         </p:nvPicPr>
@@ -9345,8 +9180,8 @@
         </p:blipFill>
         <p:spPr>
           <a:xfrm>
-            <a:off x="912163" y="1328250"/>
-            <a:ext cx="7319676" cy="3702349"/>
+            <a:off x="963663" y="1280000"/>
+            <a:ext cx="7216672" cy="3720975"/>
           </a:xfrm>
           <a:prstGeom prst="rect">
             <a:avLst/>
@@ -9370,7 +9205,7 @@
   <p:cSld>
     <p:spTree>
       <p:nvGrpSpPr>
-        <p:cNvPr id="167" name="Shape 167"/>
+        <p:cNvPr id="165" name="Shape 165"/>
         <p:cNvGrpSpPr/>
         <p:nvPr/>
       </p:nvGrpSpPr>
@@ -9384,7 +9219,7 @@
       </p:grpSpPr>
       <p:sp>
         <p:nvSpPr>
-          <p:cNvPr id="168" name="Google Shape;168;p25"/>
+          <p:cNvPr id="166" name="Google Shape;166;p25"/>
           <p:cNvSpPr txBox="1"/>
           <p:nvPr>
             <p:ph type="title"/>
@@ -9392,7 +9227,7 @@
         </p:nvSpPr>
         <p:spPr>
           <a:xfrm>
-            <a:off x="727800" y="582525"/>
+            <a:off x="729450" y="538525"/>
             <a:ext cx="7688400" cy="535200"/>
           </a:xfrm>
           <a:prstGeom prst="rect">
@@ -9401,7 +9236,7 @@
         </p:spPr>
         <p:txBody>
           <a:bodyPr anchorCtr="0" anchor="t" bIns="91425" lIns="91425" spcFirstLastPara="1" rIns="91425" wrap="square" tIns="91425">
-            <a:normAutofit fontScale="90000"/>
+            <a:noAutofit/>
           </a:bodyPr>
           <a:lstStyle/>
           <a:p>
@@ -9415,16 +9250,16 @@
               <a:buNone/>
             </a:pPr>
             <a:r>
-              <a:rPr lang="en"/>
-              <a:t>Decision Tree Visualization (Pruned Depth Limit)</a:t>
+              <a:rPr lang="en" sz="2100"/>
+              <a:t>Decision Tree Visualization (Pruned Depth Limit &amp; Trained)</a:t>
             </a:r>
-            <a:endParaRPr/>
+            <a:endParaRPr sz="2100"/>
           </a:p>
         </p:txBody>
       </p:sp>
       <p:pic>
         <p:nvPicPr>
-          <p:cNvPr id="169" name="Google Shape;169;p25"/>
+          <p:cNvPr id="167" name="Google Shape;167;p25"/>
           <p:cNvPicPr preferRelativeResize="0"/>
           <p:nvPr/>
         </p:nvPicPr>
@@ -9438,8 +9273,8 @@
         </p:blipFill>
         <p:spPr>
           <a:xfrm>
-            <a:off x="963663" y="1280000"/>
-            <a:ext cx="7216672" cy="3720975"/>
+            <a:off x="968800" y="1305125"/>
+            <a:ext cx="7209691" cy="3764974"/>
           </a:xfrm>
           <a:prstGeom prst="rect">
             <a:avLst/>
@@ -9463,7 +9298,7 @@
   <p:cSld>
     <p:spTree>
       <p:nvGrpSpPr>
-        <p:cNvPr id="173" name="Shape 173"/>
+        <p:cNvPr id="171" name="Shape 171"/>
         <p:cNvGrpSpPr/>
         <p:nvPr/>
       </p:nvGrpSpPr>
@@ -9477,7 +9312,7 @@
       </p:grpSpPr>
       <p:sp>
         <p:nvSpPr>
-          <p:cNvPr id="174" name="Google Shape;174;p26"/>
+          <p:cNvPr id="172" name="Google Shape;172;p26"/>
           <p:cNvSpPr txBox="1"/>
           <p:nvPr>
             <p:ph type="title"/>
@@ -9509,7 +9344,7 @@
             </a:pPr>
             <a:r>
               <a:rPr lang="en" sz="2100"/>
-              <a:t>Decision Tree Visualization (Pruned Depth Limit &amp; Trained)</a:t>
+              <a:t>Accuracy of model vs Depth</a:t>
             </a:r>
             <a:endParaRPr sz="2100"/>
           </a:p>
@@ -9517,7 +9352,7 @@
       </p:sp>
       <p:pic>
         <p:nvPicPr>
-          <p:cNvPr id="175" name="Google Shape;175;p26"/>
+          <p:cNvPr id="173" name="Google Shape;173;p26"/>
           <p:cNvPicPr preferRelativeResize="0"/>
           <p:nvPr/>
         </p:nvPicPr>
@@ -9531,8 +9366,8 @@
         </p:blipFill>
         <p:spPr>
           <a:xfrm>
-            <a:off x="968800" y="1305125"/>
-            <a:ext cx="7209691" cy="3764974"/>
+            <a:off x="1119275" y="1378525"/>
+            <a:ext cx="6075899" cy="3640000"/>
           </a:xfrm>
           <a:prstGeom prst="rect">
             <a:avLst/>
@@ -9556,7 +9391,7 @@
   <p:cSld>
     <p:spTree>
       <p:nvGrpSpPr>
-        <p:cNvPr id="179" name="Shape 179"/>
+        <p:cNvPr id="177" name="Shape 177"/>
         <p:cNvGrpSpPr/>
         <p:nvPr/>
       </p:nvGrpSpPr>
@@ -9570,7 +9405,7 @@
       </p:grpSpPr>
       <p:sp>
         <p:nvSpPr>
-          <p:cNvPr id="180" name="Google Shape;180;p27"/>
+          <p:cNvPr id="178" name="Google Shape;178;p27"/>
           <p:cNvSpPr txBox="1"/>
           <p:nvPr>
             <p:ph type="title"/>
@@ -9610,7 +9445,7 @@
       </p:sp>
       <p:sp>
         <p:nvSpPr>
-          <p:cNvPr id="181" name="Google Shape;181;p27"/>
+          <p:cNvPr id="179" name="Google Shape;179;p27"/>
           <p:cNvSpPr txBox="1"/>
           <p:nvPr>
             <p:ph idx="1" type="body"/>
@@ -9712,7 +9547,7 @@
   <p:cSld>
     <p:spTree>
       <p:nvGrpSpPr>
-        <p:cNvPr id="185" name="Shape 185"/>
+        <p:cNvPr id="183" name="Shape 183"/>
         <p:cNvGrpSpPr/>
         <p:nvPr/>
       </p:nvGrpSpPr>
@@ -9726,7 +9561,7 @@
       </p:grpSpPr>
       <p:sp>
         <p:nvSpPr>
-          <p:cNvPr id="186" name="Google Shape;186;p28"/>
+          <p:cNvPr id="184" name="Google Shape;184;p28"/>
           <p:cNvSpPr txBox="1"/>
           <p:nvPr>
             <p:ph type="title"/>
@@ -9766,7 +9601,7 @@
       </p:sp>
       <p:sp>
         <p:nvSpPr>
-          <p:cNvPr id="187" name="Google Shape;187;p28"/>
+          <p:cNvPr id="185" name="Google Shape;185;p28"/>
           <p:cNvSpPr txBox="1"/>
           <p:nvPr>
             <p:ph idx="1" type="body"/>
@@ -9833,7 +9668,7 @@
   <p:cSld>
     <p:spTree>
       <p:nvGrpSpPr>
-        <p:cNvPr id="191" name="Shape 191"/>
+        <p:cNvPr id="189" name="Shape 189"/>
         <p:cNvGrpSpPr/>
         <p:nvPr/>
       </p:nvGrpSpPr>
@@ -9847,7 +9682,7 @@
       </p:grpSpPr>
       <p:sp>
         <p:nvSpPr>
-          <p:cNvPr id="192" name="Google Shape;192;p29"/>
+          <p:cNvPr id="190" name="Google Shape;190;p29"/>
           <p:cNvSpPr txBox="1"/>
           <p:nvPr>
             <p:ph type="title"/>
@@ -9887,7 +9722,7 @@
       </p:sp>
       <p:sp>
         <p:nvSpPr>
-          <p:cNvPr id="193" name="Google Shape;193;p29"/>
+          <p:cNvPr id="191" name="Google Shape;191;p29"/>
           <p:cNvSpPr txBox="1"/>
           <p:nvPr>
             <p:ph idx="1" type="body"/>

--- a/Maternal Health Risk Final Project.pptx
+++ b/Maternal Health Risk Final Project.pptx
@@ -25,23 +25,26 @@
     <p:sldId id="270" r:id="rId20"/>
     <p:sldId id="271" r:id="rId21"/>
     <p:sldId id="272" r:id="rId22"/>
+    <p:sldId id="273" r:id="rId23"/>
+    <p:sldId id="274" r:id="rId24"/>
+    <p:sldId id="275" r:id="rId25"/>
   </p:sldIdLst>
   <p:sldSz cy="5143500" cx="9144000"/>
   <p:notesSz cx="6858000" cy="9144000"/>
   <p:embeddedFontLst>
     <p:embeddedFont>
       <p:font typeface="Raleway"/>
-      <p:regular r:id="rId23"/>
-      <p:bold r:id="rId24"/>
-      <p:italic r:id="rId25"/>
-      <p:boldItalic r:id="rId26"/>
+      <p:regular r:id="rId26"/>
+      <p:bold r:id="rId27"/>
+      <p:italic r:id="rId28"/>
+      <p:boldItalic r:id="rId29"/>
     </p:embeddedFont>
     <p:embeddedFont>
       <p:font typeface="Lato"/>
-      <p:regular r:id="rId27"/>
-      <p:bold r:id="rId28"/>
-      <p:italic r:id="rId29"/>
-      <p:boldItalic r:id="rId30"/>
+      <p:regular r:id="rId30"/>
+      <p:bold r:id="rId31"/>
+      <p:italic r:id="rId32"/>
+      <p:boldItalic r:id="rId33"/>
     </p:embeddedFont>
   </p:embeddedFontLst>
   <p:defaultTextStyle>
@@ -823,7 +826,7 @@
   <p:cSld>
     <p:spTree>
       <p:nvGrpSpPr>
-        <p:cNvPr id="143" name="Shape 143"/>
+        <p:cNvPr id="140" name="Shape 140"/>
         <p:cNvGrpSpPr/>
         <p:nvPr/>
       </p:nvGrpSpPr>
@@ -837,7 +840,7 @@
       </p:grpSpPr>
       <p:sp>
         <p:nvSpPr>
-          <p:cNvPr id="144" name="Google Shape;144;g2f1667ec186_0_29:notes"/>
+          <p:cNvPr id="141" name="Google Shape;141;g2f153a16f95_0_61:notes"/>
           <p:cNvSpPr/>
           <p:nvPr>
             <p:ph idx="2" type="sldImg"/>
@@ -872,7 +875,7 @@
       </p:sp>
       <p:sp>
         <p:nvSpPr>
-          <p:cNvPr id="145" name="Google Shape;145;g2f1667ec186_0_29:notes"/>
+          <p:cNvPr id="142" name="Google Shape;142;g2f153a16f95_0_61:notes"/>
           <p:cNvSpPr txBox="1"/>
           <p:nvPr>
             <p:ph idx="1" type="body"/>
@@ -904,7 +907,7 @@
             </a:pPr>
             <a:r>
               <a:rPr lang="en"/>
-              <a:t>Sean</a:t>
+              <a:t>Mani</a:t>
             </a:r>
             <a:endParaRPr/>
           </a:p>
@@ -923,7 +926,7 @@
   <p:cSld>
     <p:spTree>
       <p:nvGrpSpPr>
-        <p:cNvPr id="150" name="Shape 150"/>
+        <p:cNvPr id="149" name="Shape 149"/>
         <p:cNvGrpSpPr/>
         <p:nvPr/>
       </p:nvGrpSpPr>
@@ -937,7 +940,7 @@
       </p:grpSpPr>
       <p:sp>
         <p:nvSpPr>
-          <p:cNvPr id="151" name="Google Shape;151;g2f136a9bf52_0_127:notes"/>
+          <p:cNvPr id="150" name="Google Shape;150;g2f1667ec186_0_29:notes"/>
           <p:cNvSpPr/>
           <p:nvPr>
             <p:ph idx="2" type="sldImg"/>
@@ -972,7 +975,7 @@
       </p:sp>
       <p:sp>
         <p:nvSpPr>
-          <p:cNvPr id="152" name="Google Shape;152;g2f136a9bf52_0_127:notes"/>
+          <p:cNvPr id="151" name="Google Shape;151;g2f1667ec186_0_29:notes"/>
           <p:cNvSpPr txBox="1"/>
           <p:nvPr>
             <p:ph idx="1" type="body"/>
@@ -1004,19 +1007,7 @@
             </a:pPr>
             <a:r>
               <a:rPr lang="en"/>
-              <a:t>Sean explanation, if we want to include. </a:t>
-            </a:r>
-            <a:r>
-              <a:rPr lang="en" sz="1200">
-                <a:solidFill>
-                  <a:schemeClr val="dk1"/>
-                </a:solidFill>
-                <a:latin typeface="Times New Roman"/>
-                <a:ea typeface="Times New Roman"/>
-                <a:cs typeface="Times New Roman"/>
-                <a:sym typeface="Times New Roman"/>
-              </a:rPr>
-              <a:t>Decision tree diagram for GridSearchCV at maximum depth = 4. Include explanation of hyperparameter tuning</a:t>
+              <a:t>Sean</a:t>
             </a:r>
             <a:endParaRPr/>
           </a:p>
@@ -1049,7 +1040,7 @@
       </p:grpSpPr>
       <p:sp>
         <p:nvSpPr>
-          <p:cNvPr id="157" name="Google Shape;157;g2f136a9bf52_0_137:notes"/>
+          <p:cNvPr id="157" name="Google Shape;157;g2f153a16f95_0_20:notes"/>
           <p:cNvSpPr/>
           <p:nvPr>
             <p:ph idx="2" type="sldImg"/>
@@ -1084,7 +1075,7 @@
       </p:sp>
       <p:sp>
         <p:nvSpPr>
-          <p:cNvPr id="158" name="Google Shape;158;g2f136a9bf52_0_137:notes"/>
+          <p:cNvPr id="158" name="Google Shape;158;g2f153a16f95_0_20:notes"/>
           <p:cNvSpPr txBox="1"/>
           <p:nvPr>
             <p:ph idx="1" type="body"/>
@@ -1116,15 +1107,19 @@
             </a:pPr>
             <a:r>
               <a:rPr lang="en"/>
-              <a:t>Chris: Even </a:t>
+              <a:t>Sean: </a:t>
             </a:r>
             <a:r>
-              <a:rPr lang="en"/>
-              <a:t>with</a:t>
-            </a:r>
-            <a:r>
-              <a:rPr lang="en"/>
-              <a:t> the depth limit set at 4, so we saw accuracy improve in the model without training. Naturally, we had an idea to try just that. And Mani will explain the step of GridSearchCV to further improve accuracy with training.</a:t>
+              <a:rPr lang="en" sz="1200">
+                <a:solidFill>
+                  <a:schemeClr val="dk1"/>
+                </a:solidFill>
+                <a:latin typeface="Times New Roman"/>
+                <a:ea typeface="Times New Roman"/>
+                <a:cs typeface="Times New Roman"/>
+                <a:sym typeface="Times New Roman"/>
+              </a:rPr>
+              <a:t>GridSearchCV algorithm has predicted the results with 83% accuracy.</a:t>
             </a:r>
             <a:endParaRPr/>
           </a:p>
@@ -1157,7 +1152,7 @@
       </p:grpSpPr>
       <p:sp>
         <p:nvSpPr>
-          <p:cNvPr id="163" name="Google Shape;163;g2f136a9bf52_0_132:notes"/>
+          <p:cNvPr id="163" name="Google Shape;163;g2f23bc38927_0_0:notes"/>
           <p:cNvSpPr/>
           <p:nvPr>
             <p:ph idx="2" type="sldImg"/>
@@ -1192,7 +1187,7 @@
       </p:sp>
       <p:sp>
         <p:nvSpPr>
-          <p:cNvPr id="164" name="Google Shape;164;g2f136a9bf52_0_132:notes"/>
+          <p:cNvPr id="164" name="Google Shape;164;g2f23bc38927_0_0:notes"/>
           <p:cNvSpPr txBox="1"/>
           <p:nvPr>
             <p:ph idx="1" type="body"/>
@@ -1223,8 +1218,7 @@
               <a:buNone/>
             </a:pPr>
             <a:r>
-              <a:rPr lang="en"/>
-              <a:t>Mani explanation of training</a:t>
+              <a:t/>
             </a:r>
             <a:endParaRPr/>
           </a:p>
@@ -1243,7 +1237,7 @@
   <p:cSld>
     <p:spTree>
       <p:nvGrpSpPr>
-        <p:cNvPr id="168" name="Shape 168"/>
+        <p:cNvPr id="169" name="Shape 169"/>
         <p:cNvGrpSpPr/>
         <p:nvPr/>
       </p:nvGrpSpPr>
@@ -1257,7 +1251,7 @@
       </p:grpSpPr>
       <p:sp>
         <p:nvSpPr>
-          <p:cNvPr id="169" name="Google Shape;169;g2f1edfdc48f_1_36:notes"/>
+          <p:cNvPr id="170" name="Google Shape;170;g2f23bc38927_0_7:notes"/>
           <p:cNvSpPr/>
           <p:nvPr>
             <p:ph idx="2" type="sldImg"/>
@@ -1292,7 +1286,7 @@
       </p:sp>
       <p:sp>
         <p:nvSpPr>
-          <p:cNvPr id="170" name="Google Shape;170;g2f1edfdc48f_1_36:notes"/>
+          <p:cNvPr id="171" name="Google Shape;171;g2f23bc38927_0_7:notes"/>
           <p:cNvSpPr txBox="1"/>
           <p:nvPr>
             <p:ph idx="1" type="body"/>
@@ -1323,8 +1317,7 @@
               <a:buNone/>
             </a:pPr>
             <a:r>
-              <a:rPr lang="en"/>
-              <a:t>Mani explanation of training</a:t>
+              <a:t/>
             </a:r>
             <a:endParaRPr/>
           </a:p>
@@ -1343,7 +1336,7 @@
   <p:cSld>
     <p:spTree>
       <p:nvGrpSpPr>
-        <p:cNvPr id="174" name="Shape 174"/>
+        <p:cNvPr id="176" name="Shape 176"/>
         <p:cNvGrpSpPr/>
         <p:nvPr/>
       </p:nvGrpSpPr>
@@ -1357,7 +1350,7 @@
       </p:grpSpPr>
       <p:sp>
         <p:nvSpPr>
-          <p:cNvPr id="175" name="Google Shape;175;g2f153a16f95_0_20:notes"/>
+          <p:cNvPr id="177" name="Google Shape;177;g2f136a9bf52_0_127:notes"/>
           <p:cNvSpPr/>
           <p:nvPr>
             <p:ph idx="2" type="sldImg"/>
@@ -1392,7 +1385,7 @@
       </p:sp>
       <p:sp>
         <p:nvSpPr>
-          <p:cNvPr id="176" name="Google Shape;176;g2f153a16f95_0_20:notes"/>
+          <p:cNvPr id="178" name="Google Shape;178;g2f136a9bf52_0_127:notes"/>
           <p:cNvSpPr txBox="1"/>
           <p:nvPr>
             <p:ph idx="1" type="body"/>
@@ -1424,7 +1417,7 @@
             </a:pPr>
             <a:r>
               <a:rPr lang="en"/>
-              <a:t>Sean: </a:t>
+              <a:t>Sean explanation, if we want to include. </a:t>
             </a:r>
             <a:r>
               <a:rPr lang="en" sz="1200">
@@ -1436,7 +1429,7 @@
                 <a:cs typeface="Times New Roman"/>
                 <a:sym typeface="Times New Roman"/>
               </a:rPr>
-              <a:t>GridSearchCV algorithm has predicted the results with 83% accuracy.</a:t>
+              <a:t>Decision tree diagram for GridSearchCV at maximum depth = 4. Include explanation of hyperparameter tuning</a:t>
             </a:r>
             <a:endParaRPr/>
           </a:p>
@@ -1455,7 +1448,7 @@
   <p:cSld>
     <p:spTree>
       <p:nvGrpSpPr>
-        <p:cNvPr id="180" name="Shape 180"/>
+        <p:cNvPr id="183" name="Shape 183"/>
         <p:cNvGrpSpPr/>
         <p:nvPr/>
       </p:nvGrpSpPr>
@@ -1469,7 +1462,7 @@
       </p:grpSpPr>
       <p:sp>
         <p:nvSpPr>
-          <p:cNvPr id="181" name="Google Shape;181;g2f153a16f95_0_35:notes"/>
+          <p:cNvPr id="184" name="Google Shape;184;g2f23bc38927_0_24:notes"/>
           <p:cNvSpPr/>
           <p:nvPr>
             <p:ph idx="2" type="sldImg"/>
@@ -1504,7 +1497,7 @@
       </p:sp>
       <p:sp>
         <p:nvSpPr>
-          <p:cNvPr id="182" name="Google Shape;182;g2f153a16f95_0_35:notes"/>
+          <p:cNvPr id="185" name="Google Shape;185;g2f23bc38927_0_24:notes"/>
           <p:cNvSpPr txBox="1"/>
           <p:nvPr>
             <p:ph idx="1" type="body"/>
@@ -1535,8 +1528,7 @@
               <a:buNone/>
             </a:pPr>
             <a:r>
-              <a:rPr lang="en"/>
-              <a:t>Nabeel?</a:t>
+              <a:t/>
             </a:r>
             <a:endParaRPr/>
           </a:p>
@@ -1555,7 +1547,7 @@
   <p:cSld>
     <p:spTree>
       <p:nvGrpSpPr>
-        <p:cNvPr id="186" name="Shape 186"/>
+        <p:cNvPr id="190" name="Shape 190"/>
         <p:cNvGrpSpPr/>
         <p:nvPr/>
       </p:nvGrpSpPr>
@@ -1569,7 +1561,7 @@
       </p:grpSpPr>
       <p:sp>
         <p:nvSpPr>
-          <p:cNvPr id="187" name="Google Shape;187;g2f136a9bf52_0_152:notes"/>
+          <p:cNvPr id="191" name="Google Shape;191;g2f1edfdc48f_1_36:notes"/>
           <p:cNvSpPr/>
           <p:nvPr>
             <p:ph idx="2" type="sldImg"/>
@@ -1604,7 +1596,7 @@
       </p:sp>
       <p:sp>
         <p:nvSpPr>
-          <p:cNvPr id="188" name="Google Shape;188;g2f136a9bf52_0_152:notes"/>
+          <p:cNvPr id="192" name="Google Shape;192;g2f1edfdc48f_1_36:notes"/>
           <p:cNvSpPr txBox="1"/>
           <p:nvPr>
             <p:ph idx="1" type="body"/>
@@ -1636,7 +1628,206 @@
             </a:pPr>
             <a:r>
               <a:rPr lang="en"/>
-              <a:t>Chris or Nabeel? Triaging more patients, prioritizing high risk patients more quickly</a:t>
+              <a:t>Mani explanation of training</a:t>
+            </a:r>
+            <a:endParaRPr/>
+          </a:p>
+        </p:txBody>
+      </p:sp>
+    </p:spTree>
+  </p:cSld>
+  <p:clrMapOvr>
+    <a:masterClrMapping/>
+  </p:clrMapOvr>
+</p:notes>
+</file>
+
+<file path=ppt/notesSlides/notesSlide18.xml><?xml version="1.0" encoding="utf-8"?>
+<p:notes xmlns:a="http://schemas.openxmlformats.org/drawingml/2006/main" xmlns:r="http://schemas.openxmlformats.org/officeDocument/2006/relationships" xmlns:mc="http://schemas.openxmlformats.org/markup-compatibility/2006" xmlns:mv="urn:schemas-microsoft-com:mac:vml" xmlns:p="http://schemas.openxmlformats.org/presentationml/2006/main" xmlns:c="http://schemas.openxmlformats.org/drawingml/2006/chart" xmlns:dgm="http://schemas.openxmlformats.org/drawingml/2006/diagram" xmlns:o="urn:schemas-microsoft-com:office:office" xmlns:v="urn:schemas-microsoft-com:vml" xmlns:pvml="urn:schemas-microsoft-com:office:powerpoint" xmlns:com="http://schemas.openxmlformats.org/drawingml/2006/compatibility" xmlns:p14="http://schemas.microsoft.com/office/powerpoint/2010/main" xmlns:p15="http://schemas.microsoft.com/office/powerpoint/2012/main" xmlns:ahyp="http://schemas.microsoft.com/office/drawing/2018/hyperlinkcolor" showMasterPhAnim="0" showMasterSp="0">
+  <p:cSld>
+    <p:spTree>
+      <p:nvGrpSpPr>
+        <p:cNvPr id="199" name="Shape 199"/>
+        <p:cNvGrpSpPr/>
+        <p:nvPr/>
+      </p:nvGrpSpPr>
+      <p:grpSpPr>
+        <a:xfrm>
+          <a:off x="0" y="0"/>
+          <a:ext cx="0" cy="0"/>
+          <a:chOff x="0" y="0"/>
+          <a:chExt cx="0" cy="0"/>
+        </a:xfrm>
+      </p:grpSpPr>
+      <p:sp>
+        <p:nvSpPr>
+          <p:cNvPr id="200" name="Google Shape;200;g2f23bc38927_0_30:notes"/>
+          <p:cNvSpPr/>
+          <p:nvPr>
+            <p:ph idx="2" type="sldImg"/>
+          </p:nvPr>
+        </p:nvSpPr>
+        <p:spPr>
+          <a:xfrm>
+            <a:off x="381300" y="685800"/>
+            <a:ext cx="6096000" cy="3429000"/>
+          </a:xfrm>
+          <a:custGeom>
+            <a:rect b="b" l="l" r="r" t="t"/>
+            <a:pathLst>
+              <a:path extrusionOk="0" h="120000" w="120000">
+                <a:moveTo>
+                  <a:pt x="0" y="0"/>
+                </a:moveTo>
+                <a:lnTo>
+                  <a:pt x="120000" y="0"/>
+                </a:lnTo>
+                <a:lnTo>
+                  <a:pt x="120000" y="120000"/>
+                </a:lnTo>
+                <a:lnTo>
+                  <a:pt x="0" y="120000"/>
+                </a:lnTo>
+                <a:close/>
+              </a:path>
+            </a:pathLst>
+          </a:custGeom>
+        </p:spPr>
+      </p:sp>
+      <p:sp>
+        <p:nvSpPr>
+          <p:cNvPr id="201" name="Google Shape;201;g2f23bc38927_0_30:notes"/>
+          <p:cNvSpPr txBox="1"/>
+          <p:nvPr>
+            <p:ph idx="1" type="body"/>
+          </p:nvPr>
+        </p:nvSpPr>
+        <p:spPr>
+          <a:xfrm>
+            <a:off x="685800" y="4343400"/>
+            <a:ext cx="5486400" cy="4114800"/>
+          </a:xfrm>
+          <a:prstGeom prst="rect">
+            <a:avLst/>
+          </a:prstGeom>
+        </p:spPr>
+        <p:txBody>
+          <a:bodyPr anchorCtr="0" anchor="t" bIns="91425" lIns="91425" spcFirstLastPara="1" rIns="91425" wrap="square" tIns="91425">
+            <a:noAutofit/>
+          </a:bodyPr>
+          <a:lstStyle/>
+          <a:p>
+            <a:pPr indent="0" lvl="0" marL="0" rtl="0" algn="l">
+              <a:spcBef>
+                <a:spcPts val="0"/>
+              </a:spcBef>
+              <a:spcAft>
+                <a:spcPts val="0"/>
+              </a:spcAft>
+              <a:buNone/>
+            </a:pPr>
+            <a:r>
+              <a:t/>
+            </a:r>
+            <a:endParaRPr/>
+          </a:p>
+        </p:txBody>
+      </p:sp>
+    </p:spTree>
+  </p:cSld>
+  <p:clrMapOvr>
+    <a:masterClrMapping/>
+  </p:clrMapOvr>
+</p:notes>
+</file>
+
+<file path=ppt/notesSlides/notesSlide19.xml><?xml version="1.0" encoding="utf-8"?>
+<p:notes xmlns:a="http://schemas.openxmlformats.org/drawingml/2006/main" xmlns:r="http://schemas.openxmlformats.org/officeDocument/2006/relationships" xmlns:mc="http://schemas.openxmlformats.org/markup-compatibility/2006" xmlns:mv="urn:schemas-microsoft-com:mac:vml" xmlns:p="http://schemas.openxmlformats.org/presentationml/2006/main" xmlns:c="http://schemas.openxmlformats.org/drawingml/2006/chart" xmlns:dgm="http://schemas.openxmlformats.org/drawingml/2006/diagram" xmlns:o="urn:schemas-microsoft-com:office:office" xmlns:v="urn:schemas-microsoft-com:vml" xmlns:pvml="urn:schemas-microsoft-com:office:powerpoint" xmlns:com="http://schemas.openxmlformats.org/drawingml/2006/compatibility" xmlns:p14="http://schemas.microsoft.com/office/powerpoint/2010/main" xmlns:p15="http://schemas.microsoft.com/office/powerpoint/2012/main" xmlns:ahyp="http://schemas.microsoft.com/office/drawing/2018/hyperlinkcolor" showMasterPhAnim="0" showMasterSp="0">
+  <p:cSld>
+    <p:spTree>
+      <p:nvGrpSpPr>
+        <p:cNvPr id="210" name="Shape 210"/>
+        <p:cNvGrpSpPr/>
+        <p:nvPr/>
+      </p:nvGrpSpPr>
+      <p:grpSpPr>
+        <a:xfrm>
+          <a:off x="0" y="0"/>
+          <a:ext cx="0" cy="0"/>
+          <a:chOff x="0" y="0"/>
+          <a:chExt cx="0" cy="0"/>
+        </a:xfrm>
+      </p:grpSpPr>
+      <p:sp>
+        <p:nvSpPr>
+          <p:cNvPr id="211" name="Google Shape;211;g2f153a16f95_0_35:notes"/>
+          <p:cNvSpPr/>
+          <p:nvPr>
+            <p:ph idx="2" type="sldImg"/>
+          </p:nvPr>
+        </p:nvSpPr>
+        <p:spPr>
+          <a:xfrm>
+            <a:off x="381300" y="685800"/>
+            <a:ext cx="6096000" cy="3429000"/>
+          </a:xfrm>
+          <a:custGeom>
+            <a:rect b="b" l="l" r="r" t="t"/>
+            <a:pathLst>
+              <a:path extrusionOk="0" h="120000" w="120000">
+                <a:moveTo>
+                  <a:pt x="0" y="0"/>
+                </a:moveTo>
+                <a:lnTo>
+                  <a:pt x="120000" y="0"/>
+                </a:lnTo>
+                <a:lnTo>
+                  <a:pt x="120000" y="120000"/>
+                </a:lnTo>
+                <a:lnTo>
+                  <a:pt x="0" y="120000"/>
+                </a:lnTo>
+                <a:close/>
+              </a:path>
+            </a:pathLst>
+          </a:custGeom>
+        </p:spPr>
+      </p:sp>
+      <p:sp>
+        <p:nvSpPr>
+          <p:cNvPr id="212" name="Google Shape;212;g2f153a16f95_0_35:notes"/>
+          <p:cNvSpPr txBox="1"/>
+          <p:nvPr>
+            <p:ph idx="1" type="body"/>
+          </p:nvPr>
+        </p:nvSpPr>
+        <p:spPr>
+          <a:xfrm>
+            <a:off x="685800" y="4343400"/>
+            <a:ext cx="5486400" cy="4114800"/>
+          </a:xfrm>
+          <a:prstGeom prst="rect">
+            <a:avLst/>
+          </a:prstGeom>
+        </p:spPr>
+        <p:txBody>
+          <a:bodyPr anchorCtr="0" anchor="t" bIns="91425" lIns="91425" spcFirstLastPara="1" rIns="91425" wrap="square" tIns="91425">
+            <a:noAutofit/>
+          </a:bodyPr>
+          <a:lstStyle/>
+          <a:p>
+            <a:pPr indent="0" lvl="0" marL="0" rtl="0" algn="l">
+              <a:spcBef>
+                <a:spcPts val="0"/>
+              </a:spcBef>
+              <a:spcAft>
+                <a:spcPts val="0"/>
+              </a:spcAft>
+              <a:buNone/>
+            </a:pPr>
+            <a:r>
+              <a:rPr lang="en"/>
+              <a:t>Nabeel?</a:t>
             </a:r>
             <a:endParaRPr/>
           </a:p>
@@ -1737,6 +1928,106 @@
             <a:r>
               <a:rPr lang="en"/>
               <a:t>Chris: “Let’s get into it. As Sean mentioned, we’re looking into ways to combat maternal health risk in rural areas by ways of predictive modeling. In the developed world, pregnancy is far-less of a life-risk these days, because of our access to gold standard care. Not all people are dealt the same hand. Pregnant women in remote areas have limited access to basic resources, let alone life-saving care for a major complication during pregnancy. This is where we aim to help. Early detection and early identification are key metrics for survival in these scenarios. Our decision support system, aided by machine learning, can help combat this issue.</a:t>
+            </a:r>
+            <a:endParaRPr/>
+          </a:p>
+        </p:txBody>
+      </p:sp>
+    </p:spTree>
+  </p:cSld>
+  <p:clrMapOvr>
+    <a:masterClrMapping/>
+  </p:clrMapOvr>
+</p:notes>
+</file>
+
+<file path=ppt/notesSlides/notesSlide20.xml><?xml version="1.0" encoding="utf-8"?>
+<p:notes xmlns:a="http://schemas.openxmlformats.org/drawingml/2006/main" xmlns:r="http://schemas.openxmlformats.org/officeDocument/2006/relationships" xmlns:mc="http://schemas.openxmlformats.org/markup-compatibility/2006" xmlns:mv="urn:schemas-microsoft-com:mac:vml" xmlns:p="http://schemas.openxmlformats.org/presentationml/2006/main" xmlns:c="http://schemas.openxmlformats.org/drawingml/2006/chart" xmlns:dgm="http://schemas.openxmlformats.org/drawingml/2006/diagram" xmlns:o="urn:schemas-microsoft-com:office:office" xmlns:v="urn:schemas-microsoft-com:vml" xmlns:pvml="urn:schemas-microsoft-com:office:powerpoint" xmlns:com="http://schemas.openxmlformats.org/drawingml/2006/compatibility" xmlns:p14="http://schemas.microsoft.com/office/powerpoint/2010/main" xmlns:p15="http://schemas.microsoft.com/office/powerpoint/2012/main" xmlns:ahyp="http://schemas.microsoft.com/office/drawing/2018/hyperlinkcolor" showMasterPhAnim="0" showMasterSp="0">
+  <p:cSld>
+    <p:spTree>
+      <p:nvGrpSpPr>
+        <p:cNvPr id="216" name="Shape 216"/>
+        <p:cNvGrpSpPr/>
+        <p:nvPr/>
+      </p:nvGrpSpPr>
+      <p:grpSpPr>
+        <a:xfrm>
+          <a:off x="0" y="0"/>
+          <a:ext cx="0" cy="0"/>
+          <a:chOff x="0" y="0"/>
+          <a:chExt cx="0" cy="0"/>
+        </a:xfrm>
+      </p:grpSpPr>
+      <p:sp>
+        <p:nvSpPr>
+          <p:cNvPr id="217" name="Google Shape;217;g2f136a9bf52_0_152:notes"/>
+          <p:cNvSpPr/>
+          <p:nvPr>
+            <p:ph idx="2" type="sldImg"/>
+          </p:nvPr>
+        </p:nvSpPr>
+        <p:spPr>
+          <a:xfrm>
+            <a:off x="381300" y="685800"/>
+            <a:ext cx="6096000" cy="3429000"/>
+          </a:xfrm>
+          <a:custGeom>
+            <a:rect b="b" l="l" r="r" t="t"/>
+            <a:pathLst>
+              <a:path extrusionOk="0" h="120000" w="120000">
+                <a:moveTo>
+                  <a:pt x="0" y="0"/>
+                </a:moveTo>
+                <a:lnTo>
+                  <a:pt x="120000" y="0"/>
+                </a:lnTo>
+                <a:lnTo>
+                  <a:pt x="120000" y="120000"/>
+                </a:lnTo>
+                <a:lnTo>
+                  <a:pt x="0" y="120000"/>
+                </a:lnTo>
+                <a:close/>
+              </a:path>
+            </a:pathLst>
+          </a:custGeom>
+        </p:spPr>
+      </p:sp>
+      <p:sp>
+        <p:nvSpPr>
+          <p:cNvPr id="218" name="Google Shape;218;g2f136a9bf52_0_152:notes"/>
+          <p:cNvSpPr txBox="1"/>
+          <p:nvPr>
+            <p:ph idx="1" type="body"/>
+          </p:nvPr>
+        </p:nvSpPr>
+        <p:spPr>
+          <a:xfrm>
+            <a:off x="685800" y="4343400"/>
+            <a:ext cx="5486400" cy="4114800"/>
+          </a:xfrm>
+          <a:prstGeom prst="rect">
+            <a:avLst/>
+          </a:prstGeom>
+        </p:spPr>
+        <p:txBody>
+          <a:bodyPr anchorCtr="0" anchor="t" bIns="91425" lIns="91425" spcFirstLastPara="1" rIns="91425" wrap="square" tIns="91425">
+            <a:noAutofit/>
+          </a:bodyPr>
+          <a:lstStyle/>
+          <a:p>
+            <a:pPr indent="0" lvl="0" marL="0" rtl="0" algn="l">
+              <a:spcBef>
+                <a:spcPts val="0"/>
+              </a:spcBef>
+              <a:spcAft>
+                <a:spcPts val="0"/>
+              </a:spcAft>
+              <a:buNone/>
+            </a:pPr>
+            <a:r>
+              <a:rPr lang="en"/>
+              <a:t>Chris or Nabeel? Triaging more patients, prioritizing high risk patients more quickly</a:t>
             </a:r>
             <a:endParaRPr/>
           </a:p>
@@ -2301,7 +2592,7 @@
       </p:grpSpPr>
       <p:sp>
         <p:nvSpPr>
-          <p:cNvPr id="129" name="Google Shape;129;g2f153a16f95_0_25:notes"/>
+          <p:cNvPr id="129" name="Google Shape;129;g2f25896a257_0_0:notes"/>
           <p:cNvSpPr/>
           <p:nvPr>
             <p:ph idx="2" type="sldImg"/>
@@ -2336,7 +2627,7 @@
       </p:sp>
       <p:sp>
         <p:nvSpPr>
-          <p:cNvPr id="130" name="Google Shape;130;g2f153a16f95_0_25:notes"/>
+          <p:cNvPr id="130" name="Google Shape;130;g2f25896a257_0_0:notes"/>
           <p:cNvSpPr txBox="1"/>
           <p:nvPr>
             <p:ph idx="1" type="body"/>
@@ -2368,19 +2659,7 @@
             </a:pPr>
             <a:r>
               <a:rPr lang="en"/>
-              <a:t>Mani: </a:t>
-            </a:r>
-            <a:r>
-              <a:rPr lang="en" sz="1200">
-                <a:solidFill>
-                  <a:schemeClr val="dk1"/>
-                </a:solidFill>
-                <a:latin typeface="Times New Roman"/>
-                <a:ea typeface="Times New Roman"/>
-                <a:cs typeface="Times New Roman"/>
-                <a:sym typeface="Times New Roman"/>
-              </a:rPr>
-              <a:t>. GridSearchCV prediction accuracy scores against training and test datasets.</a:t>
+              <a:t>Sean</a:t>
             </a:r>
             <a:endParaRPr/>
           </a:p>
@@ -2413,7 +2692,7 @@
       </p:grpSpPr>
       <p:sp>
         <p:nvSpPr>
-          <p:cNvPr id="135" name="Google Shape;135;g2f153a16f95_0_61:notes"/>
+          <p:cNvPr id="135" name="Google Shape;135;g2f153a16f95_0_25:notes"/>
           <p:cNvSpPr/>
           <p:nvPr>
             <p:ph idx="2" type="sldImg"/>
@@ -2448,7 +2727,7 @@
       </p:sp>
       <p:sp>
         <p:nvSpPr>
-          <p:cNvPr id="136" name="Google Shape;136;g2f153a16f95_0_61:notes"/>
+          <p:cNvPr id="136" name="Google Shape;136;g2f153a16f95_0_25:notes"/>
           <p:cNvSpPr txBox="1"/>
           <p:nvPr>
             <p:ph idx="1" type="body"/>
@@ -2480,7 +2759,19 @@
             </a:pPr>
             <a:r>
               <a:rPr lang="en"/>
-              <a:t>Mani</a:t>
+              <a:t>Mani: </a:t>
+            </a:r>
+            <a:r>
+              <a:rPr lang="en" sz="1200">
+                <a:solidFill>
+                  <a:schemeClr val="dk1"/>
+                </a:solidFill>
+                <a:latin typeface="Times New Roman"/>
+                <a:ea typeface="Times New Roman"/>
+                <a:cs typeface="Times New Roman"/>
+                <a:sym typeface="Times New Roman"/>
+              </a:rPr>
+              <a:t>. GridSearchCV prediction accuracy scores against training and test datasets.</a:t>
             </a:r>
             <a:endParaRPr/>
           </a:p>
@@ -8898,7 +9189,7 @@
   <p:cSld>
     <p:spTree>
       <p:nvGrpSpPr>
-        <p:cNvPr id="146" name="Shape 146"/>
+        <p:cNvPr id="143" name="Shape 143"/>
         <p:cNvGrpSpPr/>
         <p:nvPr/>
       </p:nvGrpSpPr>
@@ -8912,7 +9203,7 @@
       </p:grpSpPr>
       <p:sp>
         <p:nvSpPr>
-          <p:cNvPr id="147" name="Google Shape;147;p22"/>
+          <p:cNvPr id="144" name="Google Shape;144;p22"/>
           <p:cNvSpPr txBox="1"/>
           <p:nvPr>
             <p:ph type="title"/>
@@ -8920,8 +9211,8 @@
         </p:nvSpPr>
         <p:spPr>
           <a:xfrm>
-            <a:off x="727800" y="573225"/>
-            <a:ext cx="7688400" cy="535200"/>
+            <a:off x="727650" y="508000"/>
+            <a:ext cx="7688700" cy="535200"/>
           </a:xfrm>
           <a:prstGeom prst="rect">
             <a:avLst/>
@@ -8944,7 +9235,7 @@
             </a:pPr>
             <a:r>
               <a:rPr lang="en"/>
-              <a:t>Accuracy of Search Models</a:t>
+              <a:t>Accuracy Scores (Decision Tree and SVM)</a:t>
             </a:r>
             <a:endParaRPr/>
           </a:p>
@@ -8952,22 +9243,21 @@
       </p:sp>
       <p:pic>
         <p:nvPicPr>
-          <p:cNvPr id="148" name="Google Shape;148;p22"/>
+          <p:cNvPr id="145" name="Google Shape;145;p22"/>
           <p:cNvPicPr preferRelativeResize="0"/>
           <p:nvPr/>
         </p:nvPicPr>
-        <p:blipFill>
+        <p:blipFill rotWithShape="1">
           <a:blip r:embed="rId3">
             <a:alphaModFix/>
           </a:blip>
-          <a:stretch>
-            <a:fillRect/>
-          </a:stretch>
+          <a:srcRect b="0" l="7545" r="35594" t="4095"/>
+          <a:stretch/>
         </p:blipFill>
         <p:spPr>
           <a:xfrm>
-            <a:off x="4622400" y="1417725"/>
-            <a:ext cx="4344135" cy="3473799"/>
+            <a:off x="90100" y="2083925"/>
+            <a:ext cx="4323500" cy="2576775"/>
           </a:xfrm>
           <a:prstGeom prst="rect">
             <a:avLst/>
@@ -8978,9 +9268,66 @@
           </a:ln>
         </p:spPr>
       </p:pic>
+      <p:sp>
+        <p:nvSpPr>
+          <p:cNvPr id="146" name="Google Shape;146;p22"/>
+          <p:cNvSpPr/>
+          <p:nvPr/>
+        </p:nvSpPr>
+        <p:spPr>
+          <a:xfrm rot="10800000">
+            <a:off x="3289250" y="4416775"/>
+            <a:ext cx="633600" cy="354000"/>
+          </a:xfrm>
+          <a:prstGeom prst="rightArrow">
+            <a:avLst>
+              <a:gd fmla="val 50000" name="adj1"/>
+              <a:gd fmla="val 50000" name="adj2"/>
+            </a:avLst>
+          </a:prstGeom>
+          <a:solidFill>
+            <a:schemeClr val="lt2"/>
+          </a:solidFill>
+          <a:ln cap="flat" cmpd="sng" w="9525">
+            <a:solidFill>
+              <a:schemeClr val="dk2"/>
+            </a:solidFill>
+            <a:prstDash val="solid"/>
+            <a:round/>
+            <a:headEnd len="sm" w="sm" type="none"/>
+            <a:tailEnd len="sm" w="sm" type="none"/>
+          </a:ln>
+        </p:spPr>
+        <p:txBody>
+          <a:bodyPr anchorCtr="0" anchor="ctr" bIns="91425" lIns="91425" spcFirstLastPara="1" rIns="91425" wrap="square" tIns="91425">
+            <a:noAutofit/>
+          </a:bodyPr>
+          <a:lstStyle/>
+          <a:p>
+            <a:pPr indent="0" lvl="0" marL="0" rtl="0" algn="ctr">
+              <a:spcBef>
+                <a:spcPts val="0"/>
+              </a:spcBef>
+              <a:spcAft>
+                <a:spcPts val="0"/>
+              </a:spcAft>
+              <a:buNone/>
+            </a:pPr>
+            <a:r>
+              <a:t/>
+            </a:r>
+            <a:endParaRPr>
+              <a:latin typeface="Lato"/>
+              <a:ea typeface="Lato"/>
+              <a:cs typeface="Lato"/>
+              <a:sym typeface="Lato"/>
+            </a:endParaRPr>
+          </a:p>
+        </p:txBody>
+      </p:sp>
       <p:pic>
         <p:nvPicPr>
-          <p:cNvPr id="149" name="Google Shape;149;p22"/>
+          <p:cNvPr id="147" name="Google Shape;147;p22"/>
           <p:cNvPicPr preferRelativeResize="0"/>
           <p:nvPr/>
         </p:nvPicPr>
@@ -8994,8 +9341,8 @@
         </p:blipFill>
         <p:spPr>
           <a:xfrm>
-            <a:off x="254400" y="1550250"/>
-            <a:ext cx="4317600" cy="3072138"/>
+            <a:off x="3606075" y="1626875"/>
+            <a:ext cx="5218050" cy="2477099"/>
           </a:xfrm>
           <a:prstGeom prst="rect">
             <a:avLst/>
@@ -9006,6 +9353,63 @@
           </a:ln>
         </p:spPr>
       </p:pic>
+      <p:sp>
+        <p:nvSpPr>
+          <p:cNvPr id="148" name="Google Shape;148;p22"/>
+          <p:cNvSpPr/>
+          <p:nvPr/>
+        </p:nvSpPr>
+        <p:spPr>
+          <a:xfrm rot="10800000">
+            <a:off x="6386125" y="3749975"/>
+            <a:ext cx="633600" cy="354000"/>
+          </a:xfrm>
+          <a:prstGeom prst="rightArrow">
+            <a:avLst>
+              <a:gd fmla="val 50000" name="adj1"/>
+              <a:gd fmla="val 50000" name="adj2"/>
+            </a:avLst>
+          </a:prstGeom>
+          <a:solidFill>
+            <a:schemeClr val="lt2"/>
+          </a:solidFill>
+          <a:ln cap="flat" cmpd="sng" w="9525">
+            <a:solidFill>
+              <a:schemeClr val="dk2"/>
+            </a:solidFill>
+            <a:prstDash val="solid"/>
+            <a:round/>
+            <a:headEnd len="sm" w="sm" type="none"/>
+            <a:tailEnd len="sm" w="sm" type="none"/>
+          </a:ln>
+        </p:spPr>
+        <p:txBody>
+          <a:bodyPr anchorCtr="0" anchor="ctr" bIns="91425" lIns="91425" spcFirstLastPara="1" rIns="91425" wrap="square" tIns="91425">
+            <a:noAutofit/>
+          </a:bodyPr>
+          <a:lstStyle/>
+          <a:p>
+            <a:pPr indent="0" lvl="0" marL="0" rtl="0" algn="ctr">
+              <a:spcBef>
+                <a:spcPts val="0"/>
+              </a:spcBef>
+              <a:spcAft>
+                <a:spcPts val="0"/>
+              </a:spcAft>
+              <a:buNone/>
+            </a:pPr>
+            <a:r>
+              <a:t/>
+            </a:r>
+            <a:endParaRPr>
+              <a:latin typeface="Lato"/>
+              <a:ea typeface="Lato"/>
+              <a:cs typeface="Lato"/>
+              <a:sym typeface="Lato"/>
+            </a:endParaRPr>
+          </a:p>
+        </p:txBody>
+      </p:sp>
     </p:spTree>
   </p:cSld>
   <p:clrMapOvr>
@@ -9019,7 +9423,7 @@
   <p:cSld>
     <p:spTree>
       <p:nvGrpSpPr>
-        <p:cNvPr id="153" name="Shape 153"/>
+        <p:cNvPr id="152" name="Shape 152"/>
         <p:cNvGrpSpPr/>
         <p:nvPr/>
       </p:nvGrpSpPr>
@@ -9033,7 +9437,7 @@
       </p:grpSpPr>
       <p:sp>
         <p:nvSpPr>
-          <p:cNvPr id="154" name="Google Shape;154;p23"/>
+          <p:cNvPr id="153" name="Google Shape;153;p23"/>
           <p:cNvSpPr txBox="1"/>
           <p:nvPr>
             <p:ph type="title"/>
@@ -9041,7 +9445,7 @@
         </p:nvSpPr>
         <p:spPr>
           <a:xfrm>
-            <a:off x="727800" y="601150"/>
+            <a:off x="727800" y="573225"/>
             <a:ext cx="7688400" cy="535200"/>
           </a:xfrm>
           <a:prstGeom prst="rect">
@@ -9065,7 +9469,7 @@
             </a:pPr>
             <a:r>
               <a:rPr lang="en"/>
-              <a:t>Decision Tree Visualization</a:t>
+              <a:t>Accuracy of Search Models</a:t>
             </a:r>
             <a:endParaRPr/>
           </a:p>
@@ -9073,7 +9477,7 @@
       </p:sp>
       <p:pic>
         <p:nvPicPr>
-          <p:cNvPr id="155" name="Google Shape;155;p23"/>
+          <p:cNvPr id="154" name="Google Shape;154;p23"/>
           <p:cNvPicPr preferRelativeResize="0"/>
           <p:nvPr/>
         </p:nvPicPr>
@@ -9087,8 +9491,36 @@
         </p:blipFill>
         <p:spPr>
           <a:xfrm>
-            <a:off x="912163" y="1328250"/>
-            <a:ext cx="7319676" cy="3702349"/>
+            <a:off x="4622400" y="1417725"/>
+            <a:ext cx="4344135" cy="3473799"/>
+          </a:xfrm>
+          <a:prstGeom prst="rect">
+            <a:avLst/>
+          </a:prstGeom>
+          <a:noFill/>
+          <a:ln>
+            <a:noFill/>
+          </a:ln>
+        </p:spPr>
+      </p:pic>
+      <p:pic>
+        <p:nvPicPr>
+          <p:cNvPr id="155" name="Google Shape;155;p23"/>
+          <p:cNvPicPr preferRelativeResize="0"/>
+          <p:nvPr/>
+        </p:nvPicPr>
+        <p:blipFill>
+          <a:blip r:embed="rId4">
+            <a:alphaModFix/>
+          </a:blip>
+          <a:stretch>
+            <a:fillRect/>
+          </a:stretch>
+        </p:blipFill>
+        <p:spPr>
+          <a:xfrm>
+            <a:off x="254400" y="1550250"/>
+            <a:ext cx="4317600" cy="3072138"/>
           </a:xfrm>
           <a:prstGeom prst="rect">
             <a:avLst/>
@@ -9134,8 +9566,8 @@
         </p:nvSpPr>
         <p:spPr>
           <a:xfrm>
-            <a:off x="727800" y="582525"/>
-            <a:ext cx="7688400" cy="535200"/>
+            <a:off x="727650" y="535925"/>
+            <a:ext cx="7688700" cy="535200"/>
           </a:xfrm>
           <a:prstGeom prst="rect">
             <a:avLst/>
@@ -9158,40 +9590,107 @@
             </a:pPr>
             <a:r>
               <a:rPr lang="en"/>
-              <a:t>Decision Tree Visualization (Pruned Depth Limit)</a:t>
+              <a:t>Explanation of Decision Tree Optimization</a:t>
             </a:r>
             <a:endParaRPr/>
           </a:p>
         </p:txBody>
       </p:sp>
-      <p:pic>
-        <p:nvPicPr>
+      <p:sp>
+        <p:nvSpPr>
           <p:cNvPr id="161" name="Google Shape;161;p24"/>
-          <p:cNvPicPr preferRelativeResize="0"/>
-          <p:nvPr/>
-        </p:nvPicPr>
-        <p:blipFill>
-          <a:blip r:embed="rId3">
-            <a:alphaModFix/>
-          </a:blip>
-          <a:stretch>
-            <a:fillRect/>
-          </a:stretch>
-        </p:blipFill>
-        <p:spPr>
-          <a:xfrm>
-            <a:off x="963663" y="1280000"/>
-            <a:ext cx="7216672" cy="3720975"/>
+          <p:cNvSpPr txBox="1"/>
+          <p:nvPr>
+            <p:ph idx="1" type="body"/>
+          </p:nvPr>
+        </p:nvSpPr>
+        <p:spPr>
+          <a:xfrm>
+            <a:off x="729450" y="1556100"/>
+            <a:ext cx="7688700" cy="2784000"/>
           </a:xfrm>
           <a:prstGeom prst="rect">
             <a:avLst/>
           </a:prstGeom>
-          <a:noFill/>
-          <a:ln>
-            <a:noFill/>
-          </a:ln>
-        </p:spPr>
-      </p:pic>
+        </p:spPr>
+        <p:txBody>
+          <a:bodyPr anchorCtr="0" anchor="t" bIns="91425" lIns="91425" spcFirstLastPara="1" rIns="91425" wrap="square" tIns="91425">
+            <a:normAutofit/>
+          </a:bodyPr>
+          <a:lstStyle/>
+          <a:p>
+            <a:pPr indent="0" lvl="0" marL="0" rtl="0" algn="l">
+              <a:spcBef>
+                <a:spcPts val="0"/>
+              </a:spcBef>
+              <a:spcAft>
+                <a:spcPts val="0"/>
+              </a:spcAft>
+              <a:buNone/>
+            </a:pPr>
+            <a:r>
+              <a:rPr lang="en" sz="1800"/>
+              <a:t>Steps</a:t>
+            </a:r>
+            <a:r>
+              <a:rPr lang="en" sz="1800"/>
+              <a:t> to refine our decision tree classifier:</a:t>
+            </a:r>
+            <a:endParaRPr sz="1800"/>
+          </a:p>
+          <a:p>
+            <a:pPr indent="-342900" lvl="0" marL="457200" rtl="0" algn="l">
+              <a:spcBef>
+                <a:spcPts val="1200"/>
+              </a:spcBef>
+              <a:spcAft>
+                <a:spcPts val="0"/>
+              </a:spcAft>
+              <a:buSzPts val="1800"/>
+              <a:buAutoNum type="arabicPeriod"/>
+            </a:pPr>
+            <a:r>
+              <a:rPr lang="en" sz="1800"/>
+              <a:t>GridSearchCV</a:t>
+            </a:r>
+            <a:endParaRPr sz="1800"/>
+          </a:p>
+          <a:p>
+            <a:pPr indent="-342900" lvl="0" marL="457200" rtl="0" algn="l">
+              <a:spcBef>
+                <a:spcPts val="0"/>
+              </a:spcBef>
+              <a:spcAft>
+                <a:spcPts val="0"/>
+              </a:spcAft>
+              <a:buSzPts val="1800"/>
+              <a:buAutoNum type="arabicPeriod"/>
+            </a:pPr>
+            <a:r>
+              <a:rPr lang="en" sz="1800"/>
+              <a:t>ccp_alpha value optimization + max_feature restriction</a:t>
+            </a:r>
+            <a:endParaRPr sz="1800"/>
+          </a:p>
+          <a:p>
+            <a:pPr indent="-342900" lvl="0" marL="457200" rtl="0" algn="l">
+              <a:spcBef>
+                <a:spcPts val="0"/>
+              </a:spcBef>
+              <a:spcAft>
+                <a:spcPts val="0"/>
+              </a:spcAft>
+              <a:buSzPts val="1800"/>
+              <a:buAutoNum type="arabicPeriod"/>
+            </a:pPr>
+            <a:r>
+              <a:rPr lang="en" sz="1800"/>
+              <a:t>max_depth value tuning</a:t>
+            </a:r>
+            <a:endParaRPr sz="1800"/>
+          </a:p>
+        </p:txBody>
+      </p:sp>
     </p:spTree>
   </p:cSld>
   <p:clrMapOvr>
@@ -9227,7 +9726,7 @@
         </p:nvSpPr>
         <p:spPr>
           <a:xfrm>
-            <a:off x="729450" y="538525"/>
+            <a:off x="729450" y="1318650"/>
             <a:ext cx="7688400" cy="535200"/>
           </a:xfrm>
           <a:prstGeom prst="rect">
@@ -9236,7 +9735,7 @@
         </p:spPr>
         <p:txBody>
           <a:bodyPr anchorCtr="0" anchor="t" bIns="91425" lIns="91425" spcFirstLastPara="1" rIns="91425" wrap="square" tIns="91425">
-            <a:noAutofit/>
+            <a:normAutofit fontScale="90000"/>
           </a:bodyPr>
           <a:lstStyle/>
           <a:p>
@@ -9250,10 +9749,10 @@
               <a:buNone/>
             </a:pPr>
             <a:r>
-              <a:rPr lang="en" sz="2100"/>
-              <a:t>Decision Tree Visualization (Pruned Depth Limit &amp; Trained)</a:t>
+              <a:rPr lang="en"/>
+              <a:t>Hyperparameters for grid and randomized search</a:t>
             </a:r>
-            <a:endParaRPr sz="2100"/>
+            <a:endParaRPr/>
           </a:p>
         </p:txBody>
       </p:sp>
@@ -9273,8 +9772,36 @@
         </p:blipFill>
         <p:spPr>
           <a:xfrm>
-            <a:off x="968800" y="1305125"/>
-            <a:ext cx="7209691" cy="3764974"/>
+            <a:off x="729450" y="1853850"/>
+            <a:ext cx="4624725" cy="2837750"/>
+          </a:xfrm>
+          <a:prstGeom prst="rect">
+            <a:avLst/>
+          </a:prstGeom>
+          <a:noFill/>
+          <a:ln>
+            <a:noFill/>
+          </a:ln>
+        </p:spPr>
+      </p:pic>
+      <p:pic>
+        <p:nvPicPr>
+          <p:cNvPr id="168" name="Google Shape;168;p25"/>
+          <p:cNvPicPr preferRelativeResize="0"/>
+          <p:nvPr/>
+        </p:nvPicPr>
+        <p:blipFill>
+          <a:blip r:embed="rId4">
+            <a:alphaModFix/>
+          </a:blip>
+          <a:stretch>
+            <a:fillRect/>
+          </a:stretch>
+        </p:blipFill>
+        <p:spPr>
+          <a:xfrm>
+            <a:off x="5167800" y="1853850"/>
+            <a:ext cx="3548712" cy="2837749"/>
           </a:xfrm>
           <a:prstGeom prst="rect">
             <a:avLst/>
@@ -9298,7 +9825,7 @@
   <p:cSld>
     <p:spTree>
       <p:nvGrpSpPr>
-        <p:cNvPr id="171" name="Shape 171"/>
+        <p:cNvPr id="172" name="Shape 172"/>
         <p:cNvGrpSpPr/>
         <p:nvPr/>
       </p:nvGrpSpPr>
@@ -9312,7 +9839,7 @@
       </p:grpSpPr>
       <p:sp>
         <p:nvSpPr>
-          <p:cNvPr id="172" name="Google Shape;172;p26"/>
+          <p:cNvPr id="173" name="Google Shape;173;p26"/>
           <p:cNvSpPr txBox="1"/>
           <p:nvPr>
             <p:ph type="title"/>
@@ -9320,7 +9847,7 @@
         </p:nvSpPr>
         <p:spPr>
           <a:xfrm>
-            <a:off x="729450" y="538525"/>
+            <a:off x="729450" y="1318650"/>
             <a:ext cx="7688400" cy="535200"/>
           </a:xfrm>
           <a:prstGeom prst="rect">
@@ -9329,7 +9856,7 @@
         </p:spPr>
         <p:txBody>
           <a:bodyPr anchorCtr="0" anchor="t" bIns="91425" lIns="91425" spcFirstLastPara="1" rIns="91425" wrap="square" tIns="91425">
-            <a:noAutofit/>
+            <a:normAutofit fontScale="90000"/>
           </a:bodyPr>
           <a:lstStyle/>
           <a:p>
@@ -9343,16 +9870,16 @@
               <a:buNone/>
             </a:pPr>
             <a:r>
-              <a:rPr lang="en" sz="2100"/>
-              <a:t>Accuracy of model vs Depth</a:t>
+              <a:rPr lang="en"/>
+              <a:t>Grid Search Optimized Decision Tree</a:t>
             </a:r>
-            <a:endParaRPr sz="2100"/>
+            <a:endParaRPr/>
           </a:p>
         </p:txBody>
       </p:sp>
       <p:pic>
         <p:nvPicPr>
-          <p:cNvPr id="173" name="Google Shape;173;p26"/>
+          <p:cNvPr id="174" name="Google Shape;174;p26"/>
           <p:cNvPicPr preferRelativeResize="0"/>
           <p:nvPr/>
         </p:nvPicPr>
@@ -9366,8 +9893,8 @@
         </p:blipFill>
         <p:spPr>
           <a:xfrm>
-            <a:off x="1119275" y="1378525"/>
-            <a:ext cx="6075899" cy="3640000"/>
+            <a:off x="876150" y="1853850"/>
+            <a:ext cx="4488233" cy="2984850"/>
           </a:xfrm>
           <a:prstGeom prst="rect">
             <a:avLst/>
@@ -9378,6 +9905,106 @@
           </a:ln>
         </p:spPr>
       </p:pic>
+      <p:sp>
+        <p:nvSpPr>
+          <p:cNvPr id="175" name="Google Shape;175;p26"/>
+          <p:cNvSpPr txBox="1"/>
+          <p:nvPr/>
+        </p:nvSpPr>
+        <p:spPr>
+          <a:xfrm>
+            <a:off x="6253275" y="1853850"/>
+            <a:ext cx="2292000" cy="585000"/>
+          </a:xfrm>
+          <a:prstGeom prst="rect">
+            <a:avLst/>
+          </a:prstGeom>
+          <a:noFill/>
+          <a:ln>
+            <a:noFill/>
+          </a:ln>
+        </p:spPr>
+        <p:txBody>
+          <a:bodyPr anchorCtr="0" anchor="t" bIns="91425" lIns="91425" spcFirstLastPara="1" rIns="91425" wrap="square" tIns="91425">
+            <a:spAutoFit/>
+          </a:bodyPr>
+          <a:lstStyle/>
+          <a:p>
+            <a:pPr indent="-311150" lvl="0" marL="457200" rtl="0" algn="l">
+              <a:spcBef>
+                <a:spcPts val="0"/>
+              </a:spcBef>
+              <a:spcAft>
+                <a:spcPts val="0"/>
+              </a:spcAft>
+              <a:buClr>
+                <a:schemeClr val="accent1"/>
+              </a:buClr>
+              <a:buSzPts val="1300"/>
+              <a:buFont typeface="Raleway"/>
+              <a:buChar char="●"/>
+            </a:pPr>
+            <a:r>
+              <a:rPr lang="en" sz="1300">
+                <a:solidFill>
+                  <a:schemeClr val="accent1"/>
+                </a:solidFill>
+                <a:latin typeface="Raleway"/>
+                <a:ea typeface="Raleway"/>
+                <a:cs typeface="Raleway"/>
+                <a:sym typeface="Raleway"/>
+              </a:rPr>
+              <a:t>Accuracy: 83%</a:t>
+            </a:r>
+            <a:endParaRPr sz="1300">
+              <a:solidFill>
+                <a:schemeClr val="accent1"/>
+              </a:solidFill>
+              <a:latin typeface="Raleway"/>
+              <a:ea typeface="Raleway"/>
+              <a:cs typeface="Raleway"/>
+              <a:sym typeface="Raleway"/>
+            </a:endParaRPr>
+          </a:p>
+          <a:p>
+            <a:pPr indent="-311150" lvl="0" marL="457200" rtl="0" algn="l">
+              <a:spcBef>
+                <a:spcPts val="0"/>
+              </a:spcBef>
+              <a:spcAft>
+                <a:spcPts val="0"/>
+              </a:spcAft>
+              <a:buClr>
+                <a:schemeClr val="accent1"/>
+              </a:buClr>
+              <a:buSzPts val="1300"/>
+              <a:buFont typeface="Raleway"/>
+              <a:buChar char="●"/>
+            </a:pPr>
+            <a:r>
+              <a:rPr lang="en" sz="1300">
+                <a:solidFill>
+                  <a:schemeClr val="accent1"/>
+                </a:solidFill>
+                <a:latin typeface="Raleway"/>
+                <a:ea typeface="Raleway"/>
+                <a:cs typeface="Raleway"/>
+                <a:sym typeface="Raleway"/>
+              </a:rPr>
+              <a:t>Depth: 18</a:t>
+            </a:r>
+            <a:endParaRPr sz="1300">
+              <a:solidFill>
+                <a:schemeClr val="accent1"/>
+              </a:solidFill>
+              <a:latin typeface="Raleway"/>
+              <a:ea typeface="Raleway"/>
+              <a:cs typeface="Raleway"/>
+              <a:sym typeface="Raleway"/>
+            </a:endParaRPr>
+          </a:p>
+        </p:txBody>
+      </p:sp>
     </p:spTree>
   </p:cSld>
   <p:clrMapOvr>
@@ -9391,7 +10018,7 @@
   <p:cSld>
     <p:spTree>
       <p:nvGrpSpPr>
-        <p:cNvPr id="177" name="Shape 177"/>
+        <p:cNvPr id="179" name="Shape 179"/>
         <p:cNvGrpSpPr/>
         <p:nvPr/>
       </p:nvGrpSpPr>
@@ -9405,7 +10032,7 @@
       </p:grpSpPr>
       <p:sp>
         <p:nvSpPr>
-          <p:cNvPr id="178" name="Google Shape;178;p27"/>
+          <p:cNvPr id="180" name="Google Shape;180;p27"/>
           <p:cNvSpPr txBox="1"/>
           <p:nvPr>
             <p:ph type="title"/>
@@ -9413,8 +10040,8 @@
         </p:nvSpPr>
         <p:spPr>
           <a:xfrm>
-            <a:off x="727650" y="535925"/>
-            <a:ext cx="7688700" cy="535200"/>
+            <a:off x="727800" y="601150"/>
+            <a:ext cx="7688400" cy="535200"/>
           </a:xfrm>
           <a:prstGeom prst="rect">
             <a:avLst/>
@@ -9437,103 +10064,68 @@
             </a:pPr>
             <a:r>
               <a:rPr lang="en"/>
-              <a:t>Explanation of Decision Tree or Explanation of Code</a:t>
+              <a:t>Max_feature restriction and ccp_alpha optimization</a:t>
             </a:r>
             <a:endParaRPr/>
           </a:p>
         </p:txBody>
       </p:sp>
-      <p:sp>
-        <p:nvSpPr>
-          <p:cNvPr id="179" name="Google Shape;179;p27"/>
-          <p:cNvSpPr txBox="1"/>
-          <p:nvPr>
-            <p:ph idx="1" type="body"/>
-          </p:nvPr>
-        </p:nvSpPr>
-        <p:spPr>
-          <a:xfrm>
-            <a:off x="729450" y="1556100"/>
-            <a:ext cx="7688700" cy="2784000"/>
+      <p:pic>
+        <p:nvPicPr>
+          <p:cNvPr id="181" name="Google Shape;181;p27"/>
+          <p:cNvPicPr preferRelativeResize="0"/>
+          <p:nvPr/>
+        </p:nvPicPr>
+        <p:blipFill>
+          <a:blip r:embed="rId3">
+            <a:alphaModFix/>
+          </a:blip>
+          <a:stretch>
+            <a:fillRect/>
+          </a:stretch>
+        </p:blipFill>
+        <p:spPr>
+          <a:xfrm>
+            <a:off x="147575" y="1274275"/>
+            <a:ext cx="4133825" cy="1533900"/>
           </a:xfrm>
           <a:prstGeom prst="rect">
             <a:avLst/>
           </a:prstGeom>
-        </p:spPr>
-        <p:txBody>
-          <a:bodyPr anchorCtr="0" anchor="t" bIns="91425" lIns="91425" spcFirstLastPara="1" rIns="91425" wrap="square" tIns="91425">
-            <a:normAutofit/>
-          </a:bodyPr>
-          <a:lstStyle/>
-          <a:p>
-            <a:pPr indent="0" lvl="0" marL="0" rtl="0" algn="l">
-              <a:spcBef>
-                <a:spcPts val="0"/>
-              </a:spcBef>
-              <a:spcAft>
-                <a:spcPts val="0"/>
-              </a:spcAft>
-              <a:buNone/>
-            </a:pPr>
-            <a:r>
-              <a:rPr lang="en" sz="1800"/>
-              <a:t>Three main techniques to refine our decision tree classifier:</a:t>
-            </a:r>
-            <a:endParaRPr sz="1800"/>
-          </a:p>
-          <a:p>
-            <a:pPr indent="-342900" lvl="0" marL="457200" rtl="0" algn="l">
-              <a:spcBef>
-                <a:spcPts val="1200"/>
-              </a:spcBef>
-              <a:spcAft>
-                <a:spcPts val="0"/>
-              </a:spcAft>
-              <a:buSzPts val="1800"/>
-              <a:buChar char="●"/>
-            </a:pPr>
-            <a:r>
-              <a:rPr lang="en" sz="1800"/>
-              <a:t>GridSearchCV</a:t>
-            </a:r>
-            <a:endParaRPr sz="1800"/>
-          </a:p>
-          <a:p>
-            <a:pPr indent="-342900" lvl="0" marL="457200" rtl="0" algn="l">
-              <a:spcBef>
-                <a:spcPts val="0"/>
-              </a:spcBef>
-              <a:spcAft>
-                <a:spcPts val="0"/>
-              </a:spcAft>
-              <a:buSzPts val="1800"/>
-              <a:buChar char="●"/>
-            </a:pPr>
-            <a:r>
-              <a:rPr lang="en" sz="1800"/>
-              <a:t>ccp_alpha value optimization</a:t>
-            </a:r>
-            <a:endParaRPr sz="1800"/>
-          </a:p>
-          <a:p>
-            <a:pPr indent="-342900" lvl="0" marL="457200" rtl="0" algn="l">
-              <a:spcBef>
-                <a:spcPts val="0"/>
-              </a:spcBef>
-              <a:spcAft>
-                <a:spcPts val="0"/>
-              </a:spcAft>
-              <a:buSzPts val="1800"/>
-              <a:buChar char="●"/>
-            </a:pPr>
-            <a:r>
-              <a:rPr lang="en" sz="1800"/>
-              <a:t>max_depth value optimization</a:t>
-            </a:r>
-            <a:endParaRPr sz="1800"/>
-          </a:p>
-        </p:txBody>
-      </p:sp>
+          <a:noFill/>
+          <a:ln>
+            <a:noFill/>
+          </a:ln>
+        </p:spPr>
+      </p:pic>
+      <p:pic>
+        <p:nvPicPr>
+          <p:cNvPr id="182" name="Google Shape;182;p27"/>
+          <p:cNvPicPr preferRelativeResize="0"/>
+          <p:nvPr/>
+        </p:nvPicPr>
+        <p:blipFill>
+          <a:blip r:embed="rId4">
+            <a:alphaModFix/>
+          </a:blip>
+          <a:stretch>
+            <a:fillRect/>
+          </a:stretch>
+        </p:blipFill>
+        <p:spPr>
+          <a:xfrm>
+            <a:off x="4433800" y="1288750"/>
+            <a:ext cx="4557800" cy="2946946"/>
+          </a:xfrm>
+          <a:prstGeom prst="rect">
+            <a:avLst/>
+          </a:prstGeom>
+          <a:noFill/>
+          <a:ln>
+            <a:noFill/>
+          </a:ln>
+        </p:spPr>
+      </p:pic>
     </p:spTree>
   </p:cSld>
   <p:clrMapOvr>
@@ -9547,7 +10139,7 @@
   <p:cSld>
     <p:spTree>
       <p:nvGrpSpPr>
-        <p:cNvPr id="183" name="Shape 183"/>
+        <p:cNvPr id="186" name="Shape 186"/>
         <p:cNvGrpSpPr/>
         <p:nvPr/>
       </p:nvGrpSpPr>
@@ -9561,7 +10153,7 @@
       </p:grpSpPr>
       <p:sp>
         <p:nvSpPr>
-          <p:cNvPr id="184" name="Google Shape;184;p28"/>
+          <p:cNvPr id="187" name="Google Shape;187;p28"/>
           <p:cNvSpPr txBox="1"/>
           <p:nvPr>
             <p:ph type="title"/>
@@ -9569,8 +10161,8 @@
         </p:nvSpPr>
         <p:spPr>
           <a:xfrm>
-            <a:off x="727650" y="591850"/>
-            <a:ext cx="7688700" cy="535200"/>
+            <a:off x="729450" y="1318650"/>
+            <a:ext cx="7688400" cy="535200"/>
           </a:xfrm>
           <a:prstGeom prst="rect">
             <a:avLst/>
@@ -9593,65 +10185,137 @@
             </a:pPr>
             <a:r>
               <a:rPr lang="en"/>
-              <a:t>Alternative Project Ideas?</a:t>
+              <a:t>Pruned and Optimized ccp_alpha Tree</a:t>
             </a:r>
             <a:endParaRPr/>
           </a:p>
         </p:txBody>
       </p:sp>
-      <p:sp>
-        <p:nvSpPr>
-          <p:cNvPr id="185" name="Google Shape;185;p28"/>
-          <p:cNvSpPr txBox="1"/>
-          <p:nvPr>
-            <p:ph idx="1" type="body"/>
-          </p:nvPr>
-        </p:nvSpPr>
-        <p:spPr>
-          <a:xfrm>
-            <a:off x="727650" y="1546775"/>
-            <a:ext cx="7688700" cy="2860500"/>
+      <p:pic>
+        <p:nvPicPr>
+          <p:cNvPr id="188" name="Google Shape;188;p28"/>
+          <p:cNvPicPr preferRelativeResize="0"/>
+          <p:nvPr/>
+        </p:nvPicPr>
+        <p:blipFill>
+          <a:blip r:embed="rId3">
+            <a:alphaModFix/>
+          </a:blip>
+          <a:stretch>
+            <a:fillRect/>
+          </a:stretch>
+        </p:blipFill>
+        <p:spPr>
+          <a:xfrm>
+            <a:off x="729450" y="1977300"/>
+            <a:ext cx="5969700" cy="2984850"/>
           </a:xfrm>
           <a:prstGeom prst="rect">
             <a:avLst/>
           </a:prstGeom>
+          <a:noFill/>
+          <a:ln>
+            <a:noFill/>
+          </a:ln>
+        </p:spPr>
+      </p:pic>
+      <p:sp>
+        <p:nvSpPr>
+          <p:cNvPr id="189" name="Google Shape;189;p28"/>
+          <p:cNvSpPr txBox="1"/>
+          <p:nvPr/>
+        </p:nvSpPr>
+        <p:spPr>
+          <a:xfrm>
+            <a:off x="7025275" y="2036175"/>
+            <a:ext cx="1848000" cy="1061400"/>
+          </a:xfrm>
+          <a:prstGeom prst="rect">
+            <a:avLst/>
+          </a:prstGeom>
+          <a:noFill/>
+          <a:ln>
+            <a:noFill/>
+          </a:ln>
         </p:spPr>
         <p:txBody>
           <a:bodyPr anchorCtr="0" anchor="t" bIns="91425" lIns="91425" spcFirstLastPara="1" rIns="91425" wrap="square" tIns="91425">
-            <a:normAutofit/>
+            <a:noAutofit/>
           </a:bodyPr>
           <a:lstStyle/>
           <a:p>
-            <a:pPr indent="0" lvl="0" marL="0" rtl="0" algn="l">
-              <a:spcBef>
-                <a:spcPts val="0"/>
-              </a:spcBef>
-              <a:spcAft>
-                <a:spcPts val="0"/>
-              </a:spcAft>
-              <a:buNone/>
+            <a:pPr indent="-311150" lvl="0" marL="457200" rtl="0" algn="l">
+              <a:spcBef>
+                <a:spcPts val="0"/>
+              </a:spcBef>
+              <a:spcAft>
+                <a:spcPts val="0"/>
+              </a:spcAft>
+              <a:buClr>
+                <a:schemeClr val="accent1"/>
+              </a:buClr>
+              <a:buSzPts val="1300"/>
+              <a:buFont typeface="Raleway"/>
+              <a:buChar char="●"/>
             </a:pPr>
             <a:r>
-              <a:rPr lang="en"/>
-              <a:t>Places or companies that would find this information useful?</a:t>
+              <a:rPr lang="en" sz="1300">
+                <a:solidFill>
+                  <a:schemeClr val="accent1"/>
+                </a:solidFill>
+                <a:latin typeface="Raleway"/>
+                <a:ea typeface="Raleway"/>
+                <a:cs typeface="Raleway"/>
+                <a:sym typeface="Raleway"/>
+              </a:rPr>
+              <a:t>Accuracy: 80%</a:t>
             </a:r>
-            <a:endParaRPr/>
+            <a:endParaRPr sz="1300">
+              <a:solidFill>
+                <a:schemeClr val="accent1"/>
+              </a:solidFill>
+              <a:latin typeface="Raleway"/>
+              <a:ea typeface="Raleway"/>
+              <a:cs typeface="Raleway"/>
+              <a:sym typeface="Raleway"/>
+            </a:endParaRPr>
           </a:p>
           <a:p>
-            <a:pPr indent="0" lvl="0" marL="0" rtl="0" algn="l">
-              <a:spcBef>
-                <a:spcPts val="1200"/>
-              </a:spcBef>
-              <a:spcAft>
-                <a:spcPts val="1200"/>
-              </a:spcAft>
-              <a:buNone/>
+            <a:pPr indent="-311150" lvl="0" marL="457200" rtl="0" algn="l">
+              <a:spcBef>
+                <a:spcPts val="0"/>
+              </a:spcBef>
+              <a:spcAft>
+                <a:spcPts val="0"/>
+              </a:spcAft>
+              <a:buClr>
+                <a:schemeClr val="accent1"/>
+              </a:buClr>
+              <a:buSzPts val="1300"/>
+              <a:buFont typeface="Raleway"/>
+              <a:buChar char="●"/>
             </a:pPr>
             <a:r>
-              <a:rPr lang="en"/>
-              <a:t>Applications for this type of project?</a:t>
+              <a:rPr lang="en" sz="1300">
+                <a:solidFill>
+                  <a:schemeClr val="accent1"/>
+                </a:solidFill>
+                <a:latin typeface="Raleway"/>
+                <a:ea typeface="Raleway"/>
+                <a:cs typeface="Raleway"/>
+                <a:sym typeface="Raleway"/>
+              </a:rPr>
+              <a:t>Max_depth: 18</a:t>
             </a:r>
-            <a:endParaRPr/>
+            <a:endParaRPr sz="1300">
+              <a:solidFill>
+                <a:schemeClr val="accent1"/>
+              </a:solidFill>
+              <a:latin typeface="Raleway"/>
+              <a:ea typeface="Raleway"/>
+              <a:cs typeface="Raleway"/>
+              <a:sym typeface="Raleway"/>
+            </a:endParaRPr>
           </a:p>
         </p:txBody>
       </p:sp>
@@ -9668,7 +10332,7 @@
   <p:cSld>
     <p:spTree>
       <p:nvGrpSpPr>
-        <p:cNvPr id="189" name="Shape 189"/>
+        <p:cNvPr id="193" name="Shape 193"/>
         <p:cNvGrpSpPr/>
         <p:nvPr/>
       </p:nvGrpSpPr>
@@ -9682,7 +10346,7 @@
       </p:grpSpPr>
       <p:sp>
         <p:nvSpPr>
-          <p:cNvPr id="190" name="Google Shape;190;p29"/>
+          <p:cNvPr id="194" name="Google Shape;194;p29"/>
           <p:cNvSpPr txBox="1"/>
           <p:nvPr>
             <p:ph type="title"/>
@@ -9690,8 +10354,272 @@
         </p:nvSpPr>
         <p:spPr>
           <a:xfrm>
-            <a:off x="727650" y="526625"/>
-            <a:ext cx="7688700" cy="535200"/>
+            <a:off x="729450" y="538525"/>
+            <a:ext cx="7688400" cy="535200"/>
+          </a:xfrm>
+          <a:prstGeom prst="rect">
+            <a:avLst/>
+          </a:prstGeom>
+        </p:spPr>
+        <p:txBody>
+          <a:bodyPr anchorCtr="0" anchor="t" bIns="91425" lIns="91425" spcFirstLastPara="1" rIns="91425" wrap="square" tIns="91425">
+            <a:noAutofit/>
+          </a:bodyPr>
+          <a:lstStyle/>
+          <a:p>
+            <a:pPr indent="0" lvl="0" marL="0" rtl="0" algn="l">
+              <a:spcBef>
+                <a:spcPts val="0"/>
+              </a:spcBef>
+              <a:spcAft>
+                <a:spcPts val="0"/>
+              </a:spcAft>
+              <a:buNone/>
+            </a:pPr>
+            <a:r>
+              <a:rPr lang="en" sz="2100"/>
+              <a:t>Accuracy of model vs Depth</a:t>
+            </a:r>
+            <a:endParaRPr sz="2100"/>
+          </a:p>
+        </p:txBody>
+      </p:sp>
+      <p:pic>
+        <p:nvPicPr>
+          <p:cNvPr id="195" name="Google Shape;195;p29"/>
+          <p:cNvPicPr preferRelativeResize="0"/>
+          <p:nvPr/>
+        </p:nvPicPr>
+        <p:blipFill>
+          <a:blip r:embed="rId3">
+            <a:alphaModFix/>
+          </a:blip>
+          <a:stretch>
+            <a:fillRect/>
+          </a:stretch>
+        </p:blipFill>
+        <p:spPr>
+          <a:xfrm>
+            <a:off x="1119275" y="1378525"/>
+            <a:ext cx="6075899" cy="3640000"/>
+          </a:xfrm>
+          <a:prstGeom prst="rect">
+            <a:avLst/>
+          </a:prstGeom>
+          <a:noFill/>
+          <a:ln>
+            <a:noFill/>
+          </a:ln>
+        </p:spPr>
+      </p:pic>
+      <p:sp>
+        <p:nvSpPr>
+          <p:cNvPr id="196" name="Google Shape;196;p29"/>
+          <p:cNvSpPr/>
+          <p:nvPr/>
+        </p:nvSpPr>
+        <p:spPr>
+          <a:xfrm>
+            <a:off x="2316750" y="3114675"/>
+            <a:ext cx="189300" cy="167700"/>
+          </a:xfrm>
+          <a:prstGeom prst="rightArrow">
+            <a:avLst>
+              <a:gd fmla="val 50000" name="adj1"/>
+              <a:gd fmla="val 50000" name="adj2"/>
+            </a:avLst>
+          </a:prstGeom>
+          <a:solidFill>
+            <a:schemeClr val="lt2"/>
+          </a:solidFill>
+          <a:ln cap="flat" cmpd="sng" w="9525">
+            <a:solidFill>
+              <a:schemeClr val="dk2"/>
+            </a:solidFill>
+            <a:prstDash val="solid"/>
+            <a:round/>
+            <a:headEnd len="sm" w="sm" type="none"/>
+            <a:tailEnd len="sm" w="sm" type="none"/>
+          </a:ln>
+        </p:spPr>
+        <p:txBody>
+          <a:bodyPr anchorCtr="0" anchor="ctr" bIns="91425" lIns="91425" spcFirstLastPara="1" rIns="91425" wrap="square" tIns="91425">
+            <a:noAutofit/>
+          </a:bodyPr>
+          <a:lstStyle/>
+          <a:p>
+            <a:pPr indent="0" lvl="0" marL="0" rtl="0" algn="ctr">
+              <a:spcBef>
+                <a:spcPts val="0"/>
+              </a:spcBef>
+              <a:spcAft>
+                <a:spcPts val="0"/>
+              </a:spcAft>
+              <a:buNone/>
+            </a:pPr>
+            <a:r>
+              <a:t/>
+            </a:r>
+            <a:endParaRPr>
+              <a:latin typeface="Lato"/>
+              <a:ea typeface="Lato"/>
+              <a:cs typeface="Lato"/>
+              <a:sym typeface="Lato"/>
+            </a:endParaRPr>
+          </a:p>
+        </p:txBody>
+      </p:sp>
+      <p:sp>
+        <p:nvSpPr>
+          <p:cNvPr id="197" name="Google Shape;197;p29"/>
+          <p:cNvSpPr/>
+          <p:nvPr/>
+        </p:nvSpPr>
+        <p:spPr>
+          <a:xfrm>
+            <a:off x="3831525" y="2851800"/>
+            <a:ext cx="189300" cy="167700"/>
+          </a:xfrm>
+          <a:prstGeom prst="rightArrow">
+            <a:avLst>
+              <a:gd fmla="val 50000" name="adj1"/>
+              <a:gd fmla="val 50000" name="adj2"/>
+            </a:avLst>
+          </a:prstGeom>
+          <a:solidFill>
+            <a:schemeClr val="lt2"/>
+          </a:solidFill>
+          <a:ln cap="flat" cmpd="sng" w="9525">
+            <a:solidFill>
+              <a:schemeClr val="dk2"/>
+            </a:solidFill>
+            <a:prstDash val="solid"/>
+            <a:round/>
+            <a:headEnd len="sm" w="sm" type="none"/>
+            <a:tailEnd len="sm" w="sm" type="none"/>
+          </a:ln>
+        </p:spPr>
+        <p:txBody>
+          <a:bodyPr anchorCtr="0" anchor="ctr" bIns="91425" lIns="91425" spcFirstLastPara="1" rIns="91425" wrap="square" tIns="91425">
+            <a:noAutofit/>
+          </a:bodyPr>
+          <a:lstStyle/>
+          <a:p>
+            <a:pPr indent="0" lvl="0" marL="0" rtl="0" algn="ctr">
+              <a:spcBef>
+                <a:spcPts val="0"/>
+              </a:spcBef>
+              <a:spcAft>
+                <a:spcPts val="0"/>
+              </a:spcAft>
+              <a:buNone/>
+            </a:pPr>
+            <a:r>
+              <a:t/>
+            </a:r>
+            <a:endParaRPr>
+              <a:latin typeface="Lato"/>
+              <a:ea typeface="Lato"/>
+              <a:cs typeface="Lato"/>
+              <a:sym typeface="Lato"/>
+            </a:endParaRPr>
+          </a:p>
+        </p:txBody>
+      </p:sp>
+      <p:sp>
+        <p:nvSpPr>
+          <p:cNvPr id="198" name="Google Shape;198;p29"/>
+          <p:cNvSpPr/>
+          <p:nvPr/>
+        </p:nvSpPr>
+        <p:spPr>
+          <a:xfrm>
+            <a:off x="4311775" y="2571750"/>
+            <a:ext cx="189300" cy="167700"/>
+          </a:xfrm>
+          <a:prstGeom prst="rightArrow">
+            <a:avLst>
+              <a:gd fmla="val 50000" name="adj1"/>
+              <a:gd fmla="val 50000" name="adj2"/>
+            </a:avLst>
+          </a:prstGeom>
+          <a:solidFill>
+            <a:schemeClr val="lt2"/>
+          </a:solidFill>
+          <a:ln cap="flat" cmpd="sng" w="9525">
+            <a:solidFill>
+              <a:schemeClr val="dk2"/>
+            </a:solidFill>
+            <a:prstDash val="solid"/>
+            <a:round/>
+            <a:headEnd len="sm" w="sm" type="none"/>
+            <a:tailEnd len="sm" w="sm" type="none"/>
+          </a:ln>
+        </p:spPr>
+        <p:txBody>
+          <a:bodyPr anchorCtr="0" anchor="ctr" bIns="91425" lIns="91425" spcFirstLastPara="1" rIns="91425" wrap="square" tIns="91425">
+            <a:noAutofit/>
+          </a:bodyPr>
+          <a:lstStyle/>
+          <a:p>
+            <a:pPr indent="0" lvl="0" marL="0" rtl="0" algn="ctr">
+              <a:spcBef>
+                <a:spcPts val="0"/>
+              </a:spcBef>
+              <a:spcAft>
+                <a:spcPts val="0"/>
+              </a:spcAft>
+              <a:buNone/>
+            </a:pPr>
+            <a:r>
+              <a:t/>
+            </a:r>
+            <a:endParaRPr>
+              <a:latin typeface="Lato"/>
+              <a:ea typeface="Lato"/>
+              <a:cs typeface="Lato"/>
+              <a:sym typeface="Lato"/>
+            </a:endParaRPr>
+          </a:p>
+        </p:txBody>
+      </p:sp>
+    </p:spTree>
+  </p:cSld>
+  <p:clrMapOvr>
+    <a:masterClrMapping/>
+  </p:clrMapOvr>
+</p:sld>
+</file>
+
+<file path=ppt/slides/slide18.xml><?xml version="1.0" encoding="utf-8"?>
+<p:sld xmlns:a="http://schemas.openxmlformats.org/drawingml/2006/main" xmlns:r="http://schemas.openxmlformats.org/officeDocument/2006/relationships" xmlns:mc="http://schemas.openxmlformats.org/markup-compatibility/2006" xmlns:mv="urn:schemas-microsoft-com:mac:vml" xmlns:p="http://schemas.openxmlformats.org/presentationml/2006/main" xmlns:c="http://schemas.openxmlformats.org/drawingml/2006/chart" xmlns:dgm="http://schemas.openxmlformats.org/drawingml/2006/diagram" xmlns:o="urn:schemas-microsoft-com:office:office" xmlns:v="urn:schemas-microsoft-com:vml" xmlns:pvml="urn:schemas-microsoft-com:office:powerpoint" xmlns:com="http://schemas.openxmlformats.org/drawingml/2006/compatibility" xmlns:p14="http://schemas.microsoft.com/office/powerpoint/2010/main" xmlns:p15="http://schemas.microsoft.com/office/powerpoint/2012/main" xmlns:ahyp="http://schemas.microsoft.com/office/drawing/2018/hyperlinkcolor">
+  <p:cSld>
+    <p:spTree>
+      <p:nvGrpSpPr>
+        <p:cNvPr id="202" name="Shape 202"/>
+        <p:cNvGrpSpPr/>
+        <p:nvPr/>
+      </p:nvGrpSpPr>
+      <p:grpSpPr>
+        <a:xfrm>
+          <a:off x="0" y="0"/>
+          <a:ext cx="0" cy="0"/>
+          <a:chOff x="0" y="0"/>
+          <a:chExt cx="0" cy="0"/>
+        </a:xfrm>
+      </p:grpSpPr>
+      <p:sp>
+        <p:nvSpPr>
+          <p:cNvPr id="203" name="Google Shape;203;p30"/>
+          <p:cNvSpPr txBox="1"/>
+          <p:nvPr>
+            <p:ph type="title"/>
+          </p:nvPr>
+        </p:nvSpPr>
+        <p:spPr>
+          <a:xfrm>
+            <a:off x="729450" y="1318650"/>
+            <a:ext cx="7688400" cy="535200"/>
           </a:xfrm>
           <a:prstGeom prst="rect">
             <a:avLst/>
@@ -9714,7 +10642,426 @@
             </a:pPr>
             <a:r>
               <a:rPr lang="en"/>
-              <a:t>Conclusion</a:t>
+              <a:t>Comparison of different max_depth trees</a:t>
+            </a:r>
+            <a:endParaRPr/>
+          </a:p>
+        </p:txBody>
+      </p:sp>
+      <p:pic>
+        <p:nvPicPr>
+          <p:cNvPr id="204" name="Google Shape;204;p30"/>
+          <p:cNvPicPr preferRelativeResize="0"/>
+          <p:nvPr/>
+        </p:nvPicPr>
+        <p:blipFill>
+          <a:blip r:embed="rId3">
+            <a:alphaModFix/>
+          </a:blip>
+          <a:stretch>
+            <a:fillRect/>
+          </a:stretch>
+        </p:blipFill>
+        <p:spPr>
+          <a:xfrm>
+            <a:off x="729450" y="1853850"/>
+            <a:ext cx="2515251" cy="1257626"/>
+          </a:xfrm>
+          <a:prstGeom prst="rect">
+            <a:avLst/>
+          </a:prstGeom>
+          <a:noFill/>
+          <a:ln>
+            <a:noFill/>
+          </a:ln>
+        </p:spPr>
+      </p:pic>
+      <p:pic>
+        <p:nvPicPr>
+          <p:cNvPr id="205" name="Google Shape;205;p30"/>
+          <p:cNvPicPr preferRelativeResize="0"/>
+          <p:nvPr/>
+        </p:nvPicPr>
+        <p:blipFill>
+          <a:blip r:embed="rId4">
+            <a:alphaModFix/>
+          </a:blip>
+          <a:stretch>
+            <a:fillRect/>
+          </a:stretch>
+        </p:blipFill>
+        <p:spPr>
+          <a:xfrm>
+            <a:off x="3244700" y="1853850"/>
+            <a:ext cx="2515251" cy="1257626"/>
+          </a:xfrm>
+          <a:prstGeom prst="rect">
+            <a:avLst/>
+          </a:prstGeom>
+          <a:noFill/>
+          <a:ln>
+            <a:noFill/>
+          </a:ln>
+        </p:spPr>
+      </p:pic>
+      <p:pic>
+        <p:nvPicPr>
+          <p:cNvPr id="206" name="Google Shape;206;p30"/>
+          <p:cNvPicPr preferRelativeResize="0"/>
+          <p:nvPr/>
+        </p:nvPicPr>
+        <p:blipFill>
+          <a:blip r:embed="rId5">
+            <a:alphaModFix/>
+          </a:blip>
+          <a:stretch>
+            <a:fillRect/>
+          </a:stretch>
+        </p:blipFill>
+        <p:spPr>
+          <a:xfrm>
+            <a:off x="5759950" y="1759449"/>
+            <a:ext cx="2704051" cy="1352026"/>
+          </a:xfrm>
+          <a:prstGeom prst="rect">
+            <a:avLst/>
+          </a:prstGeom>
+          <a:noFill/>
+          <a:ln>
+            <a:noFill/>
+          </a:ln>
+        </p:spPr>
+      </p:pic>
+      <p:sp>
+        <p:nvSpPr>
+          <p:cNvPr id="207" name="Google Shape;207;p30"/>
+          <p:cNvSpPr txBox="1"/>
+          <p:nvPr/>
+        </p:nvSpPr>
+        <p:spPr>
+          <a:xfrm>
+            <a:off x="1121975" y="3198300"/>
+            <a:ext cx="1544400" cy="284100"/>
+          </a:xfrm>
+          <a:prstGeom prst="rect">
+            <a:avLst/>
+          </a:prstGeom>
+          <a:noFill/>
+          <a:ln>
+            <a:noFill/>
+          </a:ln>
+        </p:spPr>
+        <p:txBody>
+          <a:bodyPr anchorCtr="0" anchor="t" bIns="91425" lIns="91425" spcFirstLastPara="1" rIns="91425" wrap="square" tIns="91425">
+            <a:noAutofit/>
+          </a:bodyPr>
+          <a:lstStyle/>
+          <a:p>
+            <a:pPr indent="0" lvl="0" marL="0" rtl="0" algn="l">
+              <a:spcBef>
+                <a:spcPts val="0"/>
+              </a:spcBef>
+              <a:spcAft>
+                <a:spcPts val="0"/>
+              </a:spcAft>
+              <a:buNone/>
+            </a:pPr>
+            <a:r>
+              <a:rPr lang="en" sz="1300">
+                <a:solidFill>
+                  <a:schemeClr val="accent1"/>
+                </a:solidFill>
+                <a:latin typeface="Raleway"/>
+                <a:ea typeface="Raleway"/>
+                <a:cs typeface="Raleway"/>
+                <a:sym typeface="Raleway"/>
+              </a:rPr>
+              <a:t>Accuracy: 71%</a:t>
+            </a:r>
+            <a:endParaRPr sz="1300">
+              <a:solidFill>
+                <a:schemeClr val="accent1"/>
+              </a:solidFill>
+              <a:latin typeface="Raleway"/>
+              <a:ea typeface="Raleway"/>
+              <a:cs typeface="Raleway"/>
+              <a:sym typeface="Raleway"/>
+            </a:endParaRPr>
+          </a:p>
+          <a:p>
+            <a:pPr indent="0" lvl="0" marL="0" rtl="0" algn="l">
+              <a:spcBef>
+                <a:spcPts val="0"/>
+              </a:spcBef>
+              <a:spcAft>
+                <a:spcPts val="0"/>
+              </a:spcAft>
+              <a:buNone/>
+            </a:pPr>
+            <a:r>
+              <a:rPr lang="en" sz="1300">
+                <a:solidFill>
+                  <a:schemeClr val="accent1"/>
+                </a:solidFill>
+                <a:latin typeface="Raleway"/>
+                <a:ea typeface="Raleway"/>
+                <a:cs typeface="Raleway"/>
+                <a:sym typeface="Raleway"/>
+              </a:rPr>
+              <a:t>Max_depth: 4</a:t>
+            </a:r>
+            <a:endParaRPr sz="1300">
+              <a:solidFill>
+                <a:schemeClr val="accent1"/>
+              </a:solidFill>
+              <a:latin typeface="Raleway"/>
+              <a:ea typeface="Raleway"/>
+              <a:cs typeface="Raleway"/>
+              <a:sym typeface="Raleway"/>
+            </a:endParaRPr>
+          </a:p>
+        </p:txBody>
+      </p:sp>
+      <p:sp>
+        <p:nvSpPr>
+          <p:cNvPr id="208" name="Google Shape;208;p30"/>
+          <p:cNvSpPr txBox="1"/>
+          <p:nvPr/>
+        </p:nvSpPr>
+        <p:spPr>
+          <a:xfrm>
+            <a:off x="3801450" y="3198300"/>
+            <a:ext cx="1544400" cy="284100"/>
+          </a:xfrm>
+          <a:prstGeom prst="rect">
+            <a:avLst/>
+          </a:prstGeom>
+          <a:noFill/>
+          <a:ln>
+            <a:noFill/>
+          </a:ln>
+        </p:spPr>
+        <p:txBody>
+          <a:bodyPr anchorCtr="0" anchor="t" bIns="91425" lIns="91425" spcFirstLastPara="1" rIns="91425" wrap="square" tIns="91425">
+            <a:noAutofit/>
+          </a:bodyPr>
+          <a:lstStyle/>
+          <a:p>
+            <a:pPr indent="0" lvl="0" marL="0" rtl="0" algn="l">
+              <a:spcBef>
+                <a:spcPts val="0"/>
+              </a:spcBef>
+              <a:spcAft>
+                <a:spcPts val="0"/>
+              </a:spcAft>
+              <a:buNone/>
+            </a:pPr>
+            <a:r>
+              <a:rPr lang="en" sz="1300">
+                <a:solidFill>
+                  <a:schemeClr val="accent1"/>
+                </a:solidFill>
+                <a:latin typeface="Raleway"/>
+                <a:ea typeface="Raleway"/>
+                <a:cs typeface="Raleway"/>
+                <a:sym typeface="Raleway"/>
+              </a:rPr>
+              <a:t>Accuracy: 75%</a:t>
+            </a:r>
+            <a:endParaRPr sz="1300">
+              <a:solidFill>
+                <a:schemeClr val="accent1"/>
+              </a:solidFill>
+              <a:latin typeface="Raleway"/>
+              <a:ea typeface="Raleway"/>
+              <a:cs typeface="Raleway"/>
+              <a:sym typeface="Raleway"/>
+            </a:endParaRPr>
+          </a:p>
+          <a:p>
+            <a:pPr indent="0" lvl="0" marL="0" rtl="0" algn="l">
+              <a:spcBef>
+                <a:spcPts val="0"/>
+              </a:spcBef>
+              <a:spcAft>
+                <a:spcPts val="0"/>
+              </a:spcAft>
+              <a:buNone/>
+            </a:pPr>
+            <a:r>
+              <a:rPr lang="en" sz="1300">
+                <a:solidFill>
+                  <a:schemeClr val="accent1"/>
+                </a:solidFill>
+                <a:latin typeface="Raleway"/>
+                <a:ea typeface="Raleway"/>
+                <a:cs typeface="Raleway"/>
+                <a:sym typeface="Raleway"/>
+              </a:rPr>
+              <a:t>Max_depth: 10</a:t>
+            </a:r>
+            <a:endParaRPr sz="1300">
+              <a:solidFill>
+                <a:schemeClr val="accent1"/>
+              </a:solidFill>
+              <a:latin typeface="Raleway"/>
+              <a:ea typeface="Raleway"/>
+              <a:cs typeface="Raleway"/>
+              <a:sym typeface="Raleway"/>
+            </a:endParaRPr>
+          </a:p>
+        </p:txBody>
+      </p:sp>
+      <p:sp>
+        <p:nvSpPr>
+          <p:cNvPr id="209" name="Google Shape;209;p30"/>
+          <p:cNvSpPr txBox="1"/>
+          <p:nvPr/>
+        </p:nvSpPr>
+        <p:spPr>
+          <a:xfrm>
+            <a:off x="6339775" y="3198300"/>
+            <a:ext cx="1544400" cy="284100"/>
+          </a:xfrm>
+          <a:prstGeom prst="rect">
+            <a:avLst/>
+          </a:prstGeom>
+          <a:noFill/>
+          <a:ln>
+            <a:noFill/>
+          </a:ln>
+        </p:spPr>
+        <p:txBody>
+          <a:bodyPr anchorCtr="0" anchor="t" bIns="91425" lIns="91425" spcFirstLastPara="1" rIns="91425" wrap="square" tIns="91425">
+            <a:noAutofit/>
+          </a:bodyPr>
+          <a:lstStyle/>
+          <a:p>
+            <a:pPr indent="0" lvl="0" marL="0" rtl="0" algn="l">
+              <a:spcBef>
+                <a:spcPts val="0"/>
+              </a:spcBef>
+              <a:spcAft>
+                <a:spcPts val="0"/>
+              </a:spcAft>
+              <a:buNone/>
+            </a:pPr>
+            <a:r>
+              <a:rPr lang="en" sz="1300">
+                <a:solidFill>
+                  <a:schemeClr val="accent1"/>
+                </a:solidFill>
+                <a:latin typeface="Raleway"/>
+                <a:ea typeface="Raleway"/>
+                <a:cs typeface="Raleway"/>
+                <a:sym typeface="Raleway"/>
+              </a:rPr>
+              <a:t>Accuracy: 78%</a:t>
+            </a:r>
+            <a:endParaRPr sz="1300">
+              <a:solidFill>
+                <a:schemeClr val="accent1"/>
+              </a:solidFill>
+              <a:latin typeface="Raleway"/>
+              <a:ea typeface="Raleway"/>
+              <a:cs typeface="Raleway"/>
+              <a:sym typeface="Raleway"/>
+            </a:endParaRPr>
+          </a:p>
+          <a:p>
+            <a:pPr indent="0" lvl="0" marL="0" rtl="0" algn="l">
+              <a:spcBef>
+                <a:spcPts val="0"/>
+              </a:spcBef>
+              <a:spcAft>
+                <a:spcPts val="0"/>
+              </a:spcAft>
+              <a:buNone/>
+            </a:pPr>
+            <a:r>
+              <a:rPr lang="en" sz="1300">
+                <a:solidFill>
+                  <a:schemeClr val="accent1"/>
+                </a:solidFill>
+                <a:latin typeface="Raleway"/>
+                <a:ea typeface="Raleway"/>
+                <a:cs typeface="Raleway"/>
+                <a:sym typeface="Raleway"/>
+              </a:rPr>
+              <a:t>Max_depth: 12</a:t>
+            </a:r>
+            <a:endParaRPr sz="1300">
+              <a:solidFill>
+                <a:schemeClr val="accent1"/>
+              </a:solidFill>
+              <a:latin typeface="Raleway"/>
+              <a:ea typeface="Raleway"/>
+              <a:cs typeface="Raleway"/>
+              <a:sym typeface="Raleway"/>
+            </a:endParaRPr>
+          </a:p>
+        </p:txBody>
+      </p:sp>
+    </p:spTree>
+  </p:cSld>
+  <p:clrMapOvr>
+    <a:masterClrMapping/>
+  </p:clrMapOvr>
+</p:sld>
+</file>
+
+<file path=ppt/slides/slide19.xml><?xml version="1.0" encoding="utf-8"?>
+<p:sld xmlns:a="http://schemas.openxmlformats.org/drawingml/2006/main" xmlns:r="http://schemas.openxmlformats.org/officeDocument/2006/relationships" xmlns:mc="http://schemas.openxmlformats.org/markup-compatibility/2006" xmlns:mv="urn:schemas-microsoft-com:mac:vml" xmlns:p="http://schemas.openxmlformats.org/presentationml/2006/main" xmlns:c="http://schemas.openxmlformats.org/drawingml/2006/chart" xmlns:dgm="http://schemas.openxmlformats.org/drawingml/2006/diagram" xmlns:o="urn:schemas-microsoft-com:office:office" xmlns:v="urn:schemas-microsoft-com:vml" xmlns:pvml="urn:schemas-microsoft-com:office:powerpoint" xmlns:com="http://schemas.openxmlformats.org/drawingml/2006/compatibility" xmlns:p14="http://schemas.microsoft.com/office/powerpoint/2010/main" xmlns:p15="http://schemas.microsoft.com/office/powerpoint/2012/main" xmlns:ahyp="http://schemas.microsoft.com/office/drawing/2018/hyperlinkcolor">
+  <p:cSld>
+    <p:spTree>
+      <p:nvGrpSpPr>
+        <p:cNvPr id="213" name="Shape 213"/>
+        <p:cNvGrpSpPr/>
+        <p:nvPr/>
+      </p:nvGrpSpPr>
+      <p:grpSpPr>
+        <a:xfrm>
+          <a:off x="0" y="0"/>
+          <a:ext cx="0" cy="0"/>
+          <a:chOff x="0" y="0"/>
+          <a:chExt cx="0" cy="0"/>
+        </a:xfrm>
+      </p:grpSpPr>
+      <p:sp>
+        <p:nvSpPr>
+          <p:cNvPr id="214" name="Google Shape;214;p31"/>
+          <p:cNvSpPr txBox="1"/>
+          <p:nvPr>
+            <p:ph type="title"/>
+          </p:nvPr>
+        </p:nvSpPr>
+        <p:spPr>
+          <a:xfrm>
+            <a:off x="727650" y="591850"/>
+            <a:ext cx="7688700" cy="535200"/>
+          </a:xfrm>
+          <a:prstGeom prst="rect">
+            <a:avLst/>
+          </a:prstGeom>
+        </p:spPr>
+        <p:txBody>
+          <a:bodyPr anchorCtr="0" anchor="t" bIns="91425" lIns="91425" spcFirstLastPara="1" rIns="91425" wrap="square" tIns="91425">
+            <a:normAutofit fontScale="90000"/>
+          </a:bodyPr>
+          <a:lstStyle/>
+          <a:p>
+            <a:pPr indent="0" lvl="0" marL="0" rtl="0" algn="l">
+              <a:spcBef>
+                <a:spcPts val="0"/>
+              </a:spcBef>
+              <a:spcAft>
+                <a:spcPts val="0"/>
+              </a:spcAft>
+              <a:buNone/>
+            </a:pPr>
+            <a:r>
+              <a:rPr lang="en"/>
+              <a:t>Alternative Project Ideas?</a:t>
             </a:r>
             <a:endParaRPr/>
           </a:p>
@@ -9722,7 +11069,7 @@
       </p:sp>
       <p:sp>
         <p:nvSpPr>
-          <p:cNvPr id="191" name="Google Shape;191;p29"/>
+          <p:cNvPr id="215" name="Google Shape;215;p31"/>
           <p:cNvSpPr txBox="1"/>
           <p:nvPr>
             <p:ph idx="1" type="body"/>
@@ -9730,8 +11077,8 @@
         </p:nvSpPr>
         <p:spPr>
           <a:xfrm>
-            <a:off x="727650" y="1445250"/>
-            <a:ext cx="7688700" cy="3083400"/>
+            <a:off x="727650" y="1546775"/>
+            <a:ext cx="7688700" cy="2860500"/>
           </a:xfrm>
           <a:prstGeom prst="rect">
             <a:avLst/>
@@ -9739,7 +11086,7 @@
         </p:spPr>
         <p:txBody>
           <a:bodyPr anchorCtr="0" anchor="t" bIns="91425" lIns="91425" spcFirstLastPara="1" rIns="91425" wrap="square" tIns="91425">
-            <a:normAutofit lnSpcReduction="20000"/>
+            <a:normAutofit/>
           </a:bodyPr>
           <a:lstStyle/>
           <a:p>
@@ -9753,10 +11100,10 @@
               <a:buNone/>
             </a:pPr>
             <a:r>
-              <a:rPr lang="en" sz="1800"/>
-              <a:t>This research opens the possibility for the use of a decision tree model in predicting maternal health risks and other medical complications, especially in rural areas. </a:t>
+              <a:rPr lang="en"/>
+              <a:t>Places or companies that would find this information useful?</a:t>
             </a:r>
-            <a:endParaRPr sz="1800"/>
+            <a:endParaRPr/>
           </a:p>
           <a:p>
             <a:pPr indent="0" lvl="0" marL="0" rtl="0" algn="l">
@@ -9764,47 +11111,15 @@
                 <a:spcPts val="1200"/>
               </a:spcBef>
               <a:spcAft>
-                <a:spcPts val="0"/>
+                <a:spcPts val="1200"/>
               </a:spcAft>
               <a:buNone/>
             </a:pPr>
             <a:r>
-              <a:rPr lang="en" sz="1800"/>
-              <a:t>This gives the doctors the ability to triage more patients and, hopefully, save more lives.</a:t>
+              <a:rPr lang="en"/>
+              <a:t>Ways to improve the project?</a:t>
             </a:r>
-            <a:endParaRPr sz="1800"/>
-          </a:p>
-          <a:p>
-            <a:pPr indent="0" lvl="0" marL="0" rtl="0" algn="l">
-              <a:spcBef>
-                <a:spcPts val="1200"/>
-              </a:spcBef>
-              <a:spcAft>
-                <a:spcPts val="0"/>
-              </a:spcAft>
-              <a:buNone/>
-            </a:pPr>
-            <a:r>
-              <a:rPr lang="en" sz="1800"/>
-              <a:t>We share the ability to offer a viable support tool for significantly improving maternal healthcare in remote areas, with a relatively accurate model.</a:t>
-            </a:r>
-            <a:endParaRPr sz="1800"/>
-          </a:p>
-          <a:p>
-            <a:pPr indent="0" lvl="0" marL="0" rtl="0" algn="l">
-              <a:spcBef>
-                <a:spcPts val="1200"/>
-              </a:spcBef>
-              <a:spcAft>
-                <a:spcPts val="1200"/>
-              </a:spcAft>
-              <a:buNone/>
-            </a:pPr>
-            <a:r>
-              <a:rPr lang="en" sz="1800"/>
-              <a:t>We may see enhanced health outcomes for newborn children in the same areas due to the implementation of our decision tree.</a:t>
-            </a:r>
-            <a:endParaRPr sz="1800"/>
+            <a:endParaRPr/>
           </a:p>
         </p:txBody>
       </p:sp>
@@ -10014,6 +11329,159 @@
 </p:sld>
 </file>
 
+<file path=ppt/slides/slide20.xml><?xml version="1.0" encoding="utf-8"?>
+<p:sld xmlns:a="http://schemas.openxmlformats.org/drawingml/2006/main" xmlns:r="http://schemas.openxmlformats.org/officeDocument/2006/relationships" xmlns:mc="http://schemas.openxmlformats.org/markup-compatibility/2006" xmlns:mv="urn:schemas-microsoft-com:mac:vml" xmlns:p="http://schemas.openxmlformats.org/presentationml/2006/main" xmlns:c="http://schemas.openxmlformats.org/drawingml/2006/chart" xmlns:dgm="http://schemas.openxmlformats.org/drawingml/2006/diagram" xmlns:o="urn:schemas-microsoft-com:office:office" xmlns:v="urn:schemas-microsoft-com:vml" xmlns:pvml="urn:schemas-microsoft-com:office:powerpoint" xmlns:com="http://schemas.openxmlformats.org/drawingml/2006/compatibility" xmlns:p14="http://schemas.microsoft.com/office/powerpoint/2010/main" xmlns:p15="http://schemas.microsoft.com/office/powerpoint/2012/main" xmlns:ahyp="http://schemas.microsoft.com/office/drawing/2018/hyperlinkcolor">
+  <p:cSld>
+    <p:spTree>
+      <p:nvGrpSpPr>
+        <p:cNvPr id="219" name="Shape 219"/>
+        <p:cNvGrpSpPr/>
+        <p:nvPr/>
+      </p:nvGrpSpPr>
+      <p:grpSpPr>
+        <a:xfrm>
+          <a:off x="0" y="0"/>
+          <a:ext cx="0" cy="0"/>
+          <a:chOff x="0" y="0"/>
+          <a:chExt cx="0" cy="0"/>
+        </a:xfrm>
+      </p:grpSpPr>
+      <p:sp>
+        <p:nvSpPr>
+          <p:cNvPr id="220" name="Google Shape;220;p32"/>
+          <p:cNvSpPr txBox="1"/>
+          <p:nvPr>
+            <p:ph type="title"/>
+          </p:nvPr>
+        </p:nvSpPr>
+        <p:spPr>
+          <a:xfrm>
+            <a:off x="727650" y="526625"/>
+            <a:ext cx="7688700" cy="535200"/>
+          </a:xfrm>
+          <a:prstGeom prst="rect">
+            <a:avLst/>
+          </a:prstGeom>
+        </p:spPr>
+        <p:txBody>
+          <a:bodyPr anchorCtr="0" anchor="t" bIns="91425" lIns="91425" spcFirstLastPara="1" rIns="91425" wrap="square" tIns="91425">
+            <a:normAutofit fontScale="90000"/>
+          </a:bodyPr>
+          <a:lstStyle/>
+          <a:p>
+            <a:pPr indent="0" lvl="0" marL="0" rtl="0" algn="l">
+              <a:spcBef>
+                <a:spcPts val="0"/>
+              </a:spcBef>
+              <a:spcAft>
+                <a:spcPts val="0"/>
+              </a:spcAft>
+              <a:buNone/>
+            </a:pPr>
+            <a:r>
+              <a:rPr lang="en"/>
+              <a:t>Conclusion</a:t>
+            </a:r>
+            <a:endParaRPr/>
+          </a:p>
+        </p:txBody>
+      </p:sp>
+      <p:sp>
+        <p:nvSpPr>
+          <p:cNvPr id="221" name="Google Shape;221;p32"/>
+          <p:cNvSpPr txBox="1"/>
+          <p:nvPr>
+            <p:ph idx="1" type="body"/>
+          </p:nvPr>
+        </p:nvSpPr>
+        <p:spPr>
+          <a:xfrm>
+            <a:off x="727650" y="1445250"/>
+            <a:ext cx="7688700" cy="3083400"/>
+          </a:xfrm>
+          <a:prstGeom prst="rect">
+            <a:avLst/>
+          </a:prstGeom>
+        </p:spPr>
+        <p:txBody>
+          <a:bodyPr anchorCtr="0" anchor="t" bIns="91425" lIns="91425" spcFirstLastPara="1" rIns="91425" wrap="square" tIns="91425">
+            <a:normAutofit lnSpcReduction="20000"/>
+          </a:bodyPr>
+          <a:lstStyle/>
+          <a:p>
+            <a:pPr indent="0" lvl="0" marL="0" rtl="0" algn="l">
+              <a:spcBef>
+                <a:spcPts val="0"/>
+              </a:spcBef>
+              <a:spcAft>
+                <a:spcPts val="0"/>
+              </a:spcAft>
+              <a:buNone/>
+            </a:pPr>
+            <a:r>
+              <a:rPr lang="en" sz="1800"/>
+              <a:t>This research opens the possibility for the use of a decision tree model in predicting maternal health risks and other medical complications, especially in rural areas. </a:t>
+            </a:r>
+            <a:endParaRPr sz="1800"/>
+          </a:p>
+          <a:p>
+            <a:pPr indent="0" lvl="0" marL="0" rtl="0" algn="l">
+              <a:spcBef>
+                <a:spcPts val="1200"/>
+              </a:spcBef>
+              <a:spcAft>
+                <a:spcPts val="0"/>
+              </a:spcAft>
+              <a:buNone/>
+            </a:pPr>
+            <a:r>
+              <a:rPr lang="en" sz="1800"/>
+              <a:t>This gives the doctors the ability to triage more patients and, hopefully, save more lives.</a:t>
+            </a:r>
+            <a:endParaRPr sz="1800"/>
+          </a:p>
+          <a:p>
+            <a:pPr indent="0" lvl="0" marL="0" rtl="0" algn="l">
+              <a:spcBef>
+                <a:spcPts val="1200"/>
+              </a:spcBef>
+              <a:spcAft>
+                <a:spcPts val="0"/>
+              </a:spcAft>
+              <a:buNone/>
+            </a:pPr>
+            <a:r>
+              <a:rPr lang="en" sz="1800"/>
+              <a:t>We share the ability to offer a viable support tool for significantly improving maternal healthcare in remote areas, with a relatively accurate model.</a:t>
+            </a:r>
+            <a:endParaRPr sz="1800"/>
+          </a:p>
+          <a:p>
+            <a:pPr indent="0" lvl="0" marL="0" rtl="0" algn="l">
+              <a:spcBef>
+                <a:spcPts val="1200"/>
+              </a:spcBef>
+              <a:spcAft>
+                <a:spcPts val="1200"/>
+              </a:spcAft>
+              <a:buNone/>
+            </a:pPr>
+            <a:r>
+              <a:rPr lang="en" sz="1800"/>
+              <a:t>We may see enhanced health outcomes for newborn children in the same areas due to the implementation of our decision tree.</a:t>
+            </a:r>
+            <a:endParaRPr sz="1800"/>
+          </a:p>
+        </p:txBody>
+      </p:sp>
+    </p:spTree>
+  </p:cSld>
+  <p:clrMapOvr>
+    <a:masterClrMapping/>
+  </p:clrMapOvr>
+</p:sld>
+</file>
+
 <file path=ppt/slides/slide3.xml><?xml version="1.0" encoding="utf-8"?>
 <p:sld xmlns:a="http://schemas.openxmlformats.org/drawingml/2006/main" xmlns:r="http://schemas.openxmlformats.org/officeDocument/2006/relationships" xmlns:mc="http://schemas.openxmlformats.org/markup-compatibility/2006" xmlns:mv="urn:schemas-microsoft-com:mac:vml" xmlns:p="http://schemas.openxmlformats.org/presentationml/2006/main" xmlns:c="http://schemas.openxmlformats.org/drawingml/2006/chart" xmlns:dgm="http://schemas.openxmlformats.org/drawingml/2006/diagram" xmlns:o="urn:schemas-microsoft-com:office:office" xmlns:v="urn:schemas-microsoft-com:vml" xmlns:pvml="urn:schemas-microsoft-com:office:powerpoint" xmlns:com="http://schemas.openxmlformats.org/drawingml/2006/compatibility" xmlns:p14="http://schemas.microsoft.com/office/powerpoint/2010/main" xmlns:p15="http://schemas.microsoft.com/office/powerpoint/2012/main" xmlns:ahyp="http://schemas.microsoft.com/office/drawing/2018/hyperlinkcolor">
   <p:cSld>
@@ -10226,7 +11694,7 @@
         </p:spPr>
         <p:txBody>
           <a:bodyPr anchorCtr="0" anchor="t" bIns="91425" lIns="91425" spcFirstLastPara="1" rIns="91425" wrap="square" tIns="91425">
-            <a:normAutofit/>
+            <a:normAutofit fontScale="85000" lnSpcReduction="20000"/>
           </a:bodyPr>
           <a:lstStyle/>
           <a:p>
@@ -10253,7 +11721,7 @@
                   <a:srgbClr val="000000"/>
                 </a:solidFill>
               </a:rPr>
-              <a:t>The data is categorized as two equal halves of test and training data. Groups of data is fit into SVM, Decision tree, GridSearchCV, RandomizedSearchCV through python code. </a:t>
+              <a:t>The data is collected only in correlation to bodily conditions of the patients. No external factors are taken into consideration at the time of data collection.</a:t>
             </a:r>
             <a:endParaRPr sz="1800">
               <a:solidFill>
@@ -10277,15 +11745,7 @@
                   <a:srgbClr val="000000"/>
                 </a:solidFill>
               </a:rPr>
-              <a:t>The </a:t>
-            </a:r>
-            <a:r>
-              <a:rPr b="1" lang="en" sz="1800">
-                <a:solidFill>
-                  <a:srgbClr val="000000"/>
-                </a:solidFill>
-              </a:rPr>
-              <a:t>GridSearchCV</a:t>
+              <a:t>The data is examined using python code and with several cross tabs built to observe if there are any </a:t>
             </a:r>
             <a:r>
               <a:rPr lang="en" sz="1800">
@@ -10293,7 +11753,29 @@
                   <a:srgbClr val="000000"/>
                 </a:solidFill>
               </a:rPr>
-              <a:t> algorithms have a hyperparameter tuning capability to get the best parameters.</a:t>
+              <a:t>conclusive causing factors for the maternal risks.</a:t>
+            </a:r>
+            <a:br>
+              <a:rPr lang="en" sz="1800">
+                <a:solidFill>
+                  <a:srgbClr val="000000"/>
+                </a:solidFill>
+              </a:rPr>
+            </a:br>
+            <a:br>
+              <a:rPr lang="en" sz="1800">
+                <a:solidFill>
+                  <a:srgbClr val="000000"/>
+                </a:solidFill>
+              </a:rPr>
+            </a:br>
+            <a:r>
+              <a:rPr lang="en" sz="1800">
+                <a:solidFill>
+                  <a:srgbClr val="000000"/>
+                </a:solidFill>
+              </a:rPr>
+              <a:t>The record set is clean enough with no null values and the values are all valid for the features selected.</a:t>
             </a:r>
             <a:endParaRPr sz="1800">
               <a:solidFill>
@@ -10701,8 +12183,8 @@
         </p:nvSpPr>
         <p:spPr>
           <a:xfrm>
-            <a:off x="727800" y="573200"/>
-            <a:ext cx="7688400" cy="535200"/>
+            <a:off x="727650" y="535925"/>
+            <a:ext cx="7688700" cy="535200"/>
           </a:xfrm>
           <a:prstGeom prst="rect">
             <a:avLst/>
@@ -10725,7 +12207,7 @@
             </a:pPr>
             <a:r>
               <a:rPr lang="en"/>
-              <a:t>Model Algorithm</a:t>
+              <a:t>Methods</a:t>
             </a:r>
             <a:endParaRPr/>
           </a:p>
@@ -10741,8 +12223,8 @@
         </p:nvSpPr>
         <p:spPr>
           <a:xfrm>
-            <a:off x="412525" y="1268200"/>
-            <a:ext cx="4737600" cy="3349200"/>
+            <a:off x="727650" y="1543700"/>
+            <a:ext cx="7688700" cy="2261100"/>
           </a:xfrm>
           <a:prstGeom prst="rect">
             <a:avLst/>
@@ -10750,14 +12232,11 @@
         </p:spPr>
         <p:txBody>
           <a:bodyPr anchorCtr="0" anchor="t" bIns="91425" lIns="91425" spcFirstLastPara="1" rIns="91425" wrap="square" tIns="91425">
-            <a:normAutofit fontScale="25000" lnSpcReduction="20000"/>
+            <a:normAutofit/>
           </a:bodyPr>
           <a:lstStyle/>
           <a:p>
-            <a:pPr indent="0" lvl="0" marL="0" rtl="0" algn="just">
-              <a:lnSpc>
-                <a:spcPct val="150000"/>
-              </a:lnSpc>
+            <a:pPr indent="0" lvl="0" marL="0" rtl="0" algn="l">
               <a:spcBef>
                 <a:spcPts val="0"/>
               </a:spcBef>
@@ -10767,68 +12246,22 @@
               <a:buNone/>
             </a:pPr>
             <a:r>
-              <a:rPr b="1" i="1" lang="en" sz="3600">
+              <a:rPr b="1" lang="en" sz="1800">
                 <a:solidFill>
                   <a:srgbClr val="000000"/>
                 </a:solidFill>
               </a:rPr>
-              <a:t>BEGIN</a:t>
+              <a:t>Data Processing: </a:t>
             </a:r>
-            <a:endParaRPr b="1" i="1" sz="3600">
-              <a:solidFill>
-                <a:srgbClr val="000000"/>
-              </a:solidFill>
-            </a:endParaRPr>
-          </a:p>
-          <a:p>
-            <a:pPr indent="0" lvl="0" marL="0" rtl="0" algn="just">
-              <a:lnSpc>
-                <a:spcPct val="150000"/>
-              </a:lnSpc>
-              <a:spcBef>
-                <a:spcPts val="800"/>
-              </a:spcBef>
-              <a:spcAft>
-                <a:spcPts val="0"/>
-              </a:spcAft>
-              <a:buNone/>
-            </a:pPr>
             <a:r>
-              <a:rPr b="1" i="1" lang="en" sz="3600">
+              <a:rPr lang="en" sz="1800">
                 <a:solidFill>
                   <a:srgbClr val="000000"/>
                 </a:solidFill>
               </a:rPr>
-              <a:t>            Read the input file and loop through each patient record</a:t>
+              <a:t>The data is categorized as two equal halves of test and training data. Groups of data is fit into SVM, Decision tree, GridSearchCV, RandomizedSearchCV through python code. </a:t>
             </a:r>
-            <a:endParaRPr b="1" i="1" sz="3600">
-              <a:solidFill>
-                <a:srgbClr val="000000"/>
-              </a:solidFill>
-            </a:endParaRPr>
-          </a:p>
-          <a:p>
-            <a:pPr indent="0" lvl="0" marL="0" rtl="0" algn="just">
-              <a:lnSpc>
-                <a:spcPct val="150000"/>
-              </a:lnSpc>
-              <a:spcBef>
-                <a:spcPts val="800"/>
-              </a:spcBef>
-              <a:spcAft>
-                <a:spcPts val="0"/>
-              </a:spcAft>
-              <a:buNone/>
-            </a:pPr>
-            <a:r>
-              <a:rPr b="1" i="1" lang="en" sz="3600">
-                <a:solidFill>
-                  <a:srgbClr val="000000"/>
-                </a:solidFill>
-              </a:rPr>
-              <a:t>            LOOP</a:t>
-            </a:r>
-            <a:endParaRPr b="1" i="1" sz="3600">
+            <a:endParaRPr sz="1800">
               <a:solidFill>
                 <a:srgbClr val="000000"/>
               </a:solidFill>
@@ -10836,237 +12269,43 @@
           </a:p>
           <a:p>
             <a:pPr indent="0" lvl="0" marL="0" rtl="0" algn="l">
-              <a:lnSpc>
-                <a:spcPct val="150000"/>
-              </a:lnSpc>
-              <a:spcBef>
-                <a:spcPts val="800"/>
-              </a:spcBef>
-              <a:spcAft>
-                <a:spcPts val="0"/>
+              <a:spcBef>
+                <a:spcPts val="1200"/>
+              </a:spcBef>
+              <a:spcAft>
+                <a:spcPts val="1200"/>
               </a:spcAft>
               <a:buNone/>
             </a:pPr>
             <a:r>
-              <a:rPr b="1" i="1" lang="en" sz="3600">
+              <a:rPr lang="en" sz="1800">
                 <a:solidFill>
                   <a:srgbClr val="000000"/>
                 </a:solidFill>
               </a:rPr>
-              <a:t>            Choose features from the patient record</a:t>
+              <a:t>The </a:t>
             </a:r>
-            <a:endParaRPr b="1" i="1" sz="3600">
+            <a:r>
+              <a:rPr b="1" lang="en" sz="1800">
+                <a:solidFill>
+                  <a:srgbClr val="000000"/>
+                </a:solidFill>
+              </a:rPr>
+              <a:t>GridSearchCV</a:t>
+            </a:r>
+            <a:r>
+              <a:rPr lang="en" sz="1800">
+                <a:solidFill>
+                  <a:srgbClr val="000000"/>
+                </a:solidFill>
+              </a:rPr>
+              <a:t> algorithms have a hyperparameter tuning capability to get the best parameters.</a:t>
+            </a:r>
+            <a:endParaRPr sz="1800">
               <a:solidFill>
                 <a:srgbClr val="000000"/>
               </a:solidFill>
             </a:endParaRPr>
-          </a:p>
-          <a:p>
-            <a:pPr indent="0" lvl="0" marL="0" rtl="0" algn="l">
-              <a:lnSpc>
-                <a:spcPct val="150000"/>
-              </a:lnSpc>
-              <a:spcBef>
-                <a:spcPts val="800"/>
-              </a:spcBef>
-              <a:spcAft>
-                <a:spcPts val="0"/>
-              </a:spcAft>
-              <a:buNone/>
-            </a:pPr>
-            <a:r>
-              <a:rPr b="1" i="1" lang="en" sz="3600">
-                <a:solidFill>
-                  <a:srgbClr val="000000"/>
-                </a:solidFill>
-              </a:rPr>
-              <a:t>            Calculate significance for each feature, calculate accuracy and error rate</a:t>
-            </a:r>
-            <a:endParaRPr b="1" i="1" sz="3600">
-              <a:solidFill>
-                <a:srgbClr val="000000"/>
-              </a:solidFill>
-            </a:endParaRPr>
-          </a:p>
-          <a:p>
-            <a:pPr indent="0" lvl="0" marL="0" rtl="0" algn="l">
-              <a:lnSpc>
-                <a:spcPct val="150000"/>
-              </a:lnSpc>
-              <a:spcBef>
-                <a:spcPts val="800"/>
-              </a:spcBef>
-              <a:spcAft>
-                <a:spcPts val="0"/>
-              </a:spcAft>
-              <a:buNone/>
-            </a:pPr>
-            <a:r>
-              <a:rPr b="1" i="1" lang="en" sz="3600">
-                <a:solidFill>
-                  <a:srgbClr val="000000"/>
-                </a:solidFill>
-              </a:rPr>
-              <a:t>            Implement statistical data approach and calculate the best value for a combinationß</a:t>
-            </a:r>
-            <a:endParaRPr b="1" i="1" sz="3600">
-              <a:solidFill>
-                <a:srgbClr val="000000"/>
-              </a:solidFill>
-            </a:endParaRPr>
-          </a:p>
-          <a:p>
-            <a:pPr indent="0" lvl="0" marL="0" rtl="0" algn="l">
-              <a:lnSpc>
-                <a:spcPct val="150000"/>
-              </a:lnSpc>
-              <a:spcBef>
-                <a:spcPts val="800"/>
-              </a:spcBef>
-              <a:spcAft>
-                <a:spcPts val="0"/>
-              </a:spcAft>
-              <a:buNone/>
-            </a:pPr>
-            <a:r>
-              <a:rPr b="1" i="1" lang="en" sz="3600">
-                <a:solidFill>
-                  <a:srgbClr val="000000"/>
-                </a:solidFill>
-              </a:rPr>
-              <a:t>            For other combination of features repeat the loop</a:t>
-            </a:r>
-            <a:endParaRPr b="1" i="1" sz="3600">
-              <a:solidFill>
-                <a:srgbClr val="000000"/>
-              </a:solidFill>
-            </a:endParaRPr>
-          </a:p>
-          <a:p>
-            <a:pPr indent="0" lvl="0" marL="0" rtl="0" algn="just">
-              <a:lnSpc>
-                <a:spcPct val="150000"/>
-              </a:lnSpc>
-              <a:spcBef>
-                <a:spcPts val="800"/>
-              </a:spcBef>
-              <a:spcAft>
-                <a:spcPts val="0"/>
-              </a:spcAft>
-              <a:buNone/>
-            </a:pPr>
-            <a:r>
-              <a:rPr b="1" i="1" lang="en" sz="3600">
-                <a:solidFill>
-                  <a:srgbClr val="000000"/>
-                </a:solidFill>
-              </a:rPr>
-              <a:t>            END LOOP</a:t>
-            </a:r>
-            <a:endParaRPr b="1" i="1" sz="3600">
-              <a:solidFill>
-                <a:srgbClr val="000000"/>
-              </a:solidFill>
-            </a:endParaRPr>
-          </a:p>
-          <a:p>
-            <a:pPr indent="0" lvl="0" marL="0" rtl="0" algn="just">
-              <a:lnSpc>
-                <a:spcPct val="150000"/>
-              </a:lnSpc>
-              <a:spcBef>
-                <a:spcPts val="800"/>
-              </a:spcBef>
-              <a:spcAft>
-                <a:spcPts val="0"/>
-              </a:spcAft>
-              <a:buNone/>
-            </a:pPr>
-            <a:r>
-              <a:rPr b="1" i="1" lang="en" sz="3600">
-                <a:solidFill>
-                  <a:srgbClr val="000000"/>
-                </a:solidFill>
-              </a:rPr>
-              <a:t>COMPARE with trained data and test data</a:t>
-            </a:r>
-            <a:endParaRPr b="1" i="1" sz="3600">
-              <a:solidFill>
-                <a:srgbClr val="000000"/>
-              </a:solidFill>
-            </a:endParaRPr>
-          </a:p>
-          <a:p>
-            <a:pPr indent="0" lvl="0" marL="0" rtl="0" algn="just">
-              <a:lnSpc>
-                <a:spcPct val="150000"/>
-              </a:lnSpc>
-              <a:spcBef>
-                <a:spcPts val="800"/>
-              </a:spcBef>
-              <a:spcAft>
-                <a:spcPts val="0"/>
-              </a:spcAft>
-              <a:buNone/>
-            </a:pPr>
-            <a:r>
-              <a:rPr b="1" i="1" lang="en" sz="3600">
-                <a:solidFill>
-                  <a:srgbClr val="000000"/>
-                </a:solidFill>
-              </a:rPr>
-              <a:t>Predict the output risk level and display the valuesß</a:t>
-            </a:r>
-            <a:endParaRPr b="1" i="1" sz="3600">
-              <a:solidFill>
-                <a:srgbClr val="000000"/>
-              </a:solidFill>
-            </a:endParaRPr>
-          </a:p>
-          <a:p>
-            <a:pPr indent="0" lvl="0" marL="0" rtl="0" algn="just">
-              <a:lnSpc>
-                <a:spcPct val="150000"/>
-              </a:lnSpc>
-              <a:spcBef>
-                <a:spcPts val="800"/>
-              </a:spcBef>
-              <a:spcAft>
-                <a:spcPts val="0"/>
-              </a:spcAft>
-              <a:buNone/>
-            </a:pPr>
-            <a:r>
-              <a:rPr b="1" i="1" lang="en" sz="3600">
-                <a:solidFill>
-                  <a:srgbClr val="000000"/>
-                </a:solidFill>
-              </a:rPr>
-              <a:t>END</a:t>
-            </a:r>
-            <a:endParaRPr b="1" i="1" sz="3600">
-              <a:solidFill>
-                <a:srgbClr val="000000"/>
-              </a:solidFill>
-            </a:endParaRPr>
-          </a:p>
-          <a:p>
-            <a:pPr indent="0" lvl="0" marL="0" rtl="0" algn="l">
-              <a:lnSpc>
-                <a:spcPct val="150000"/>
-              </a:lnSpc>
-              <a:spcBef>
-                <a:spcPts val="800"/>
-              </a:spcBef>
-              <a:spcAft>
-                <a:spcPts val="1200"/>
-              </a:spcAft>
-              <a:buNone/>
-            </a:pPr>
-            <a:r>
-              <a:t/>
-            </a:r>
-            <a:endParaRPr/>
           </a:p>
         </p:txBody>
       </p:sp>
@@ -11105,8 +12344,8 @@
         </p:nvSpPr>
         <p:spPr>
           <a:xfrm>
-            <a:off x="727650" y="508000"/>
-            <a:ext cx="7688700" cy="535200"/>
+            <a:off x="727800" y="573200"/>
+            <a:ext cx="7688400" cy="535200"/>
           </a:xfrm>
           <a:prstGeom prst="rect">
             <a:avLst/>
@@ -11129,178 +12368,348 @@
             </a:pPr>
             <a:r>
               <a:rPr lang="en"/>
-              <a:t>Accuracy Scores (Decision Tree and SVM)</a:t>
+              <a:t>Model Algorithm</a:t>
             </a:r>
             <a:endParaRPr/>
           </a:p>
         </p:txBody>
       </p:sp>
-      <p:pic>
-        <p:nvPicPr>
+      <p:sp>
+        <p:nvSpPr>
           <p:cNvPr id="139" name="Google Shape;139;p21"/>
-          <p:cNvPicPr preferRelativeResize="0"/>
-          <p:nvPr/>
-        </p:nvPicPr>
-        <p:blipFill rotWithShape="1">
-          <a:blip r:embed="rId3">
-            <a:alphaModFix/>
-          </a:blip>
-          <a:srcRect b="0" l="7545" r="35594" t="4095"/>
-          <a:stretch/>
-        </p:blipFill>
-        <p:spPr>
-          <a:xfrm>
-            <a:off x="90100" y="2083925"/>
-            <a:ext cx="4323500" cy="2576775"/>
+          <p:cNvSpPr txBox="1"/>
+          <p:nvPr>
+            <p:ph idx="1" type="body"/>
+          </p:nvPr>
+        </p:nvSpPr>
+        <p:spPr>
+          <a:xfrm>
+            <a:off x="412525" y="1268200"/>
+            <a:ext cx="4737600" cy="3349200"/>
           </a:xfrm>
           <a:prstGeom prst="rect">
             <a:avLst/>
           </a:prstGeom>
-          <a:noFill/>
-          <a:ln>
-            <a:noFill/>
-          </a:ln>
-        </p:spPr>
-      </p:pic>
-      <p:sp>
-        <p:nvSpPr>
-          <p:cNvPr id="140" name="Google Shape;140;p21"/>
-          <p:cNvSpPr/>
-          <p:nvPr/>
-        </p:nvSpPr>
-        <p:spPr>
-          <a:xfrm rot="10800000">
-            <a:off x="3289250" y="4416775"/>
-            <a:ext cx="633600" cy="354000"/>
-          </a:xfrm>
-          <a:prstGeom prst="rightArrow">
-            <a:avLst>
-              <a:gd fmla="val 50000" name="adj1"/>
-              <a:gd fmla="val 50000" name="adj2"/>
-            </a:avLst>
-          </a:prstGeom>
-          <a:solidFill>
-            <a:schemeClr val="lt2"/>
-          </a:solidFill>
-          <a:ln cap="flat" cmpd="sng" w="9525">
-            <a:solidFill>
-              <a:schemeClr val="dk2"/>
-            </a:solidFill>
-            <a:prstDash val="solid"/>
-            <a:round/>
-            <a:headEnd len="sm" w="sm" type="none"/>
-            <a:tailEnd len="sm" w="sm" type="none"/>
-          </a:ln>
         </p:spPr>
         <p:txBody>
-          <a:bodyPr anchorCtr="0" anchor="ctr" bIns="91425" lIns="91425" spcFirstLastPara="1" rIns="91425" wrap="square" tIns="91425">
-            <a:noAutofit/>
+          <a:bodyPr anchorCtr="0" anchor="t" bIns="91425" lIns="91425" spcFirstLastPara="1" rIns="91425" wrap="square" tIns="91425">
+            <a:normAutofit fontScale="25000" lnSpcReduction="20000"/>
           </a:bodyPr>
           <a:lstStyle/>
           <a:p>
-            <a:pPr indent="0" lvl="0" marL="0" rtl="0" algn="ctr">
-              <a:spcBef>
-                <a:spcPts val="0"/>
-              </a:spcBef>
-              <a:spcAft>
-                <a:spcPts val="0"/>
+            <a:pPr indent="0" lvl="0" marL="0" rtl="0" algn="just">
+              <a:lnSpc>
+                <a:spcPct val="150000"/>
+              </a:lnSpc>
+              <a:spcBef>
+                <a:spcPts val="0"/>
+              </a:spcBef>
+              <a:spcAft>
+                <a:spcPts val="0"/>
+              </a:spcAft>
+              <a:buNone/>
+            </a:pPr>
+            <a:r>
+              <a:rPr b="1" i="1" lang="en" sz="3600">
+                <a:solidFill>
+                  <a:srgbClr val="000000"/>
+                </a:solidFill>
+              </a:rPr>
+              <a:t>BEGIN</a:t>
+            </a:r>
+            <a:endParaRPr b="1" i="1" sz="3600">
+              <a:solidFill>
+                <a:srgbClr val="000000"/>
+              </a:solidFill>
+            </a:endParaRPr>
+          </a:p>
+          <a:p>
+            <a:pPr indent="0" lvl="0" marL="0" rtl="0" algn="just">
+              <a:lnSpc>
+                <a:spcPct val="150000"/>
+              </a:lnSpc>
+              <a:spcBef>
+                <a:spcPts val="800"/>
+              </a:spcBef>
+              <a:spcAft>
+                <a:spcPts val="0"/>
+              </a:spcAft>
+              <a:buNone/>
+            </a:pPr>
+            <a:r>
+              <a:rPr b="1" i="1" lang="en" sz="3600">
+                <a:solidFill>
+                  <a:srgbClr val="000000"/>
+                </a:solidFill>
+              </a:rPr>
+              <a:t>            Read the input file and loop through each patient record</a:t>
+            </a:r>
+            <a:endParaRPr b="1" i="1" sz="3600">
+              <a:solidFill>
+                <a:srgbClr val="000000"/>
+              </a:solidFill>
+            </a:endParaRPr>
+          </a:p>
+          <a:p>
+            <a:pPr indent="0" lvl="0" marL="0" rtl="0" algn="just">
+              <a:lnSpc>
+                <a:spcPct val="150000"/>
+              </a:lnSpc>
+              <a:spcBef>
+                <a:spcPts val="800"/>
+              </a:spcBef>
+              <a:spcAft>
+                <a:spcPts val="0"/>
+              </a:spcAft>
+              <a:buNone/>
+            </a:pPr>
+            <a:r>
+              <a:rPr b="1" i="1" lang="en" sz="3600">
+                <a:solidFill>
+                  <a:srgbClr val="000000"/>
+                </a:solidFill>
+              </a:rPr>
+              <a:t>            LOOP</a:t>
+            </a:r>
+            <a:endParaRPr b="1" i="1" sz="3600">
+              <a:solidFill>
+                <a:srgbClr val="000000"/>
+              </a:solidFill>
+            </a:endParaRPr>
+          </a:p>
+          <a:p>
+            <a:pPr indent="0" lvl="0" marL="0" rtl="0" algn="l">
+              <a:lnSpc>
+                <a:spcPct val="150000"/>
+              </a:lnSpc>
+              <a:spcBef>
+                <a:spcPts val="800"/>
+              </a:spcBef>
+              <a:spcAft>
+                <a:spcPts val="0"/>
+              </a:spcAft>
+              <a:buNone/>
+            </a:pPr>
+            <a:r>
+              <a:rPr b="1" i="1" lang="en" sz="3600">
+                <a:solidFill>
+                  <a:srgbClr val="000000"/>
+                </a:solidFill>
+              </a:rPr>
+              <a:t>            Choose features from the patient record</a:t>
+            </a:r>
+            <a:endParaRPr b="1" i="1" sz="3600">
+              <a:solidFill>
+                <a:srgbClr val="000000"/>
+              </a:solidFill>
+            </a:endParaRPr>
+          </a:p>
+          <a:p>
+            <a:pPr indent="0" lvl="0" marL="0" rtl="0" algn="l">
+              <a:lnSpc>
+                <a:spcPct val="150000"/>
+              </a:lnSpc>
+              <a:spcBef>
+                <a:spcPts val="800"/>
+              </a:spcBef>
+              <a:spcAft>
+                <a:spcPts val="0"/>
+              </a:spcAft>
+              <a:buNone/>
+            </a:pPr>
+            <a:r>
+              <a:rPr b="1" i="1" lang="en" sz="3600">
+                <a:solidFill>
+                  <a:srgbClr val="000000"/>
+                </a:solidFill>
+              </a:rPr>
+              <a:t>            Calculate significance for each feature, calculate accuracy and error rate</a:t>
+            </a:r>
+            <a:endParaRPr b="1" i="1" sz="3600">
+              <a:solidFill>
+                <a:srgbClr val="000000"/>
+              </a:solidFill>
+            </a:endParaRPr>
+          </a:p>
+          <a:p>
+            <a:pPr indent="0" lvl="0" marL="0" rtl="0" algn="l">
+              <a:lnSpc>
+                <a:spcPct val="150000"/>
+              </a:lnSpc>
+              <a:spcBef>
+                <a:spcPts val="800"/>
+              </a:spcBef>
+              <a:spcAft>
+                <a:spcPts val="0"/>
+              </a:spcAft>
+              <a:buNone/>
+            </a:pPr>
+            <a:r>
+              <a:rPr b="1" i="1" lang="en" sz="3600">
+                <a:solidFill>
+                  <a:srgbClr val="000000"/>
+                </a:solidFill>
+              </a:rPr>
+              <a:t>            Implement statistical data approach and calculate the best value for a combinationß</a:t>
+            </a:r>
+            <a:endParaRPr b="1" i="1" sz="3600">
+              <a:solidFill>
+                <a:srgbClr val="000000"/>
+              </a:solidFill>
+            </a:endParaRPr>
+          </a:p>
+          <a:p>
+            <a:pPr indent="0" lvl="0" marL="0" rtl="0" algn="l">
+              <a:lnSpc>
+                <a:spcPct val="150000"/>
+              </a:lnSpc>
+              <a:spcBef>
+                <a:spcPts val="800"/>
+              </a:spcBef>
+              <a:spcAft>
+                <a:spcPts val="0"/>
+              </a:spcAft>
+              <a:buNone/>
+            </a:pPr>
+            <a:r>
+              <a:rPr b="1" i="1" lang="en" sz="3600">
+                <a:solidFill>
+                  <a:srgbClr val="000000"/>
+                </a:solidFill>
+              </a:rPr>
+              <a:t>            For other combination of features repeat the loop</a:t>
+            </a:r>
+            <a:endParaRPr b="1" i="1" sz="3600">
+              <a:solidFill>
+                <a:srgbClr val="000000"/>
+              </a:solidFill>
+            </a:endParaRPr>
+          </a:p>
+          <a:p>
+            <a:pPr indent="0" lvl="0" marL="0" rtl="0" algn="just">
+              <a:lnSpc>
+                <a:spcPct val="150000"/>
+              </a:lnSpc>
+              <a:spcBef>
+                <a:spcPts val="800"/>
+              </a:spcBef>
+              <a:spcAft>
+                <a:spcPts val="0"/>
+              </a:spcAft>
+              <a:buNone/>
+            </a:pPr>
+            <a:r>
+              <a:rPr b="1" i="1" lang="en" sz="3600">
+                <a:solidFill>
+                  <a:srgbClr val="000000"/>
+                </a:solidFill>
+              </a:rPr>
+              <a:t>            END LOOP</a:t>
+            </a:r>
+            <a:endParaRPr b="1" i="1" sz="3600">
+              <a:solidFill>
+                <a:srgbClr val="000000"/>
+              </a:solidFill>
+            </a:endParaRPr>
+          </a:p>
+          <a:p>
+            <a:pPr indent="0" lvl="0" marL="0" rtl="0" algn="just">
+              <a:lnSpc>
+                <a:spcPct val="150000"/>
+              </a:lnSpc>
+              <a:spcBef>
+                <a:spcPts val="800"/>
+              </a:spcBef>
+              <a:spcAft>
+                <a:spcPts val="0"/>
+              </a:spcAft>
+              <a:buNone/>
+            </a:pPr>
+            <a:r>
+              <a:rPr b="1" i="1" lang="en" sz="3600">
+                <a:solidFill>
+                  <a:srgbClr val="000000"/>
+                </a:solidFill>
+              </a:rPr>
+              <a:t>COMPARE with trained data and test data</a:t>
+            </a:r>
+            <a:endParaRPr b="1" i="1" sz="3600">
+              <a:solidFill>
+                <a:srgbClr val="000000"/>
+              </a:solidFill>
+            </a:endParaRPr>
+          </a:p>
+          <a:p>
+            <a:pPr indent="0" lvl="0" marL="0" rtl="0" algn="just">
+              <a:lnSpc>
+                <a:spcPct val="150000"/>
+              </a:lnSpc>
+              <a:spcBef>
+                <a:spcPts val="800"/>
+              </a:spcBef>
+              <a:spcAft>
+                <a:spcPts val="0"/>
+              </a:spcAft>
+              <a:buNone/>
+            </a:pPr>
+            <a:r>
+              <a:rPr b="1" i="1" lang="en" sz="3600">
+                <a:solidFill>
+                  <a:srgbClr val="000000"/>
+                </a:solidFill>
+              </a:rPr>
+              <a:t>Predict the output risk level and display the valuesß</a:t>
+            </a:r>
+            <a:endParaRPr b="1" i="1" sz="3600">
+              <a:solidFill>
+                <a:srgbClr val="000000"/>
+              </a:solidFill>
+            </a:endParaRPr>
+          </a:p>
+          <a:p>
+            <a:pPr indent="0" lvl="0" marL="0" rtl="0" algn="just">
+              <a:lnSpc>
+                <a:spcPct val="150000"/>
+              </a:lnSpc>
+              <a:spcBef>
+                <a:spcPts val="800"/>
+              </a:spcBef>
+              <a:spcAft>
+                <a:spcPts val="0"/>
+              </a:spcAft>
+              <a:buNone/>
+            </a:pPr>
+            <a:r>
+              <a:rPr b="1" i="1" lang="en" sz="3600">
+                <a:solidFill>
+                  <a:srgbClr val="000000"/>
+                </a:solidFill>
+              </a:rPr>
+              <a:t>END</a:t>
+            </a:r>
+            <a:endParaRPr b="1" i="1" sz="3600">
+              <a:solidFill>
+                <a:srgbClr val="000000"/>
+              </a:solidFill>
+            </a:endParaRPr>
+          </a:p>
+          <a:p>
+            <a:pPr indent="0" lvl="0" marL="0" rtl="0" algn="l">
+              <a:lnSpc>
+                <a:spcPct val="150000"/>
+              </a:lnSpc>
+              <a:spcBef>
+                <a:spcPts val="800"/>
+              </a:spcBef>
+              <a:spcAft>
+                <a:spcPts val="1200"/>
               </a:spcAft>
               <a:buNone/>
             </a:pPr>
             <a:r>
               <a:t/>
             </a:r>
-            <a:endParaRPr>
-              <a:latin typeface="Lato"/>
-              <a:ea typeface="Lato"/>
-              <a:cs typeface="Lato"/>
-              <a:sym typeface="Lato"/>
-            </a:endParaRPr>
-          </a:p>
-        </p:txBody>
-      </p:sp>
-      <p:pic>
-        <p:nvPicPr>
-          <p:cNvPr id="141" name="Google Shape;141;p21"/>
-          <p:cNvPicPr preferRelativeResize="0"/>
-          <p:nvPr/>
-        </p:nvPicPr>
-        <p:blipFill>
-          <a:blip r:embed="rId4">
-            <a:alphaModFix/>
-          </a:blip>
-          <a:stretch>
-            <a:fillRect/>
-          </a:stretch>
-        </p:blipFill>
-        <p:spPr>
-          <a:xfrm>
-            <a:off x="3606075" y="1626875"/>
-            <a:ext cx="5218050" cy="2477099"/>
-          </a:xfrm>
-          <a:prstGeom prst="rect">
-            <a:avLst/>
-          </a:prstGeom>
-          <a:noFill/>
-          <a:ln>
-            <a:noFill/>
-          </a:ln>
-        </p:spPr>
-      </p:pic>
-      <p:sp>
-        <p:nvSpPr>
-          <p:cNvPr id="142" name="Google Shape;142;p21"/>
-          <p:cNvSpPr/>
-          <p:nvPr/>
-        </p:nvSpPr>
-        <p:spPr>
-          <a:xfrm rot="10800000">
-            <a:off x="6386125" y="3749975"/>
-            <a:ext cx="633600" cy="354000"/>
-          </a:xfrm>
-          <a:prstGeom prst="rightArrow">
-            <a:avLst>
-              <a:gd fmla="val 50000" name="adj1"/>
-              <a:gd fmla="val 50000" name="adj2"/>
-            </a:avLst>
-          </a:prstGeom>
-          <a:solidFill>
-            <a:schemeClr val="lt2"/>
-          </a:solidFill>
-          <a:ln cap="flat" cmpd="sng" w="9525">
-            <a:solidFill>
-              <a:schemeClr val="dk2"/>
-            </a:solidFill>
-            <a:prstDash val="solid"/>
-            <a:round/>
-            <a:headEnd len="sm" w="sm" type="none"/>
-            <a:tailEnd len="sm" w="sm" type="none"/>
-          </a:ln>
-        </p:spPr>
-        <p:txBody>
-          <a:bodyPr anchorCtr="0" anchor="ctr" bIns="91425" lIns="91425" spcFirstLastPara="1" rIns="91425" wrap="square" tIns="91425">
-            <a:noAutofit/>
-          </a:bodyPr>
-          <a:lstStyle/>
-          <a:p>
-            <a:pPr indent="0" lvl="0" marL="0" rtl="0" algn="ctr">
-              <a:spcBef>
-                <a:spcPts val="0"/>
-              </a:spcBef>
-              <a:spcAft>
-                <a:spcPts val="0"/>
-              </a:spcAft>
-              <a:buNone/>
-            </a:pPr>
-            <a:r>
-              <a:t/>
-            </a:r>
-            <a:endParaRPr>
-              <a:latin typeface="Lato"/>
-              <a:ea typeface="Lato"/>
-              <a:cs typeface="Lato"/>
-              <a:sym typeface="Lato"/>
-            </a:endParaRPr>
+            <a:endParaRPr/>
           </a:p>
         </p:txBody>
       </p:sp>
